--- a/paper/figures/dms_schematic/dms_schematic.pptx
+++ b/paper/figures/dms_schematic/dms_schematic.pptx
@@ -7,14 +7,14 @@
   <p:sldIdLst>
     <p:sldId id="260" r:id="rId2"/>
   </p:sldIdLst>
-  <p:sldSz cx="6858000" cy="8001000"/>
+  <p:sldSz cx="6218238" cy="4022725"/>
   <p:notesSz cx="6858000" cy="9144000"/>
   <p:defaultTextStyle>
     <a:defPPr>
       <a:defRPr lang="en-US"/>
     </a:defPPr>
-    <a:lvl1pPr marL="0" algn="l" defTabSz="457200" rtl="0" eaLnBrk="1" latinLnBrk="0" hangingPunct="1">
-      <a:defRPr sz="1800" kern="1200">
+    <a:lvl1pPr marL="0" algn="l" defTabSz="332000" rtl="0" eaLnBrk="1" latinLnBrk="0" hangingPunct="1">
+      <a:defRPr sz="1300" kern="1200">
         <a:solidFill>
           <a:schemeClr val="tx1"/>
         </a:solidFill>
@@ -23,8 +23,8 @@
         <a:cs typeface="+mn-cs"/>
       </a:defRPr>
     </a:lvl1pPr>
-    <a:lvl2pPr marL="457200" algn="l" defTabSz="457200" rtl="0" eaLnBrk="1" latinLnBrk="0" hangingPunct="1">
-      <a:defRPr sz="1800" kern="1200">
+    <a:lvl2pPr marL="332000" algn="l" defTabSz="332000" rtl="0" eaLnBrk="1" latinLnBrk="0" hangingPunct="1">
+      <a:defRPr sz="1300" kern="1200">
         <a:solidFill>
           <a:schemeClr val="tx1"/>
         </a:solidFill>
@@ -33,8 +33,8 @@
         <a:cs typeface="+mn-cs"/>
       </a:defRPr>
     </a:lvl2pPr>
-    <a:lvl3pPr marL="914400" algn="l" defTabSz="457200" rtl="0" eaLnBrk="1" latinLnBrk="0" hangingPunct="1">
-      <a:defRPr sz="1800" kern="1200">
+    <a:lvl3pPr marL="664001" algn="l" defTabSz="332000" rtl="0" eaLnBrk="1" latinLnBrk="0" hangingPunct="1">
+      <a:defRPr sz="1300" kern="1200">
         <a:solidFill>
           <a:schemeClr val="tx1"/>
         </a:solidFill>
@@ -43,8 +43,8 @@
         <a:cs typeface="+mn-cs"/>
       </a:defRPr>
     </a:lvl3pPr>
-    <a:lvl4pPr marL="1371600" algn="l" defTabSz="457200" rtl="0" eaLnBrk="1" latinLnBrk="0" hangingPunct="1">
-      <a:defRPr sz="1800" kern="1200">
+    <a:lvl4pPr marL="996001" algn="l" defTabSz="332000" rtl="0" eaLnBrk="1" latinLnBrk="0" hangingPunct="1">
+      <a:defRPr sz="1300" kern="1200">
         <a:solidFill>
           <a:schemeClr val="tx1"/>
         </a:solidFill>
@@ -53,8 +53,8 @@
         <a:cs typeface="+mn-cs"/>
       </a:defRPr>
     </a:lvl4pPr>
-    <a:lvl5pPr marL="1828800" algn="l" defTabSz="457200" rtl="0" eaLnBrk="1" latinLnBrk="0" hangingPunct="1">
-      <a:defRPr sz="1800" kern="1200">
+    <a:lvl5pPr marL="1328001" algn="l" defTabSz="332000" rtl="0" eaLnBrk="1" latinLnBrk="0" hangingPunct="1">
+      <a:defRPr sz="1300" kern="1200">
         <a:solidFill>
           <a:schemeClr val="tx1"/>
         </a:solidFill>
@@ -63,8 +63,8 @@
         <a:cs typeface="+mn-cs"/>
       </a:defRPr>
     </a:lvl5pPr>
-    <a:lvl6pPr marL="2286000" algn="l" defTabSz="457200" rtl="0" eaLnBrk="1" latinLnBrk="0" hangingPunct="1">
-      <a:defRPr sz="1800" kern="1200">
+    <a:lvl6pPr marL="1660002" algn="l" defTabSz="332000" rtl="0" eaLnBrk="1" latinLnBrk="0" hangingPunct="1">
+      <a:defRPr sz="1300" kern="1200">
         <a:solidFill>
           <a:schemeClr val="tx1"/>
         </a:solidFill>
@@ -73,8 +73,8 @@
         <a:cs typeface="+mn-cs"/>
       </a:defRPr>
     </a:lvl6pPr>
-    <a:lvl7pPr marL="2743200" algn="l" defTabSz="457200" rtl="0" eaLnBrk="1" latinLnBrk="0" hangingPunct="1">
-      <a:defRPr sz="1800" kern="1200">
+    <a:lvl7pPr marL="1992002" algn="l" defTabSz="332000" rtl="0" eaLnBrk="1" latinLnBrk="0" hangingPunct="1">
+      <a:defRPr sz="1300" kern="1200">
         <a:solidFill>
           <a:schemeClr val="tx1"/>
         </a:solidFill>
@@ -83,8 +83,8 @@
         <a:cs typeface="+mn-cs"/>
       </a:defRPr>
     </a:lvl7pPr>
-    <a:lvl8pPr marL="3200400" algn="l" defTabSz="457200" rtl="0" eaLnBrk="1" latinLnBrk="0" hangingPunct="1">
-      <a:defRPr sz="1800" kern="1200">
+    <a:lvl8pPr marL="2324002" algn="l" defTabSz="332000" rtl="0" eaLnBrk="1" latinLnBrk="0" hangingPunct="1">
+      <a:defRPr sz="1300" kern="1200">
         <a:solidFill>
           <a:schemeClr val="tx1"/>
         </a:solidFill>
@@ -93,8 +93,8 @@
         <a:cs typeface="+mn-cs"/>
       </a:defRPr>
     </a:lvl8pPr>
-    <a:lvl9pPr marL="3657600" algn="l" defTabSz="457200" rtl="0" eaLnBrk="1" latinLnBrk="0" hangingPunct="1">
-      <a:defRPr sz="1800" kern="1200">
+    <a:lvl9pPr marL="2656003" algn="l" defTabSz="332000" rtl="0" eaLnBrk="1" latinLnBrk="0" hangingPunct="1">
+      <a:defRPr sz="1300" kern="1200">
         <a:solidFill>
           <a:schemeClr val="tx1"/>
         </a:solidFill>
@@ -136,8 +136,8 @@
         </p:nvSpPr>
         <p:spPr>
           <a:xfrm>
-            <a:off x="514350" y="2485497"/>
-            <a:ext cx="5829300" cy="1715029"/>
+            <a:off x="466368" y="1249653"/>
+            <a:ext cx="5285502" cy="862279"/>
           </a:xfrm>
         </p:spPr>
         <p:txBody>
@@ -164,8 +164,8 @@
         </p:nvSpPr>
         <p:spPr>
           <a:xfrm>
-            <a:off x="1028700" y="4533900"/>
-            <a:ext cx="4800600" cy="2044700"/>
+            <a:off x="932736" y="2279545"/>
+            <a:ext cx="4352767" cy="1028029"/>
           </a:xfrm>
         </p:spPr>
         <p:txBody>
@@ -181,7 +181,7 @@
                 </a:solidFill>
               </a:defRPr>
             </a:lvl1pPr>
-            <a:lvl2pPr marL="457200" indent="0" algn="ctr">
+            <a:lvl2pPr marL="332000" indent="0" algn="ctr">
               <a:buNone/>
               <a:defRPr>
                 <a:solidFill>
@@ -191,7 +191,7 @@
                 </a:solidFill>
               </a:defRPr>
             </a:lvl2pPr>
-            <a:lvl3pPr marL="914400" indent="0" algn="ctr">
+            <a:lvl3pPr marL="664001" indent="0" algn="ctr">
               <a:buNone/>
               <a:defRPr>
                 <a:solidFill>
@@ -201,7 +201,7 @@
                 </a:solidFill>
               </a:defRPr>
             </a:lvl3pPr>
-            <a:lvl4pPr marL="1371600" indent="0" algn="ctr">
+            <a:lvl4pPr marL="996001" indent="0" algn="ctr">
               <a:buNone/>
               <a:defRPr>
                 <a:solidFill>
@@ -211,7 +211,7 @@
                 </a:solidFill>
               </a:defRPr>
             </a:lvl4pPr>
-            <a:lvl5pPr marL="1828800" indent="0" algn="ctr">
+            <a:lvl5pPr marL="1328001" indent="0" algn="ctr">
               <a:buNone/>
               <a:defRPr>
                 <a:solidFill>
@@ -221,7 +221,7 @@
                 </a:solidFill>
               </a:defRPr>
             </a:lvl5pPr>
-            <a:lvl6pPr marL="2286000" indent="0" algn="ctr">
+            <a:lvl6pPr marL="1660002" indent="0" algn="ctr">
               <a:buNone/>
               <a:defRPr>
                 <a:solidFill>
@@ -231,7 +231,7 @@
                 </a:solidFill>
               </a:defRPr>
             </a:lvl6pPr>
-            <a:lvl7pPr marL="2743200" indent="0" algn="ctr">
+            <a:lvl7pPr marL="1992002" indent="0" algn="ctr">
               <a:buNone/>
               <a:defRPr>
                 <a:solidFill>
@@ -241,7 +241,7 @@
                 </a:solidFill>
               </a:defRPr>
             </a:lvl7pPr>
-            <a:lvl8pPr marL="3200400" indent="0" algn="ctr">
+            <a:lvl8pPr marL="2324002" indent="0" algn="ctr">
               <a:buNone/>
               <a:defRPr>
                 <a:solidFill>
@@ -251,7 +251,7 @@
                 </a:solidFill>
               </a:defRPr>
             </a:lvl8pPr>
-            <a:lvl9pPr marL="3657600" indent="0" algn="ctr">
+            <a:lvl9pPr marL="2656003" indent="0" algn="ctr">
               <a:buNone/>
               <a:defRPr>
                 <a:solidFill>
@@ -288,7 +288,7 @@
           <a:p>
             <a:fld id="{B1E60CEC-8CC6-8B48-9CD4-E19D93CC4CEE}" type="datetimeFigureOut">
               <a:rPr lang="en-US" smtClean="0"/>
-              <a:t>7/11/17</a:t>
+              <a:t>10/30/17</a:t>
             </a:fld>
             <a:endParaRPr lang="en-US"/>
           </a:p>
@@ -458,7 +458,7 @@
           <a:p>
             <a:fld id="{B1E60CEC-8CC6-8B48-9CD4-E19D93CC4CEE}" type="datetimeFigureOut">
               <a:rPr lang="en-US" smtClean="0"/>
-              <a:t>7/11/17</a:t>
+              <a:t>10/30/17</a:t>
             </a:fld>
             <a:endParaRPr lang="en-US"/>
           </a:p>
@@ -548,8 +548,8 @@
         </p:nvSpPr>
         <p:spPr>
           <a:xfrm>
-            <a:off x="3729037" y="374121"/>
-            <a:ext cx="1157288" cy="7963958"/>
+            <a:off x="3381167" y="188101"/>
+            <a:ext cx="1049328" cy="4004100"/>
           </a:xfrm>
         </p:spPr>
         <p:txBody>
@@ -576,8 +576,8 @@
         </p:nvSpPr>
         <p:spPr>
           <a:xfrm>
-            <a:off x="257175" y="374121"/>
-            <a:ext cx="3357563" cy="7963958"/>
+            <a:off x="233185" y="188101"/>
+            <a:ext cx="3044346" cy="4004100"/>
           </a:xfrm>
         </p:spPr>
         <p:txBody>
@@ -638,7 +638,7 @@
           <a:p>
             <a:fld id="{B1E60CEC-8CC6-8B48-9CD4-E19D93CC4CEE}" type="datetimeFigureOut">
               <a:rPr lang="en-US" smtClean="0"/>
-              <a:t>7/11/17</a:t>
+              <a:t>10/30/17</a:t>
             </a:fld>
             <a:endParaRPr lang="en-US"/>
           </a:p>
@@ -808,7 +808,7 @@
           <a:p>
             <a:fld id="{B1E60CEC-8CC6-8B48-9CD4-E19D93CC4CEE}" type="datetimeFigureOut">
               <a:rPr lang="en-US" smtClean="0"/>
-              <a:t>7/11/17</a:t>
+              <a:t>10/30/17</a:t>
             </a:fld>
             <a:endParaRPr lang="en-US"/>
           </a:p>
@@ -898,15 +898,15 @@
         </p:nvSpPr>
         <p:spPr>
           <a:xfrm>
-            <a:off x="541735" y="5141384"/>
-            <a:ext cx="5829300" cy="1589088"/>
+            <a:off x="491198" y="2584973"/>
+            <a:ext cx="5285502" cy="798958"/>
           </a:xfrm>
         </p:spPr>
         <p:txBody>
           <a:bodyPr anchor="t"/>
           <a:lstStyle>
             <a:lvl1pPr algn="l">
-              <a:defRPr sz="4000" b="1" cap="all"/>
+              <a:defRPr sz="2900" b="1" cap="all"/>
             </a:lvl1pPr>
           </a:lstStyle>
           <a:p>
@@ -930,8 +930,8 @@
         </p:nvSpPr>
         <p:spPr>
           <a:xfrm>
-            <a:off x="541735" y="3391166"/>
-            <a:ext cx="5829300" cy="1750218"/>
+            <a:off x="491198" y="1705004"/>
+            <a:ext cx="5285502" cy="879970"/>
           </a:xfrm>
         </p:spPr>
         <p:txBody>
@@ -939,7 +939,7 @@
           <a:lstStyle>
             <a:lvl1pPr marL="0" indent="0">
               <a:buNone/>
-              <a:defRPr sz="2000">
+              <a:defRPr sz="1500">
                 <a:solidFill>
                   <a:schemeClr val="tx1">
                     <a:tint val="75000"/>
@@ -947,9 +947,9 @@
                 </a:solidFill>
               </a:defRPr>
             </a:lvl1pPr>
-            <a:lvl2pPr marL="457200" indent="0">
+            <a:lvl2pPr marL="332000" indent="0">
               <a:buNone/>
-              <a:defRPr sz="1800">
+              <a:defRPr sz="1300">
                 <a:solidFill>
                   <a:schemeClr val="tx1">
                     <a:tint val="75000"/>
@@ -957,9 +957,9 @@
                 </a:solidFill>
               </a:defRPr>
             </a:lvl2pPr>
-            <a:lvl3pPr marL="914400" indent="0">
+            <a:lvl3pPr marL="664001" indent="0">
               <a:buNone/>
-              <a:defRPr sz="1600">
+              <a:defRPr sz="1200">
                 <a:solidFill>
                   <a:schemeClr val="tx1">
                     <a:tint val="75000"/>
@@ -967,9 +967,9 @@
                 </a:solidFill>
               </a:defRPr>
             </a:lvl3pPr>
-            <a:lvl4pPr marL="1371600" indent="0">
+            <a:lvl4pPr marL="996001" indent="0">
               <a:buNone/>
-              <a:defRPr sz="1400">
+              <a:defRPr sz="1000">
                 <a:solidFill>
                   <a:schemeClr val="tx1">
                     <a:tint val="75000"/>
@@ -977,9 +977,9 @@
                 </a:solidFill>
               </a:defRPr>
             </a:lvl4pPr>
-            <a:lvl5pPr marL="1828800" indent="0">
+            <a:lvl5pPr marL="1328001" indent="0">
               <a:buNone/>
-              <a:defRPr sz="1400">
+              <a:defRPr sz="1000">
                 <a:solidFill>
                   <a:schemeClr val="tx1">
                     <a:tint val="75000"/>
@@ -987,9 +987,9 @@
                 </a:solidFill>
               </a:defRPr>
             </a:lvl5pPr>
-            <a:lvl6pPr marL="2286000" indent="0">
+            <a:lvl6pPr marL="1660002" indent="0">
               <a:buNone/>
-              <a:defRPr sz="1400">
+              <a:defRPr sz="1000">
                 <a:solidFill>
                   <a:schemeClr val="tx1">
                     <a:tint val="75000"/>
@@ -997,9 +997,9 @@
                 </a:solidFill>
               </a:defRPr>
             </a:lvl6pPr>
-            <a:lvl7pPr marL="2743200" indent="0">
+            <a:lvl7pPr marL="1992002" indent="0">
               <a:buNone/>
-              <a:defRPr sz="1400">
+              <a:defRPr sz="1000">
                 <a:solidFill>
                   <a:schemeClr val="tx1">
                     <a:tint val="75000"/>
@@ -1007,9 +1007,9 @@
                 </a:solidFill>
               </a:defRPr>
             </a:lvl7pPr>
-            <a:lvl8pPr marL="3200400" indent="0">
+            <a:lvl8pPr marL="2324002" indent="0">
               <a:buNone/>
-              <a:defRPr sz="1400">
+              <a:defRPr sz="1000">
                 <a:solidFill>
                   <a:schemeClr val="tx1">
                     <a:tint val="75000"/>
@@ -1017,9 +1017,9 @@
                 </a:solidFill>
               </a:defRPr>
             </a:lvl8pPr>
-            <a:lvl9pPr marL="3657600" indent="0">
+            <a:lvl9pPr marL="2656003" indent="0">
               <a:buNone/>
-              <a:defRPr sz="1400">
+              <a:defRPr sz="1000">
                 <a:solidFill>
                   <a:schemeClr val="tx1">
                     <a:tint val="75000"/>
@@ -1054,7 +1054,7 @@
           <a:p>
             <a:fld id="{B1E60CEC-8CC6-8B48-9CD4-E19D93CC4CEE}" type="datetimeFigureOut">
               <a:rPr lang="en-US" smtClean="0"/>
-              <a:t>7/11/17</a:t>
+              <a:t>10/30/17</a:t>
             </a:fld>
             <a:endParaRPr lang="en-US"/>
           </a:p>
@@ -1167,39 +1167,39 @@
         </p:nvSpPr>
         <p:spPr>
           <a:xfrm>
-            <a:off x="257175" y="2178051"/>
-            <a:ext cx="2257425" cy="6160029"/>
+            <a:off x="233187" y="1095076"/>
+            <a:ext cx="2046837" cy="3097127"/>
           </a:xfrm>
         </p:spPr>
         <p:txBody>
           <a:bodyPr/>
           <a:lstStyle>
             <a:lvl1pPr>
-              <a:defRPr sz="2800"/>
+              <a:defRPr sz="2000"/>
             </a:lvl1pPr>
             <a:lvl2pPr>
-              <a:defRPr sz="2400"/>
+              <a:defRPr sz="1700"/>
             </a:lvl2pPr>
             <a:lvl3pPr>
-              <a:defRPr sz="2000"/>
+              <a:defRPr sz="1500"/>
             </a:lvl3pPr>
             <a:lvl4pPr>
-              <a:defRPr sz="1800"/>
+              <a:defRPr sz="1300"/>
             </a:lvl4pPr>
             <a:lvl5pPr>
-              <a:defRPr sz="1800"/>
+              <a:defRPr sz="1300"/>
             </a:lvl5pPr>
             <a:lvl6pPr>
-              <a:defRPr sz="1800"/>
+              <a:defRPr sz="1300"/>
             </a:lvl6pPr>
             <a:lvl7pPr>
-              <a:defRPr sz="1800"/>
+              <a:defRPr sz="1300"/>
             </a:lvl7pPr>
             <a:lvl8pPr>
-              <a:defRPr sz="1800"/>
+              <a:defRPr sz="1300"/>
             </a:lvl8pPr>
             <a:lvl9pPr>
-              <a:defRPr sz="1800"/>
+              <a:defRPr sz="1300"/>
             </a:lvl9pPr>
           </a:lstStyle>
           <a:p>
@@ -1252,39 +1252,39 @@
         </p:nvSpPr>
         <p:spPr>
           <a:xfrm>
-            <a:off x="2628900" y="2178051"/>
-            <a:ext cx="2257425" cy="6160029"/>
+            <a:off x="2383661" y="1095076"/>
+            <a:ext cx="2046837" cy="3097127"/>
           </a:xfrm>
         </p:spPr>
         <p:txBody>
           <a:bodyPr/>
           <a:lstStyle>
             <a:lvl1pPr>
-              <a:defRPr sz="2800"/>
+              <a:defRPr sz="2000"/>
             </a:lvl1pPr>
             <a:lvl2pPr>
-              <a:defRPr sz="2400"/>
+              <a:defRPr sz="1700"/>
             </a:lvl2pPr>
             <a:lvl3pPr>
-              <a:defRPr sz="2000"/>
+              <a:defRPr sz="1500"/>
             </a:lvl3pPr>
             <a:lvl4pPr>
-              <a:defRPr sz="1800"/>
+              <a:defRPr sz="1300"/>
             </a:lvl4pPr>
             <a:lvl5pPr>
-              <a:defRPr sz="1800"/>
+              <a:defRPr sz="1300"/>
             </a:lvl5pPr>
             <a:lvl6pPr>
-              <a:defRPr sz="1800"/>
+              <a:defRPr sz="1300"/>
             </a:lvl6pPr>
             <a:lvl7pPr>
-              <a:defRPr sz="1800"/>
+              <a:defRPr sz="1300"/>
             </a:lvl7pPr>
             <a:lvl8pPr>
-              <a:defRPr sz="1800"/>
+              <a:defRPr sz="1300"/>
             </a:lvl8pPr>
             <a:lvl9pPr>
-              <a:defRPr sz="1800"/>
+              <a:defRPr sz="1300"/>
             </a:lvl9pPr>
           </a:lstStyle>
           <a:p>
@@ -1342,7 +1342,7 @@
           <a:p>
             <a:fld id="{B1E60CEC-8CC6-8B48-9CD4-E19D93CC4CEE}" type="datetimeFigureOut">
               <a:rPr lang="en-US" smtClean="0"/>
-              <a:t>7/11/17</a:t>
+              <a:t>10/30/17</a:t>
             </a:fld>
             <a:endParaRPr lang="en-US"/>
           </a:p>
@@ -1432,8 +1432,8 @@
         </p:nvSpPr>
         <p:spPr>
           <a:xfrm>
-            <a:off x="342900" y="320411"/>
-            <a:ext cx="6172200" cy="1333500"/>
+            <a:off x="310912" y="161096"/>
+            <a:ext cx="5596414" cy="670454"/>
           </a:xfrm>
         </p:spPr>
         <p:txBody>
@@ -1464,8 +1464,8 @@
         </p:nvSpPr>
         <p:spPr>
           <a:xfrm>
-            <a:off x="342900" y="1790965"/>
-            <a:ext cx="3030141" cy="746389"/>
+            <a:off x="310915" y="900458"/>
+            <a:ext cx="2747469" cy="375267"/>
           </a:xfrm>
         </p:spPr>
         <p:txBody>
@@ -1473,39 +1473,39 @@
           <a:lstStyle>
             <a:lvl1pPr marL="0" indent="0">
               <a:buNone/>
-              <a:defRPr sz="2400" b="1"/>
+              <a:defRPr sz="1700" b="1"/>
             </a:lvl1pPr>
-            <a:lvl2pPr marL="457200" indent="0">
+            <a:lvl2pPr marL="332000" indent="0">
               <a:buNone/>
-              <a:defRPr sz="2000" b="1"/>
+              <a:defRPr sz="1500" b="1"/>
             </a:lvl2pPr>
-            <a:lvl3pPr marL="914400" indent="0">
+            <a:lvl3pPr marL="664001" indent="0">
               <a:buNone/>
-              <a:defRPr sz="1800" b="1"/>
+              <a:defRPr sz="1300" b="1"/>
             </a:lvl3pPr>
-            <a:lvl4pPr marL="1371600" indent="0">
+            <a:lvl4pPr marL="996001" indent="0">
               <a:buNone/>
-              <a:defRPr sz="1600" b="1"/>
+              <a:defRPr sz="1200" b="1"/>
             </a:lvl4pPr>
-            <a:lvl5pPr marL="1828800" indent="0">
+            <a:lvl5pPr marL="1328001" indent="0">
               <a:buNone/>
-              <a:defRPr sz="1600" b="1"/>
+              <a:defRPr sz="1200" b="1"/>
             </a:lvl5pPr>
-            <a:lvl6pPr marL="2286000" indent="0">
+            <a:lvl6pPr marL="1660002" indent="0">
               <a:buNone/>
-              <a:defRPr sz="1600" b="1"/>
+              <a:defRPr sz="1200" b="1"/>
             </a:lvl6pPr>
-            <a:lvl7pPr marL="2743200" indent="0">
+            <a:lvl7pPr marL="1992002" indent="0">
               <a:buNone/>
-              <a:defRPr sz="1600" b="1"/>
+              <a:defRPr sz="1200" b="1"/>
             </a:lvl7pPr>
-            <a:lvl8pPr marL="3200400" indent="0">
+            <a:lvl8pPr marL="2324002" indent="0">
               <a:buNone/>
-              <a:defRPr sz="1600" b="1"/>
+              <a:defRPr sz="1200" b="1"/>
             </a:lvl8pPr>
-            <a:lvl9pPr marL="3657600" indent="0">
+            <a:lvl9pPr marL="2656003" indent="0">
               <a:buNone/>
-              <a:defRPr sz="1600" b="1"/>
+              <a:defRPr sz="1200" b="1"/>
             </a:lvl9pPr>
           </a:lstStyle>
           <a:p>
@@ -1529,39 +1529,39 @@
         </p:nvSpPr>
         <p:spPr>
           <a:xfrm>
-            <a:off x="342900" y="2537354"/>
-            <a:ext cx="3030141" cy="4609836"/>
+            <a:off x="310915" y="1275726"/>
+            <a:ext cx="2747469" cy="2317724"/>
           </a:xfrm>
         </p:spPr>
         <p:txBody>
           <a:bodyPr/>
           <a:lstStyle>
             <a:lvl1pPr>
-              <a:defRPr sz="2400"/>
+              <a:defRPr sz="1700"/>
             </a:lvl1pPr>
             <a:lvl2pPr>
-              <a:defRPr sz="2000"/>
+              <a:defRPr sz="1500"/>
             </a:lvl2pPr>
             <a:lvl3pPr>
-              <a:defRPr sz="1800"/>
+              <a:defRPr sz="1300"/>
             </a:lvl3pPr>
             <a:lvl4pPr>
-              <a:defRPr sz="1600"/>
+              <a:defRPr sz="1200"/>
             </a:lvl4pPr>
             <a:lvl5pPr>
-              <a:defRPr sz="1600"/>
+              <a:defRPr sz="1200"/>
             </a:lvl5pPr>
             <a:lvl6pPr>
-              <a:defRPr sz="1600"/>
+              <a:defRPr sz="1200"/>
             </a:lvl6pPr>
             <a:lvl7pPr>
-              <a:defRPr sz="1600"/>
+              <a:defRPr sz="1200"/>
             </a:lvl7pPr>
             <a:lvl8pPr>
-              <a:defRPr sz="1600"/>
+              <a:defRPr sz="1200"/>
             </a:lvl8pPr>
             <a:lvl9pPr>
-              <a:defRPr sz="1600"/>
+              <a:defRPr sz="1200"/>
             </a:lvl9pPr>
           </a:lstStyle>
           <a:p>
@@ -1614,8 +1614,8 @@
         </p:nvSpPr>
         <p:spPr>
           <a:xfrm>
-            <a:off x="3483769" y="1790965"/>
-            <a:ext cx="3031331" cy="746389"/>
+            <a:off x="3158782" y="900458"/>
+            <a:ext cx="2748547" cy="375267"/>
           </a:xfrm>
         </p:spPr>
         <p:txBody>
@@ -1623,39 +1623,39 @@
           <a:lstStyle>
             <a:lvl1pPr marL="0" indent="0">
               <a:buNone/>
-              <a:defRPr sz="2400" b="1"/>
+              <a:defRPr sz="1700" b="1"/>
             </a:lvl1pPr>
-            <a:lvl2pPr marL="457200" indent="0">
+            <a:lvl2pPr marL="332000" indent="0">
               <a:buNone/>
-              <a:defRPr sz="2000" b="1"/>
+              <a:defRPr sz="1500" b="1"/>
             </a:lvl2pPr>
-            <a:lvl3pPr marL="914400" indent="0">
+            <a:lvl3pPr marL="664001" indent="0">
               <a:buNone/>
-              <a:defRPr sz="1800" b="1"/>
+              <a:defRPr sz="1300" b="1"/>
             </a:lvl3pPr>
-            <a:lvl4pPr marL="1371600" indent="0">
+            <a:lvl4pPr marL="996001" indent="0">
               <a:buNone/>
-              <a:defRPr sz="1600" b="1"/>
+              <a:defRPr sz="1200" b="1"/>
             </a:lvl4pPr>
-            <a:lvl5pPr marL="1828800" indent="0">
+            <a:lvl5pPr marL="1328001" indent="0">
               <a:buNone/>
-              <a:defRPr sz="1600" b="1"/>
+              <a:defRPr sz="1200" b="1"/>
             </a:lvl5pPr>
-            <a:lvl6pPr marL="2286000" indent="0">
+            <a:lvl6pPr marL="1660002" indent="0">
               <a:buNone/>
-              <a:defRPr sz="1600" b="1"/>
+              <a:defRPr sz="1200" b="1"/>
             </a:lvl6pPr>
-            <a:lvl7pPr marL="2743200" indent="0">
+            <a:lvl7pPr marL="1992002" indent="0">
               <a:buNone/>
-              <a:defRPr sz="1600" b="1"/>
+              <a:defRPr sz="1200" b="1"/>
             </a:lvl7pPr>
-            <a:lvl8pPr marL="3200400" indent="0">
+            <a:lvl8pPr marL="2324002" indent="0">
               <a:buNone/>
-              <a:defRPr sz="1600" b="1"/>
+              <a:defRPr sz="1200" b="1"/>
             </a:lvl8pPr>
-            <a:lvl9pPr marL="3657600" indent="0">
+            <a:lvl9pPr marL="2656003" indent="0">
               <a:buNone/>
-              <a:defRPr sz="1600" b="1"/>
+              <a:defRPr sz="1200" b="1"/>
             </a:lvl9pPr>
           </a:lstStyle>
           <a:p>
@@ -1679,39 +1679,39 @@
         </p:nvSpPr>
         <p:spPr>
           <a:xfrm>
-            <a:off x="3483769" y="2537354"/>
-            <a:ext cx="3031331" cy="4609836"/>
+            <a:off x="3158782" y="1275726"/>
+            <a:ext cx="2748547" cy="2317724"/>
           </a:xfrm>
         </p:spPr>
         <p:txBody>
           <a:bodyPr/>
           <a:lstStyle>
             <a:lvl1pPr>
-              <a:defRPr sz="2400"/>
+              <a:defRPr sz="1700"/>
             </a:lvl1pPr>
             <a:lvl2pPr>
-              <a:defRPr sz="2000"/>
+              <a:defRPr sz="1500"/>
             </a:lvl2pPr>
             <a:lvl3pPr>
-              <a:defRPr sz="1800"/>
+              <a:defRPr sz="1300"/>
             </a:lvl3pPr>
             <a:lvl4pPr>
-              <a:defRPr sz="1600"/>
+              <a:defRPr sz="1200"/>
             </a:lvl4pPr>
             <a:lvl5pPr>
-              <a:defRPr sz="1600"/>
+              <a:defRPr sz="1200"/>
             </a:lvl5pPr>
             <a:lvl6pPr>
-              <a:defRPr sz="1600"/>
+              <a:defRPr sz="1200"/>
             </a:lvl6pPr>
             <a:lvl7pPr>
-              <a:defRPr sz="1600"/>
+              <a:defRPr sz="1200"/>
             </a:lvl7pPr>
             <a:lvl8pPr>
-              <a:defRPr sz="1600"/>
+              <a:defRPr sz="1200"/>
             </a:lvl8pPr>
             <a:lvl9pPr>
-              <a:defRPr sz="1600"/>
+              <a:defRPr sz="1200"/>
             </a:lvl9pPr>
           </a:lstStyle>
           <a:p>
@@ -1769,7 +1769,7 @@
           <a:p>
             <a:fld id="{B1E60CEC-8CC6-8B48-9CD4-E19D93CC4CEE}" type="datetimeFigureOut">
               <a:rPr lang="en-US" smtClean="0"/>
-              <a:t>7/11/17</a:t>
+              <a:t>10/30/17</a:t>
             </a:fld>
             <a:endParaRPr lang="en-US"/>
           </a:p>
@@ -1887,7 +1887,7 @@
           <a:p>
             <a:fld id="{B1E60CEC-8CC6-8B48-9CD4-E19D93CC4CEE}" type="datetimeFigureOut">
               <a:rPr lang="en-US" smtClean="0"/>
-              <a:t>7/11/17</a:t>
+              <a:t>10/30/17</a:t>
             </a:fld>
             <a:endParaRPr lang="en-US"/>
           </a:p>
@@ -1982,7 +1982,7 @@
           <a:p>
             <a:fld id="{B1E60CEC-8CC6-8B48-9CD4-E19D93CC4CEE}" type="datetimeFigureOut">
               <a:rPr lang="en-US" smtClean="0"/>
-              <a:t>7/11/17</a:t>
+              <a:t>10/30/17</a:t>
             </a:fld>
             <a:endParaRPr lang="en-US"/>
           </a:p>
@@ -2072,15 +2072,15 @@
         </p:nvSpPr>
         <p:spPr>
           <a:xfrm>
-            <a:off x="342900" y="318558"/>
-            <a:ext cx="2256235" cy="1355725"/>
+            <a:off x="310917" y="160163"/>
+            <a:ext cx="2045757" cy="681629"/>
           </a:xfrm>
         </p:spPr>
         <p:txBody>
           <a:bodyPr anchor="b"/>
           <a:lstStyle>
             <a:lvl1pPr algn="l">
-              <a:defRPr sz="2000" b="1"/>
+              <a:defRPr sz="1500" b="1"/>
             </a:lvl1pPr>
           </a:lstStyle>
           <a:p>
@@ -2104,39 +2104,39 @@
         </p:nvSpPr>
         <p:spPr>
           <a:xfrm>
-            <a:off x="2681287" y="318559"/>
-            <a:ext cx="3833813" cy="6828632"/>
+            <a:off x="2431159" y="160165"/>
+            <a:ext cx="3476168" cy="3433285"/>
           </a:xfrm>
         </p:spPr>
         <p:txBody>
           <a:bodyPr/>
           <a:lstStyle>
             <a:lvl1pPr>
-              <a:defRPr sz="3200"/>
+              <a:defRPr sz="2400"/>
             </a:lvl1pPr>
             <a:lvl2pPr>
-              <a:defRPr sz="2800"/>
+              <a:defRPr sz="2000"/>
             </a:lvl2pPr>
             <a:lvl3pPr>
-              <a:defRPr sz="2400"/>
+              <a:defRPr sz="1700"/>
             </a:lvl3pPr>
             <a:lvl4pPr>
-              <a:defRPr sz="2000"/>
+              <a:defRPr sz="1500"/>
             </a:lvl4pPr>
             <a:lvl5pPr>
-              <a:defRPr sz="2000"/>
+              <a:defRPr sz="1500"/>
             </a:lvl5pPr>
             <a:lvl6pPr>
-              <a:defRPr sz="2000"/>
+              <a:defRPr sz="1500"/>
             </a:lvl6pPr>
             <a:lvl7pPr>
-              <a:defRPr sz="2000"/>
+              <a:defRPr sz="1500"/>
             </a:lvl7pPr>
             <a:lvl8pPr>
-              <a:defRPr sz="2000"/>
+              <a:defRPr sz="1500"/>
             </a:lvl8pPr>
             <a:lvl9pPr>
-              <a:defRPr sz="2000"/>
+              <a:defRPr sz="1500"/>
             </a:lvl9pPr>
           </a:lstStyle>
           <a:p>
@@ -2189,8 +2189,8 @@
         </p:nvSpPr>
         <p:spPr>
           <a:xfrm>
-            <a:off x="342900" y="1674284"/>
-            <a:ext cx="2256235" cy="5472907"/>
+            <a:off x="310917" y="841795"/>
+            <a:ext cx="2045757" cy="2751657"/>
           </a:xfrm>
         </p:spPr>
         <p:txBody>
@@ -2198,39 +2198,39 @@
           <a:lstStyle>
             <a:lvl1pPr marL="0" indent="0">
               <a:buNone/>
-              <a:defRPr sz="1400"/>
+              <a:defRPr sz="1000"/>
             </a:lvl1pPr>
-            <a:lvl2pPr marL="457200" indent="0">
-              <a:buNone/>
-              <a:defRPr sz="1200"/>
-            </a:lvl2pPr>
-            <a:lvl3pPr marL="914400" indent="0">
-              <a:buNone/>
-              <a:defRPr sz="1000"/>
-            </a:lvl3pPr>
-            <a:lvl4pPr marL="1371600" indent="0">
+            <a:lvl2pPr marL="332000" indent="0">
               <a:buNone/>
               <a:defRPr sz="900"/>
+            </a:lvl2pPr>
+            <a:lvl3pPr marL="664001" indent="0">
+              <a:buNone/>
+              <a:defRPr sz="700"/>
+            </a:lvl3pPr>
+            <a:lvl4pPr marL="996001" indent="0">
+              <a:buNone/>
+              <a:defRPr sz="600"/>
             </a:lvl4pPr>
-            <a:lvl5pPr marL="1828800" indent="0">
+            <a:lvl5pPr marL="1328001" indent="0">
               <a:buNone/>
-              <a:defRPr sz="900"/>
+              <a:defRPr sz="600"/>
             </a:lvl5pPr>
-            <a:lvl6pPr marL="2286000" indent="0">
+            <a:lvl6pPr marL="1660002" indent="0">
               <a:buNone/>
-              <a:defRPr sz="900"/>
+              <a:defRPr sz="600"/>
             </a:lvl6pPr>
-            <a:lvl7pPr marL="2743200" indent="0">
+            <a:lvl7pPr marL="1992002" indent="0">
               <a:buNone/>
-              <a:defRPr sz="900"/>
+              <a:defRPr sz="600"/>
             </a:lvl7pPr>
-            <a:lvl8pPr marL="3200400" indent="0">
+            <a:lvl8pPr marL="2324002" indent="0">
               <a:buNone/>
-              <a:defRPr sz="900"/>
+              <a:defRPr sz="600"/>
             </a:lvl8pPr>
-            <a:lvl9pPr marL="3657600" indent="0">
+            <a:lvl9pPr marL="2656003" indent="0">
               <a:buNone/>
-              <a:defRPr sz="900"/>
+              <a:defRPr sz="600"/>
             </a:lvl9pPr>
           </a:lstStyle>
           <a:p>
@@ -2259,7 +2259,7 @@
           <a:p>
             <a:fld id="{B1E60CEC-8CC6-8B48-9CD4-E19D93CC4CEE}" type="datetimeFigureOut">
               <a:rPr lang="en-US" smtClean="0"/>
-              <a:t>7/11/17</a:t>
+              <a:t>10/30/17</a:t>
             </a:fld>
             <a:endParaRPr lang="en-US"/>
           </a:p>
@@ -2349,15 +2349,15 @@
         </p:nvSpPr>
         <p:spPr>
           <a:xfrm>
-            <a:off x="1344216" y="5600700"/>
-            <a:ext cx="4114800" cy="661194"/>
+            <a:off x="1218821" y="2815907"/>
+            <a:ext cx="3730943" cy="332434"/>
           </a:xfrm>
         </p:spPr>
         <p:txBody>
           <a:bodyPr anchor="b"/>
           <a:lstStyle>
             <a:lvl1pPr algn="l">
-              <a:defRPr sz="2000" b="1"/>
+              <a:defRPr sz="1500" b="1"/>
             </a:lvl1pPr>
           </a:lstStyle>
           <a:p>
@@ -2381,8 +2381,8 @@
         </p:nvSpPr>
         <p:spPr>
           <a:xfrm>
-            <a:off x="1344216" y="714904"/>
-            <a:ext cx="4114800" cy="4800600"/>
+            <a:off x="1218821" y="359439"/>
+            <a:ext cx="3730943" cy="2413635"/>
           </a:xfrm>
         </p:spPr>
         <p:txBody>
@@ -2390,39 +2390,39 @@
           <a:lstStyle>
             <a:lvl1pPr marL="0" indent="0">
               <a:buNone/>
-              <a:defRPr sz="3200"/>
+              <a:defRPr sz="2400"/>
             </a:lvl1pPr>
-            <a:lvl2pPr marL="457200" indent="0">
-              <a:buNone/>
-              <a:defRPr sz="2800"/>
-            </a:lvl2pPr>
-            <a:lvl3pPr marL="914400" indent="0">
-              <a:buNone/>
-              <a:defRPr sz="2400"/>
-            </a:lvl3pPr>
-            <a:lvl4pPr marL="1371600" indent="0">
+            <a:lvl2pPr marL="332000" indent="0">
               <a:buNone/>
               <a:defRPr sz="2000"/>
+            </a:lvl2pPr>
+            <a:lvl3pPr marL="664001" indent="0">
+              <a:buNone/>
+              <a:defRPr sz="1700"/>
+            </a:lvl3pPr>
+            <a:lvl4pPr marL="996001" indent="0">
+              <a:buNone/>
+              <a:defRPr sz="1500"/>
             </a:lvl4pPr>
-            <a:lvl5pPr marL="1828800" indent="0">
+            <a:lvl5pPr marL="1328001" indent="0">
               <a:buNone/>
-              <a:defRPr sz="2000"/>
+              <a:defRPr sz="1500"/>
             </a:lvl5pPr>
-            <a:lvl6pPr marL="2286000" indent="0">
+            <a:lvl6pPr marL="1660002" indent="0">
               <a:buNone/>
-              <a:defRPr sz="2000"/>
+              <a:defRPr sz="1500"/>
             </a:lvl6pPr>
-            <a:lvl7pPr marL="2743200" indent="0">
+            <a:lvl7pPr marL="1992002" indent="0">
               <a:buNone/>
-              <a:defRPr sz="2000"/>
+              <a:defRPr sz="1500"/>
             </a:lvl7pPr>
-            <a:lvl8pPr marL="3200400" indent="0">
+            <a:lvl8pPr marL="2324002" indent="0">
               <a:buNone/>
-              <a:defRPr sz="2000"/>
+              <a:defRPr sz="1500"/>
             </a:lvl8pPr>
-            <a:lvl9pPr marL="3657600" indent="0">
+            <a:lvl9pPr marL="2656003" indent="0">
               <a:buNone/>
-              <a:defRPr sz="2000"/>
+              <a:defRPr sz="1500"/>
             </a:lvl9pPr>
           </a:lstStyle>
           <a:p>
@@ -2442,8 +2442,8 @@
         </p:nvSpPr>
         <p:spPr>
           <a:xfrm>
-            <a:off x="1344216" y="6261894"/>
-            <a:ext cx="4114800" cy="939006"/>
+            <a:off x="1218821" y="3148340"/>
+            <a:ext cx="3730943" cy="472112"/>
           </a:xfrm>
         </p:spPr>
         <p:txBody>
@@ -2451,39 +2451,39 @@
           <a:lstStyle>
             <a:lvl1pPr marL="0" indent="0">
               <a:buNone/>
-              <a:defRPr sz="1400"/>
+              <a:defRPr sz="1000"/>
             </a:lvl1pPr>
-            <a:lvl2pPr marL="457200" indent="0">
-              <a:buNone/>
-              <a:defRPr sz="1200"/>
-            </a:lvl2pPr>
-            <a:lvl3pPr marL="914400" indent="0">
-              <a:buNone/>
-              <a:defRPr sz="1000"/>
-            </a:lvl3pPr>
-            <a:lvl4pPr marL="1371600" indent="0">
+            <a:lvl2pPr marL="332000" indent="0">
               <a:buNone/>
               <a:defRPr sz="900"/>
+            </a:lvl2pPr>
+            <a:lvl3pPr marL="664001" indent="0">
+              <a:buNone/>
+              <a:defRPr sz="700"/>
+            </a:lvl3pPr>
+            <a:lvl4pPr marL="996001" indent="0">
+              <a:buNone/>
+              <a:defRPr sz="600"/>
             </a:lvl4pPr>
-            <a:lvl5pPr marL="1828800" indent="0">
+            <a:lvl5pPr marL="1328001" indent="0">
               <a:buNone/>
-              <a:defRPr sz="900"/>
+              <a:defRPr sz="600"/>
             </a:lvl5pPr>
-            <a:lvl6pPr marL="2286000" indent="0">
+            <a:lvl6pPr marL="1660002" indent="0">
               <a:buNone/>
-              <a:defRPr sz="900"/>
+              <a:defRPr sz="600"/>
             </a:lvl6pPr>
-            <a:lvl7pPr marL="2743200" indent="0">
+            <a:lvl7pPr marL="1992002" indent="0">
               <a:buNone/>
-              <a:defRPr sz="900"/>
+              <a:defRPr sz="600"/>
             </a:lvl7pPr>
-            <a:lvl8pPr marL="3200400" indent="0">
+            <a:lvl8pPr marL="2324002" indent="0">
               <a:buNone/>
-              <a:defRPr sz="900"/>
+              <a:defRPr sz="600"/>
             </a:lvl8pPr>
-            <a:lvl9pPr marL="3657600" indent="0">
+            <a:lvl9pPr marL="2656003" indent="0">
               <a:buNone/>
-              <a:defRPr sz="900"/>
+              <a:defRPr sz="600"/>
             </a:lvl9pPr>
           </a:lstStyle>
           <a:p>
@@ -2512,7 +2512,7 @@
           <a:p>
             <a:fld id="{B1E60CEC-8CC6-8B48-9CD4-E19D93CC4CEE}" type="datetimeFigureOut">
               <a:rPr lang="en-US" smtClean="0"/>
-              <a:t>7/11/17</a:t>
+              <a:t>10/30/17</a:t>
             </a:fld>
             <a:endParaRPr lang="en-US"/>
           </a:p>
@@ -2607,15 +2607,15 @@
         </p:nvSpPr>
         <p:spPr>
           <a:xfrm>
-            <a:off x="342900" y="320411"/>
-            <a:ext cx="6172200" cy="1333500"/>
+            <a:off x="310912" y="161096"/>
+            <a:ext cx="5596414" cy="670454"/>
           </a:xfrm>
           <a:prstGeom prst="rect">
             <a:avLst/>
           </a:prstGeom>
         </p:spPr>
         <p:txBody>
-          <a:bodyPr vert="horz" lIns="91440" tIns="45720" rIns="91440" bIns="45720" rtlCol="0" anchor="ctr">
+          <a:bodyPr vert="horz" lIns="66400" tIns="33200" rIns="66400" bIns="33200" rtlCol="0" anchor="ctr">
             <a:normAutofit/>
           </a:bodyPr>
           <a:lstStyle/>
@@ -2640,15 +2640,15 @@
         </p:nvSpPr>
         <p:spPr>
           <a:xfrm>
-            <a:off x="342900" y="1866901"/>
-            <a:ext cx="6172200" cy="5280290"/>
+            <a:off x="310912" y="938637"/>
+            <a:ext cx="5596414" cy="2654811"/>
           </a:xfrm>
           <a:prstGeom prst="rect">
             <a:avLst/>
           </a:prstGeom>
         </p:spPr>
         <p:txBody>
-          <a:bodyPr vert="horz" lIns="91440" tIns="45720" rIns="91440" bIns="45720" rtlCol="0">
+          <a:bodyPr vert="horz" lIns="66400" tIns="33200" rIns="66400" bIns="33200" rtlCol="0">
             <a:normAutofit/>
           </a:bodyPr>
           <a:lstStyle/>
@@ -2702,18 +2702,18 @@
         </p:nvSpPr>
         <p:spPr>
           <a:xfrm>
-            <a:off x="342900" y="7415742"/>
-            <a:ext cx="1600200" cy="425979"/>
+            <a:off x="310912" y="3728471"/>
+            <a:ext cx="1450922" cy="214174"/>
           </a:xfrm>
           <a:prstGeom prst="rect">
             <a:avLst/>
           </a:prstGeom>
         </p:spPr>
         <p:txBody>
-          <a:bodyPr vert="horz" lIns="91440" tIns="45720" rIns="91440" bIns="45720" rtlCol="0" anchor="ctr"/>
+          <a:bodyPr vert="horz" lIns="66400" tIns="33200" rIns="66400" bIns="33200" rtlCol="0" anchor="ctr"/>
           <a:lstStyle>
             <a:lvl1pPr algn="l">
-              <a:defRPr sz="1200">
+              <a:defRPr sz="900">
                 <a:solidFill>
                   <a:schemeClr val="tx1">
                     <a:tint val="75000"/>
@@ -2725,7 +2725,7 @@
           <a:p>
             <a:fld id="{B1E60CEC-8CC6-8B48-9CD4-E19D93CC4CEE}" type="datetimeFigureOut">
               <a:rPr lang="en-US" smtClean="0"/>
-              <a:t>7/11/17</a:t>
+              <a:t>10/30/17</a:t>
             </a:fld>
             <a:endParaRPr lang="en-US"/>
           </a:p>
@@ -2743,18 +2743,18 @@
         </p:nvSpPr>
         <p:spPr>
           <a:xfrm>
-            <a:off x="2343150" y="7415742"/>
-            <a:ext cx="2171700" cy="425979"/>
+            <a:off x="2124565" y="3728471"/>
+            <a:ext cx="1969109" cy="214174"/>
           </a:xfrm>
           <a:prstGeom prst="rect">
             <a:avLst/>
           </a:prstGeom>
         </p:spPr>
         <p:txBody>
-          <a:bodyPr vert="horz" lIns="91440" tIns="45720" rIns="91440" bIns="45720" rtlCol="0" anchor="ctr"/>
+          <a:bodyPr vert="horz" lIns="66400" tIns="33200" rIns="66400" bIns="33200" rtlCol="0" anchor="ctr"/>
           <a:lstStyle>
             <a:lvl1pPr algn="ctr">
-              <a:defRPr sz="1200">
+              <a:defRPr sz="900">
                 <a:solidFill>
                   <a:schemeClr val="tx1">
                     <a:tint val="75000"/>
@@ -2780,18 +2780,18 @@
         </p:nvSpPr>
         <p:spPr>
           <a:xfrm>
-            <a:off x="4914900" y="7415742"/>
-            <a:ext cx="1600200" cy="425979"/>
+            <a:off x="4456404" y="3728471"/>
+            <a:ext cx="1450922" cy="214174"/>
           </a:xfrm>
           <a:prstGeom prst="rect">
             <a:avLst/>
           </a:prstGeom>
         </p:spPr>
         <p:txBody>
-          <a:bodyPr vert="horz" lIns="91440" tIns="45720" rIns="91440" bIns="45720" rtlCol="0" anchor="ctr"/>
+          <a:bodyPr vert="horz" lIns="66400" tIns="33200" rIns="66400" bIns="33200" rtlCol="0" anchor="ctr"/>
           <a:lstStyle>
             <a:lvl1pPr algn="r">
-              <a:defRPr sz="1200">
+              <a:defRPr sz="900">
                 <a:solidFill>
                   <a:schemeClr val="tx1">
                     <a:tint val="75000"/>
@@ -2832,12 +2832,12 @@
   </p:sldLayoutIdLst>
   <p:txStyles>
     <p:titleStyle>
-      <a:lvl1pPr algn="ctr" defTabSz="457200" rtl="0" eaLnBrk="1" latinLnBrk="0" hangingPunct="1">
+      <a:lvl1pPr algn="ctr" defTabSz="332000" rtl="0" eaLnBrk="1" latinLnBrk="0" hangingPunct="1">
         <a:spcBef>
           <a:spcPct val="0"/>
         </a:spcBef>
         <a:buNone/>
-        <a:defRPr sz="4400" kern="1200">
+        <a:defRPr sz="3200" kern="1200">
           <a:solidFill>
             <a:schemeClr val="tx1"/>
           </a:solidFill>
@@ -2848,37 +2848,7 @@
       </a:lvl1pPr>
     </p:titleStyle>
     <p:bodyStyle>
-      <a:lvl1pPr marL="342900" indent="-342900" algn="l" defTabSz="457200" rtl="0" eaLnBrk="1" latinLnBrk="0" hangingPunct="1">
-        <a:spcBef>
-          <a:spcPct val="20000"/>
-        </a:spcBef>
-        <a:buFont typeface="Arial"/>
-        <a:buChar char="•"/>
-        <a:defRPr sz="3200" kern="1200">
-          <a:solidFill>
-            <a:schemeClr val="tx1"/>
-          </a:solidFill>
-          <a:latin typeface="+mn-lt"/>
-          <a:ea typeface="+mn-ea"/>
-          <a:cs typeface="+mn-cs"/>
-        </a:defRPr>
-      </a:lvl1pPr>
-      <a:lvl2pPr marL="742950" indent="-285750" algn="l" defTabSz="457200" rtl="0" eaLnBrk="1" latinLnBrk="0" hangingPunct="1">
-        <a:spcBef>
-          <a:spcPct val="20000"/>
-        </a:spcBef>
-        <a:buFont typeface="Arial"/>
-        <a:buChar char="–"/>
-        <a:defRPr sz="2800" kern="1200">
-          <a:solidFill>
-            <a:schemeClr val="tx1"/>
-          </a:solidFill>
-          <a:latin typeface="+mn-lt"/>
-          <a:ea typeface="+mn-ea"/>
-          <a:cs typeface="+mn-cs"/>
-        </a:defRPr>
-      </a:lvl2pPr>
-      <a:lvl3pPr marL="1143000" indent="-228600" algn="l" defTabSz="457200" rtl="0" eaLnBrk="1" latinLnBrk="0" hangingPunct="1">
+      <a:lvl1pPr marL="249000" indent="-249000" algn="l" defTabSz="332000" rtl="0" eaLnBrk="1" latinLnBrk="0" hangingPunct="1">
         <a:spcBef>
           <a:spcPct val="20000"/>
         </a:spcBef>
@@ -2892,8 +2862,8 @@
           <a:ea typeface="+mn-ea"/>
           <a:cs typeface="+mn-cs"/>
         </a:defRPr>
-      </a:lvl3pPr>
-      <a:lvl4pPr marL="1600200" indent="-228600" algn="l" defTabSz="457200" rtl="0" eaLnBrk="1" latinLnBrk="0" hangingPunct="1">
+      </a:lvl1pPr>
+      <a:lvl2pPr marL="539501" indent="-207500" algn="l" defTabSz="332000" rtl="0" eaLnBrk="1" latinLnBrk="0" hangingPunct="1">
         <a:spcBef>
           <a:spcPct val="20000"/>
         </a:spcBef>
@@ -2907,14 +2877,44 @@
           <a:ea typeface="+mn-ea"/>
           <a:cs typeface="+mn-cs"/>
         </a:defRPr>
+      </a:lvl2pPr>
+      <a:lvl3pPr marL="830001" indent="-166000" algn="l" defTabSz="332000" rtl="0" eaLnBrk="1" latinLnBrk="0" hangingPunct="1">
+        <a:spcBef>
+          <a:spcPct val="20000"/>
+        </a:spcBef>
+        <a:buFont typeface="Arial"/>
+        <a:buChar char="•"/>
+        <a:defRPr sz="1700" kern="1200">
+          <a:solidFill>
+            <a:schemeClr val="tx1"/>
+          </a:solidFill>
+          <a:latin typeface="+mn-lt"/>
+          <a:ea typeface="+mn-ea"/>
+          <a:cs typeface="+mn-cs"/>
+        </a:defRPr>
+      </a:lvl3pPr>
+      <a:lvl4pPr marL="1162001" indent="-166000" algn="l" defTabSz="332000" rtl="0" eaLnBrk="1" latinLnBrk="0" hangingPunct="1">
+        <a:spcBef>
+          <a:spcPct val="20000"/>
+        </a:spcBef>
+        <a:buFont typeface="Arial"/>
+        <a:buChar char="–"/>
+        <a:defRPr sz="1500" kern="1200">
+          <a:solidFill>
+            <a:schemeClr val="tx1"/>
+          </a:solidFill>
+          <a:latin typeface="+mn-lt"/>
+          <a:ea typeface="+mn-ea"/>
+          <a:cs typeface="+mn-cs"/>
+        </a:defRPr>
       </a:lvl4pPr>
-      <a:lvl5pPr marL="2057400" indent="-228600" algn="l" defTabSz="457200" rtl="0" eaLnBrk="1" latinLnBrk="0" hangingPunct="1">
+      <a:lvl5pPr marL="1494002" indent="-166000" algn="l" defTabSz="332000" rtl="0" eaLnBrk="1" latinLnBrk="0" hangingPunct="1">
         <a:spcBef>
           <a:spcPct val="20000"/>
         </a:spcBef>
         <a:buFont typeface="Arial"/>
         <a:buChar char="»"/>
-        <a:defRPr sz="2000" kern="1200">
+        <a:defRPr sz="1500" kern="1200">
           <a:solidFill>
             <a:schemeClr val="tx1"/>
           </a:solidFill>
@@ -2923,13 +2923,13 @@
           <a:cs typeface="+mn-cs"/>
         </a:defRPr>
       </a:lvl5pPr>
-      <a:lvl6pPr marL="2514600" indent="-228600" algn="l" defTabSz="457200" rtl="0" eaLnBrk="1" latinLnBrk="0" hangingPunct="1">
+      <a:lvl6pPr marL="1826002" indent="-166000" algn="l" defTabSz="332000" rtl="0" eaLnBrk="1" latinLnBrk="0" hangingPunct="1">
         <a:spcBef>
           <a:spcPct val="20000"/>
         </a:spcBef>
         <a:buFont typeface="Arial"/>
         <a:buChar char="•"/>
-        <a:defRPr sz="2000" kern="1200">
+        <a:defRPr sz="1500" kern="1200">
           <a:solidFill>
             <a:schemeClr val="tx1"/>
           </a:solidFill>
@@ -2938,13 +2938,13 @@
           <a:cs typeface="+mn-cs"/>
         </a:defRPr>
       </a:lvl6pPr>
-      <a:lvl7pPr marL="2971800" indent="-228600" algn="l" defTabSz="457200" rtl="0" eaLnBrk="1" latinLnBrk="0" hangingPunct="1">
+      <a:lvl7pPr marL="2158002" indent="-166000" algn="l" defTabSz="332000" rtl="0" eaLnBrk="1" latinLnBrk="0" hangingPunct="1">
         <a:spcBef>
           <a:spcPct val="20000"/>
         </a:spcBef>
         <a:buFont typeface="Arial"/>
         <a:buChar char="•"/>
-        <a:defRPr sz="2000" kern="1200">
+        <a:defRPr sz="1500" kern="1200">
           <a:solidFill>
             <a:schemeClr val="tx1"/>
           </a:solidFill>
@@ -2953,13 +2953,13 @@
           <a:cs typeface="+mn-cs"/>
         </a:defRPr>
       </a:lvl7pPr>
-      <a:lvl8pPr marL="3429000" indent="-228600" algn="l" defTabSz="457200" rtl="0" eaLnBrk="1" latinLnBrk="0" hangingPunct="1">
+      <a:lvl8pPr marL="2490003" indent="-166000" algn="l" defTabSz="332000" rtl="0" eaLnBrk="1" latinLnBrk="0" hangingPunct="1">
         <a:spcBef>
           <a:spcPct val="20000"/>
         </a:spcBef>
         <a:buFont typeface="Arial"/>
         <a:buChar char="•"/>
-        <a:defRPr sz="2000" kern="1200">
+        <a:defRPr sz="1500" kern="1200">
           <a:solidFill>
             <a:schemeClr val="tx1"/>
           </a:solidFill>
@@ -2968,13 +2968,13 @@
           <a:cs typeface="+mn-cs"/>
         </a:defRPr>
       </a:lvl8pPr>
-      <a:lvl9pPr marL="3886200" indent="-228600" algn="l" defTabSz="457200" rtl="0" eaLnBrk="1" latinLnBrk="0" hangingPunct="1">
+      <a:lvl9pPr marL="2822003" indent="-166000" algn="l" defTabSz="332000" rtl="0" eaLnBrk="1" latinLnBrk="0" hangingPunct="1">
         <a:spcBef>
           <a:spcPct val="20000"/>
         </a:spcBef>
         <a:buFont typeface="Arial"/>
         <a:buChar char="•"/>
-        <a:defRPr sz="2000" kern="1200">
+        <a:defRPr sz="1500" kern="1200">
           <a:solidFill>
             <a:schemeClr val="tx1"/>
           </a:solidFill>
@@ -2988,8 +2988,8 @@
       <a:defPPr>
         <a:defRPr lang="en-US"/>
       </a:defPPr>
-      <a:lvl1pPr marL="0" algn="l" defTabSz="457200" rtl="0" eaLnBrk="1" latinLnBrk="0" hangingPunct="1">
-        <a:defRPr sz="1800" kern="1200">
+      <a:lvl1pPr marL="0" algn="l" defTabSz="332000" rtl="0" eaLnBrk="1" latinLnBrk="0" hangingPunct="1">
+        <a:defRPr sz="1300" kern="1200">
           <a:solidFill>
             <a:schemeClr val="tx1"/>
           </a:solidFill>
@@ -2998,8 +2998,8 @@
           <a:cs typeface="+mn-cs"/>
         </a:defRPr>
       </a:lvl1pPr>
-      <a:lvl2pPr marL="457200" algn="l" defTabSz="457200" rtl="0" eaLnBrk="1" latinLnBrk="0" hangingPunct="1">
-        <a:defRPr sz="1800" kern="1200">
+      <a:lvl2pPr marL="332000" algn="l" defTabSz="332000" rtl="0" eaLnBrk="1" latinLnBrk="0" hangingPunct="1">
+        <a:defRPr sz="1300" kern="1200">
           <a:solidFill>
             <a:schemeClr val="tx1"/>
           </a:solidFill>
@@ -3008,8 +3008,8 @@
           <a:cs typeface="+mn-cs"/>
         </a:defRPr>
       </a:lvl2pPr>
-      <a:lvl3pPr marL="914400" algn="l" defTabSz="457200" rtl="0" eaLnBrk="1" latinLnBrk="0" hangingPunct="1">
-        <a:defRPr sz="1800" kern="1200">
+      <a:lvl3pPr marL="664001" algn="l" defTabSz="332000" rtl="0" eaLnBrk="1" latinLnBrk="0" hangingPunct="1">
+        <a:defRPr sz="1300" kern="1200">
           <a:solidFill>
             <a:schemeClr val="tx1"/>
           </a:solidFill>
@@ -3018,8 +3018,8 @@
           <a:cs typeface="+mn-cs"/>
         </a:defRPr>
       </a:lvl3pPr>
-      <a:lvl4pPr marL="1371600" algn="l" defTabSz="457200" rtl="0" eaLnBrk="1" latinLnBrk="0" hangingPunct="1">
-        <a:defRPr sz="1800" kern="1200">
+      <a:lvl4pPr marL="996001" algn="l" defTabSz="332000" rtl="0" eaLnBrk="1" latinLnBrk="0" hangingPunct="1">
+        <a:defRPr sz="1300" kern="1200">
           <a:solidFill>
             <a:schemeClr val="tx1"/>
           </a:solidFill>
@@ -3028,8 +3028,8 @@
           <a:cs typeface="+mn-cs"/>
         </a:defRPr>
       </a:lvl4pPr>
-      <a:lvl5pPr marL="1828800" algn="l" defTabSz="457200" rtl="0" eaLnBrk="1" latinLnBrk="0" hangingPunct="1">
-        <a:defRPr sz="1800" kern="1200">
+      <a:lvl5pPr marL="1328001" algn="l" defTabSz="332000" rtl="0" eaLnBrk="1" latinLnBrk="0" hangingPunct="1">
+        <a:defRPr sz="1300" kern="1200">
           <a:solidFill>
             <a:schemeClr val="tx1"/>
           </a:solidFill>
@@ -3038,8 +3038,8 @@
           <a:cs typeface="+mn-cs"/>
         </a:defRPr>
       </a:lvl5pPr>
-      <a:lvl6pPr marL="2286000" algn="l" defTabSz="457200" rtl="0" eaLnBrk="1" latinLnBrk="0" hangingPunct="1">
-        <a:defRPr sz="1800" kern="1200">
+      <a:lvl6pPr marL="1660002" algn="l" defTabSz="332000" rtl="0" eaLnBrk="1" latinLnBrk="0" hangingPunct="1">
+        <a:defRPr sz="1300" kern="1200">
           <a:solidFill>
             <a:schemeClr val="tx1"/>
           </a:solidFill>
@@ -3048,8 +3048,8 @@
           <a:cs typeface="+mn-cs"/>
         </a:defRPr>
       </a:lvl6pPr>
-      <a:lvl7pPr marL="2743200" algn="l" defTabSz="457200" rtl="0" eaLnBrk="1" latinLnBrk="0" hangingPunct="1">
-        <a:defRPr sz="1800" kern="1200">
+      <a:lvl7pPr marL="1992002" algn="l" defTabSz="332000" rtl="0" eaLnBrk="1" latinLnBrk="0" hangingPunct="1">
+        <a:defRPr sz="1300" kern="1200">
           <a:solidFill>
             <a:schemeClr val="tx1"/>
           </a:solidFill>
@@ -3058,8 +3058,8 @@
           <a:cs typeface="+mn-cs"/>
         </a:defRPr>
       </a:lvl7pPr>
-      <a:lvl8pPr marL="3200400" algn="l" defTabSz="457200" rtl="0" eaLnBrk="1" latinLnBrk="0" hangingPunct="1">
-        <a:defRPr sz="1800" kern="1200">
+      <a:lvl8pPr marL="2324002" algn="l" defTabSz="332000" rtl="0" eaLnBrk="1" latinLnBrk="0" hangingPunct="1">
+        <a:defRPr sz="1300" kern="1200">
           <a:solidFill>
             <a:schemeClr val="tx1"/>
           </a:solidFill>
@@ -3068,8 +3068,8 @@
           <a:cs typeface="+mn-cs"/>
         </a:defRPr>
       </a:lvl8pPr>
-      <a:lvl9pPr marL="3657600" algn="l" defTabSz="457200" rtl="0" eaLnBrk="1" latinLnBrk="0" hangingPunct="1">
-        <a:defRPr sz="1800" kern="1200">
+      <a:lvl9pPr marL="2656003" algn="l" defTabSz="332000" rtl="0" eaLnBrk="1" latinLnBrk="0" hangingPunct="1">
+        <a:defRPr sz="1300" kern="1200">
           <a:solidFill>
             <a:schemeClr val="tx1"/>
           </a:solidFill>
@@ -3102,13 +3102,97 @@
       </p:grpSpPr>
       <p:sp>
         <p:nvSpPr>
-          <p:cNvPr id="534" name="TextBox 533"/>
+          <p:cNvPr id="2082" name="TextBox 2081"/>
           <p:cNvSpPr txBox="1"/>
           <p:nvPr/>
         </p:nvSpPr>
         <p:spPr>
           <a:xfrm>
-            <a:off x="2961624" y="1479788"/>
+            <a:off x="972463" y="157506"/>
+            <a:ext cx="1191819" cy="461665"/>
+          </a:xfrm>
+          <a:prstGeom prst="rect">
+            <a:avLst/>
+          </a:prstGeom>
+          <a:solidFill>
+            <a:schemeClr val="bg1"/>
+          </a:solidFill>
+          <a:ln>
+            <a:noFill/>
+          </a:ln>
+        </p:spPr>
+        <p:txBody>
+          <a:bodyPr wrap="square" rtlCol="0" anchor="ctr">
+            <a:spAutoFit/>
+          </a:bodyPr>
+          <a:lstStyle/>
+          <a:p>
+            <a:pPr algn="ctr"/>
+            <a:r>
+              <a:rPr lang="en-US" sz="1200" b="1" dirty="0" smtClean="0">
+                <a:latin typeface="Arial"/>
+                <a:cs typeface="Arial"/>
+              </a:rPr>
+              <a:t>transfection supernatant</a:t>
+            </a:r>
+            <a:endParaRPr lang="en-US" sz="1200" b="1" dirty="0">
+              <a:latin typeface="Arial"/>
+              <a:cs typeface="Arial"/>
+            </a:endParaRPr>
+          </a:p>
+        </p:txBody>
+      </p:sp>
+      <p:sp>
+        <p:nvSpPr>
+          <p:cNvPr id="2083" name="TextBox 2082"/>
+          <p:cNvSpPr txBox="1"/>
+          <p:nvPr/>
+        </p:nvSpPr>
+        <p:spPr>
+          <a:xfrm>
+            <a:off x="158734" y="159440"/>
+            <a:ext cx="854274" cy="461665"/>
+          </a:xfrm>
+          <a:prstGeom prst="rect">
+            <a:avLst/>
+          </a:prstGeom>
+          <a:solidFill>
+            <a:schemeClr val="bg1"/>
+          </a:solidFill>
+          <a:ln>
+            <a:noFill/>
+          </a:ln>
+        </p:spPr>
+        <p:txBody>
+          <a:bodyPr wrap="square" rtlCol="0" anchor="ctr">
+            <a:spAutoFit/>
+          </a:bodyPr>
+          <a:lstStyle/>
+          <a:p>
+            <a:pPr algn="ctr"/>
+            <a:r>
+              <a:rPr lang="en-US" sz="1200" b="1" dirty="0" smtClean="0">
+                <a:latin typeface="Arial"/>
+                <a:cs typeface="Arial"/>
+              </a:rPr>
+              <a:t>mutant plasmids</a:t>
+            </a:r>
+            <a:endParaRPr lang="en-US" sz="1200" b="1" dirty="0">
+              <a:latin typeface="Arial"/>
+              <a:cs typeface="Arial"/>
+            </a:endParaRPr>
+          </a:p>
+        </p:txBody>
+      </p:sp>
+      <p:sp>
+        <p:nvSpPr>
+          <p:cNvPr id="2084" name="TextBox 2083"/>
+          <p:cNvSpPr txBox="1"/>
+          <p:nvPr/>
+        </p:nvSpPr>
+        <p:spPr>
+          <a:xfrm>
+            <a:off x="2181715" y="154660"/>
             <a:ext cx="1057523" cy="461665"/>
           </a:xfrm>
           <a:prstGeom prst="rect">
@@ -3133,131 +3217,20 @@
                 <a:latin typeface="Arial"/>
                 <a:cs typeface="Arial"/>
               </a:rPr>
-              <a:t>12-hour infection</a:t>
+              <a:t>passaged virus</a:t>
             </a:r>
-            <a:endParaRPr lang="en-US" sz="1200" b="1" dirty="0" smtClean="0">
-              <a:latin typeface="Arial"/>
-              <a:cs typeface="Arial"/>
-            </a:endParaRPr>
           </a:p>
         </p:txBody>
       </p:sp>
-      <p:pic>
-        <p:nvPicPr>
-          <p:cNvPr id="533" name="Picture 532"/>
-          <p:cNvPicPr>
-            <a:picLocks noChangeAspect="1"/>
-          </p:cNvPicPr>
-          <p:nvPr/>
-        </p:nvPicPr>
-        <p:blipFill rotWithShape="1">
-          <a:blip r:embed="rId2"/>
-          <a:srcRect l="5215" t="9184" r="53516" b="24585"/>
-          <a:stretch/>
-        </p:blipFill>
-        <p:spPr>
-          <a:xfrm>
-            <a:off x="1162660" y="3113301"/>
-            <a:ext cx="1338852" cy="868821"/>
-          </a:xfrm>
-          <a:prstGeom prst="rect">
-            <a:avLst/>
-          </a:prstGeom>
-        </p:spPr>
-      </p:pic>
       <p:sp>
         <p:nvSpPr>
-          <p:cNvPr id="4" name="TextBox 3"/>
+          <p:cNvPr id="2086" name="TextBox 2085"/>
           <p:cNvSpPr txBox="1"/>
           <p:nvPr/>
         </p:nvSpPr>
         <p:spPr>
           <a:xfrm>
-            <a:off x="880339" y="344266"/>
-            <a:ext cx="1191819" cy="461665"/>
-          </a:xfrm>
-          <a:prstGeom prst="rect">
-            <a:avLst/>
-          </a:prstGeom>
-          <a:solidFill>
-            <a:schemeClr val="bg1"/>
-          </a:solidFill>
-          <a:ln>
-            <a:noFill/>
-          </a:ln>
-        </p:spPr>
-        <p:txBody>
-          <a:bodyPr wrap="square" rtlCol="0" anchor="ctr">
-            <a:spAutoFit/>
-          </a:bodyPr>
-          <a:lstStyle/>
-          <a:p>
-            <a:pPr algn="ctr"/>
-            <a:r>
-              <a:rPr lang="en-US" sz="1200" b="1" dirty="0" smtClean="0">
-                <a:latin typeface="Arial"/>
-                <a:cs typeface="Arial"/>
-              </a:rPr>
-              <a:t>transfection supernatant</a:t>
-            </a:r>
-            <a:endParaRPr lang="en-US" sz="1200" b="1" dirty="0">
-              <a:latin typeface="Arial"/>
-              <a:cs typeface="Arial"/>
-            </a:endParaRPr>
-          </a:p>
-        </p:txBody>
-      </p:sp>
-      <p:sp>
-        <p:nvSpPr>
-          <p:cNvPr id="5" name="TextBox 4"/>
-          <p:cNvSpPr txBox="1"/>
-          <p:nvPr/>
-        </p:nvSpPr>
-        <p:spPr>
-          <a:xfrm>
-            <a:off x="66610" y="346200"/>
-            <a:ext cx="854274" cy="461665"/>
-          </a:xfrm>
-          <a:prstGeom prst="rect">
-            <a:avLst/>
-          </a:prstGeom>
-          <a:solidFill>
-            <a:schemeClr val="bg1"/>
-          </a:solidFill>
-          <a:ln>
-            <a:noFill/>
-          </a:ln>
-        </p:spPr>
-        <p:txBody>
-          <a:bodyPr wrap="square" rtlCol="0" anchor="ctr">
-            <a:spAutoFit/>
-          </a:bodyPr>
-          <a:lstStyle/>
-          <a:p>
-            <a:pPr algn="ctr"/>
-            <a:r>
-              <a:rPr lang="en-US" sz="1200" b="1" dirty="0" smtClean="0">
-                <a:latin typeface="Arial"/>
-                <a:cs typeface="Arial"/>
-              </a:rPr>
-              <a:t>mutant plasmids</a:t>
-            </a:r>
-            <a:endParaRPr lang="en-US" sz="1200" b="1" dirty="0">
-              <a:latin typeface="Arial"/>
-              <a:cs typeface="Arial"/>
-            </a:endParaRPr>
-          </a:p>
-        </p:txBody>
-      </p:sp>
-      <p:sp>
-        <p:nvSpPr>
-          <p:cNvPr id="6" name="TextBox 5"/>
-          <p:cNvSpPr txBox="1"/>
-          <p:nvPr/>
-        </p:nvSpPr>
-        <p:spPr>
-          <a:xfrm>
-            <a:off x="2089591" y="341420"/>
+            <a:off x="3053748" y="1293028"/>
             <a:ext cx="1057523" cy="461665"/>
           </a:xfrm>
           <a:prstGeom prst="rect">
@@ -3282,20 +3255,43 @@
                 <a:latin typeface="Arial"/>
                 <a:cs typeface="Arial"/>
               </a:rPr>
-              <a:t>passaged virus</a:t>
+              <a:t>12-hour infection</a:t>
             </a:r>
           </a:p>
         </p:txBody>
       </p:sp>
+      <p:pic>
+        <p:nvPicPr>
+          <p:cNvPr id="2087" name="Picture 2086"/>
+          <p:cNvPicPr>
+            <a:picLocks noChangeAspect="1"/>
+          </p:cNvPicPr>
+          <p:nvPr/>
+        </p:nvPicPr>
+        <p:blipFill rotWithShape="1">
+          <a:blip r:embed="rId2"/>
+          <a:srcRect l="5215" t="9184" r="53516" b="24585"/>
+          <a:stretch/>
+        </p:blipFill>
+        <p:spPr>
+          <a:xfrm>
+            <a:off x="1254784" y="2926541"/>
+            <a:ext cx="1338852" cy="868821"/>
+          </a:xfrm>
+          <a:prstGeom prst="rect">
+            <a:avLst/>
+          </a:prstGeom>
+        </p:spPr>
+      </p:pic>
       <p:cxnSp>
         <p:nvCxnSpPr>
-          <p:cNvPr id="8" name="Straight Connector 7"/>
+          <p:cNvPr id="2088" name="Straight Connector 2087"/>
           <p:cNvCxnSpPr/>
           <p:nvPr/>
         </p:nvCxnSpPr>
         <p:spPr>
           <a:xfrm>
-            <a:off x="900368" y="823244"/>
+            <a:off x="992492" y="636484"/>
             <a:ext cx="0" cy="873377"/>
           </a:xfrm>
           <a:prstGeom prst="line">
@@ -3327,13 +3323,13 @@
       </p:cxnSp>
       <p:sp>
         <p:nvSpPr>
-          <p:cNvPr id="9" name="Oval 8"/>
+          <p:cNvPr id="2089" name="Oval 2088"/>
           <p:cNvSpPr/>
           <p:nvPr/>
         </p:nvSpPr>
         <p:spPr>
           <a:xfrm>
-            <a:off x="1115779" y="1372324"/>
+            <a:off x="1207903" y="1185564"/>
             <a:ext cx="239673" cy="239662"/>
           </a:xfrm>
           <a:prstGeom prst="ellipse">
@@ -3341,7 +3337,10 @@
           </a:prstGeom>
           <a:ln w="38100" cmpd="sng">
             <a:solidFill>
-              <a:schemeClr val="tx1"/>
+              <a:schemeClr val="tx1">
+                <a:lumMod val="50000"/>
+                <a:lumOff val="50000"/>
+              </a:schemeClr>
             </a:solidFill>
           </a:ln>
         </p:spPr>
@@ -3373,13 +3372,13 @@
       </p:sp>
       <p:sp>
         <p:nvSpPr>
-          <p:cNvPr id="10" name="Freeform 9"/>
+          <p:cNvPr id="2090" name="Freeform 2089"/>
           <p:cNvSpPr/>
           <p:nvPr/>
         </p:nvSpPr>
         <p:spPr>
           <a:xfrm>
-            <a:off x="1165515" y="1449798"/>
+            <a:off x="1257639" y="1263038"/>
             <a:ext cx="99829" cy="110792"/>
           </a:xfrm>
           <a:custGeom>
@@ -3617,13 +3616,13 @@
       </p:sp>
       <p:sp>
         <p:nvSpPr>
-          <p:cNvPr id="11" name="Freeform 10"/>
+          <p:cNvPr id="2091" name="Freeform 2090"/>
           <p:cNvSpPr/>
           <p:nvPr/>
         </p:nvSpPr>
         <p:spPr>
           <a:xfrm>
-            <a:off x="1208126" y="1429107"/>
+            <a:off x="1300250" y="1242347"/>
             <a:ext cx="99829" cy="110792"/>
           </a:xfrm>
           <a:custGeom>
@@ -3861,13 +3860,13 @@
       </p:sp>
       <p:grpSp>
         <p:nvGrpSpPr>
-          <p:cNvPr id="12" name="Group 11"/>
+          <p:cNvPr id="2092" name="Group 2091"/>
           <p:cNvGrpSpPr/>
           <p:nvPr/>
         </p:nvGrpSpPr>
         <p:grpSpPr>
           <a:xfrm>
-            <a:off x="1201375" y="1292474"/>
+            <a:off x="1293499" y="1105714"/>
             <a:ext cx="68478" cy="89586"/>
             <a:chOff x="2033930" y="2331608"/>
             <a:chExt cx="238122" cy="311519"/>
@@ -3878,7 +3877,7 @@
         </p:grpSpPr>
         <p:sp>
           <p:nvSpPr>
-            <p:cNvPr id="13" name="Rectangle 12"/>
+            <p:cNvPr id="2437" name="Rectangle 2436"/>
             <p:cNvSpPr/>
             <p:nvPr/>
           </p:nvSpPr>
@@ -3929,7 +3928,7 @@
         </p:sp>
         <p:sp>
           <p:nvSpPr>
-            <p:cNvPr id="14" name="Oval 13"/>
+            <p:cNvPr id="2438" name="Oval 2437"/>
             <p:cNvSpPr/>
             <p:nvPr/>
           </p:nvSpPr>
@@ -3980,7 +3979,7 @@
         </p:sp>
         <p:sp>
           <p:nvSpPr>
-            <p:cNvPr id="15" name="Oval 14"/>
+            <p:cNvPr id="2439" name="Oval 2438"/>
             <p:cNvSpPr/>
             <p:nvPr/>
           </p:nvSpPr>
@@ -4031,7 +4030,7 @@
         </p:sp>
         <p:sp>
           <p:nvSpPr>
-            <p:cNvPr id="16" name="Oval 15"/>
+            <p:cNvPr id="2440" name="Oval 2439"/>
             <p:cNvSpPr/>
             <p:nvPr/>
           </p:nvSpPr>
@@ -4083,13 +4082,13 @@
       </p:grpSp>
       <p:grpSp>
         <p:nvGrpSpPr>
-          <p:cNvPr id="17" name="Group 16"/>
+          <p:cNvPr id="2093" name="Group 2092"/>
           <p:cNvGrpSpPr/>
           <p:nvPr/>
         </p:nvGrpSpPr>
         <p:grpSpPr>
           <a:xfrm rot="10800000">
-            <a:off x="1204655" y="1604335"/>
+            <a:off x="1296779" y="1417575"/>
             <a:ext cx="68478" cy="89586"/>
             <a:chOff x="2054014" y="3681015"/>
             <a:chExt cx="238122" cy="311519"/>
@@ -4100,7 +4099,7 @@
         </p:grpSpPr>
         <p:sp>
           <p:nvSpPr>
-            <p:cNvPr id="18" name="Rectangle 17"/>
+            <p:cNvPr id="2433" name="Rectangle 2432"/>
             <p:cNvSpPr/>
             <p:nvPr/>
           </p:nvSpPr>
@@ -4149,7 +4148,7 @@
         </p:sp>
         <p:sp>
           <p:nvSpPr>
-            <p:cNvPr id="19" name="Oval 18"/>
+            <p:cNvPr id="2434" name="Oval 2433"/>
             <p:cNvSpPr/>
             <p:nvPr/>
           </p:nvSpPr>
@@ -4198,7 +4197,7 @@
         </p:sp>
         <p:sp>
           <p:nvSpPr>
-            <p:cNvPr id="20" name="Oval 19"/>
+            <p:cNvPr id="2435" name="Oval 2434"/>
             <p:cNvSpPr/>
             <p:nvPr/>
           </p:nvSpPr>
@@ -4247,7 +4246,7 @@
         </p:sp>
         <p:sp>
           <p:nvSpPr>
-            <p:cNvPr id="21" name="Oval 20"/>
+            <p:cNvPr id="2436" name="Oval 2435"/>
             <p:cNvSpPr/>
             <p:nvPr/>
           </p:nvSpPr>
@@ -4297,24 +4296,26 @@
       </p:grpSp>
       <p:grpSp>
         <p:nvGrpSpPr>
-          <p:cNvPr id="22" name="Group 21"/>
+          <p:cNvPr id="2094" name="Group 2093"/>
           <p:cNvGrpSpPr/>
           <p:nvPr/>
         </p:nvGrpSpPr>
         <p:grpSpPr>
           <a:xfrm rot="7707985">
-            <a:off x="1330328" y="1539464"/>
+            <a:off x="1422452" y="1352704"/>
             <a:ext cx="68478" cy="89586"/>
             <a:chOff x="2054014" y="3681015"/>
             <a:chExt cx="238122" cy="311519"/>
           </a:xfrm>
           <a:solidFill>
-            <a:srgbClr val="7F7F7F"/>
+            <a:schemeClr val="accent6">
+              <a:lumMod val="75000"/>
+            </a:schemeClr>
           </a:solidFill>
         </p:grpSpPr>
         <p:sp>
           <p:nvSpPr>
-            <p:cNvPr id="23" name="Rectangle 22"/>
+            <p:cNvPr id="2429" name="Rectangle 2428"/>
             <p:cNvSpPr/>
             <p:nvPr/>
           </p:nvSpPr>
@@ -4329,8 +4330,8 @@
             <a:grpFill/>
             <a:ln w="3175" cmpd="sng">
               <a:solidFill>
-                <a:schemeClr val="bg1">
-                  <a:lumMod val="50000"/>
+                <a:schemeClr val="accent6">
+                  <a:lumMod val="75000"/>
                 </a:schemeClr>
               </a:solidFill>
             </a:ln>
@@ -4365,7 +4366,7 @@
         </p:sp>
         <p:sp>
           <p:nvSpPr>
-            <p:cNvPr id="24" name="Oval 23"/>
+            <p:cNvPr id="2430" name="Oval 2429"/>
             <p:cNvSpPr/>
             <p:nvPr/>
           </p:nvSpPr>
@@ -4380,8 +4381,8 @@
             <a:grpFill/>
             <a:ln w="3175" cmpd="sng">
               <a:solidFill>
-                <a:schemeClr val="bg1">
-                  <a:lumMod val="50000"/>
+                <a:schemeClr val="accent6">
+                  <a:lumMod val="75000"/>
                 </a:schemeClr>
               </a:solidFill>
             </a:ln>
@@ -4416,7 +4417,7 @@
         </p:sp>
         <p:sp>
           <p:nvSpPr>
-            <p:cNvPr id="25" name="Oval 24"/>
+            <p:cNvPr id="2431" name="Oval 2430"/>
             <p:cNvSpPr/>
             <p:nvPr/>
           </p:nvSpPr>
@@ -4431,8 +4432,8 @@
             <a:grpFill/>
             <a:ln w="3175" cmpd="sng">
               <a:solidFill>
-                <a:schemeClr val="bg1">
-                  <a:lumMod val="50000"/>
+                <a:schemeClr val="accent6">
+                  <a:lumMod val="75000"/>
                 </a:schemeClr>
               </a:solidFill>
             </a:ln>
@@ -4467,7 +4468,7 @@
         </p:sp>
         <p:sp>
           <p:nvSpPr>
-            <p:cNvPr id="26" name="Oval 25"/>
+            <p:cNvPr id="2432" name="Oval 2431"/>
             <p:cNvSpPr/>
             <p:nvPr/>
           </p:nvSpPr>
@@ -4482,8 +4483,8 @@
             <a:grpFill/>
             <a:ln w="3175" cmpd="sng">
               <a:solidFill>
-                <a:schemeClr val="bg1">
-                  <a:lumMod val="50000"/>
+                <a:schemeClr val="accent6">
+                  <a:lumMod val="75000"/>
                 </a:schemeClr>
               </a:solidFill>
             </a:ln>
@@ -4519,13 +4520,13 @@
       </p:grpSp>
       <p:grpSp>
         <p:nvGrpSpPr>
-          <p:cNvPr id="27" name="Group 26"/>
+          <p:cNvPr id="2095" name="Group 2094"/>
           <p:cNvGrpSpPr/>
           <p:nvPr/>
         </p:nvGrpSpPr>
         <p:grpSpPr>
           <a:xfrm rot="4021510">
-            <a:off x="1336117" y="1371287"/>
+            <a:off x="1428241" y="1184527"/>
             <a:ext cx="68478" cy="89586"/>
             <a:chOff x="2054014" y="3681015"/>
             <a:chExt cx="238122" cy="311519"/>
@@ -4536,7 +4537,7 @@
         </p:grpSpPr>
         <p:sp>
           <p:nvSpPr>
-            <p:cNvPr id="28" name="Rectangle 27"/>
+            <p:cNvPr id="2425" name="Rectangle 2424"/>
             <p:cNvSpPr/>
             <p:nvPr/>
           </p:nvSpPr>
@@ -4585,7 +4586,7 @@
         </p:sp>
         <p:sp>
           <p:nvSpPr>
-            <p:cNvPr id="29" name="Oval 28"/>
+            <p:cNvPr id="2426" name="Oval 2425"/>
             <p:cNvSpPr/>
             <p:nvPr/>
           </p:nvSpPr>
@@ -4634,7 +4635,7 @@
         </p:sp>
         <p:sp>
           <p:nvSpPr>
-            <p:cNvPr id="30" name="Oval 29"/>
+            <p:cNvPr id="2427" name="Oval 2426"/>
             <p:cNvSpPr/>
             <p:nvPr/>
           </p:nvSpPr>
@@ -4683,7 +4684,7 @@
         </p:sp>
         <p:sp>
           <p:nvSpPr>
-            <p:cNvPr id="31" name="Oval 30"/>
+            <p:cNvPr id="2428" name="Oval 2427"/>
             <p:cNvSpPr/>
             <p:nvPr/>
           </p:nvSpPr>
@@ -4733,13 +4734,13 @@
       </p:grpSp>
       <p:grpSp>
         <p:nvGrpSpPr>
-          <p:cNvPr id="32" name="Group 31"/>
+          <p:cNvPr id="2096" name="Group 2095"/>
           <p:cNvGrpSpPr/>
           <p:nvPr/>
         </p:nvGrpSpPr>
         <p:grpSpPr>
           <a:xfrm rot="18345778">
-            <a:off x="1069503" y="1363558"/>
+            <a:off x="1161627" y="1176798"/>
             <a:ext cx="68478" cy="89586"/>
             <a:chOff x="2054014" y="3681015"/>
             <a:chExt cx="238122" cy="311519"/>
@@ -4750,7 +4751,7 @@
         </p:grpSpPr>
         <p:sp>
           <p:nvSpPr>
-            <p:cNvPr id="33" name="Rectangle 32"/>
+            <p:cNvPr id="2421" name="Rectangle 2420"/>
             <p:cNvSpPr/>
             <p:nvPr/>
           </p:nvSpPr>
@@ -4799,7 +4800,7 @@
         </p:sp>
         <p:sp>
           <p:nvSpPr>
-            <p:cNvPr id="34" name="Oval 33"/>
+            <p:cNvPr id="2422" name="Oval 2421"/>
             <p:cNvSpPr/>
             <p:nvPr/>
           </p:nvSpPr>
@@ -4848,7 +4849,7 @@
         </p:sp>
         <p:sp>
           <p:nvSpPr>
-            <p:cNvPr id="35" name="Oval 34"/>
+            <p:cNvPr id="2423" name="Oval 2422"/>
             <p:cNvSpPr/>
             <p:nvPr/>
           </p:nvSpPr>
@@ -4897,7 +4898,7 @@
         </p:sp>
         <p:sp>
           <p:nvSpPr>
-            <p:cNvPr id="36" name="Oval 35"/>
+            <p:cNvPr id="2424" name="Oval 2423"/>
             <p:cNvSpPr/>
             <p:nvPr/>
           </p:nvSpPr>
@@ -4947,13 +4948,13 @@
       </p:grpSp>
       <p:grpSp>
         <p:nvGrpSpPr>
-          <p:cNvPr id="37" name="Group 36"/>
+          <p:cNvPr id="2097" name="Group 2096"/>
           <p:cNvGrpSpPr/>
           <p:nvPr/>
         </p:nvGrpSpPr>
         <p:grpSpPr>
           <a:xfrm rot="14433585">
-            <a:off x="1067365" y="1528083"/>
+            <a:off x="1159489" y="1341323"/>
             <a:ext cx="68478" cy="89586"/>
             <a:chOff x="2054014" y="3681015"/>
             <a:chExt cx="238122" cy="311519"/>
@@ -4964,7 +4965,7 @@
         </p:grpSpPr>
         <p:sp>
           <p:nvSpPr>
-            <p:cNvPr id="38" name="Rectangle 37"/>
+            <p:cNvPr id="2417" name="Rectangle 2416"/>
             <p:cNvSpPr/>
             <p:nvPr/>
           </p:nvSpPr>
@@ -5013,7 +5014,7 @@
         </p:sp>
         <p:sp>
           <p:nvSpPr>
-            <p:cNvPr id="39" name="Oval 38"/>
+            <p:cNvPr id="2418" name="Oval 2417"/>
             <p:cNvSpPr/>
             <p:nvPr/>
           </p:nvSpPr>
@@ -5062,7 +5063,7 @@
         </p:sp>
         <p:sp>
           <p:nvSpPr>
-            <p:cNvPr id="40" name="Oval 39"/>
+            <p:cNvPr id="2419" name="Oval 2418"/>
             <p:cNvSpPr/>
             <p:nvPr/>
           </p:nvSpPr>
@@ -5111,7 +5112,7 @@
         </p:sp>
         <p:sp>
           <p:nvSpPr>
-            <p:cNvPr id="41" name="Oval 40"/>
+            <p:cNvPr id="2420" name="Oval 2419"/>
             <p:cNvSpPr/>
             <p:nvPr/>
           </p:nvSpPr>
@@ -5161,19 +5162,26 @@
       </p:grpSp>
       <p:sp>
         <p:nvSpPr>
-          <p:cNvPr id="42" name="Oval 41"/>
+          <p:cNvPr id="2098" name="Oval 2097"/>
           <p:cNvSpPr/>
           <p:nvPr/>
         </p:nvSpPr>
         <p:spPr>
           <a:xfrm>
-            <a:off x="1570094" y="1377081"/>
+            <a:off x="1662218" y="1190321"/>
             <a:ext cx="239673" cy="239662"/>
           </a:xfrm>
           <a:prstGeom prst="ellipse">
             <a:avLst/>
           </a:prstGeom>
-          <a:ln w="38100" cmpd="sng"/>
+          <a:ln w="38100" cmpd="sng">
+            <a:solidFill>
+              <a:schemeClr val="tx1">
+                <a:lumMod val="50000"/>
+                <a:lumOff val="50000"/>
+              </a:schemeClr>
+            </a:solidFill>
+          </a:ln>
         </p:spPr>
         <p:style>
           <a:lnRef idx="2">
@@ -5203,13 +5211,13 @@
       </p:sp>
       <p:sp>
         <p:nvSpPr>
-          <p:cNvPr id="43" name="Freeform 42"/>
+          <p:cNvPr id="2099" name="Freeform 2098"/>
           <p:cNvSpPr/>
           <p:nvPr/>
         </p:nvSpPr>
         <p:spPr>
           <a:xfrm>
-            <a:off x="1619832" y="1454555"/>
+            <a:off x="1711956" y="1267795"/>
             <a:ext cx="99829" cy="110792"/>
           </a:xfrm>
           <a:custGeom>
@@ -5415,7 +5423,9 @@
           </a:custGeom>
           <a:ln w="38100" cmpd="sng">
             <a:solidFill>
-              <a:srgbClr val="7F7F7F"/>
+              <a:schemeClr val="accent6">
+                <a:lumMod val="75000"/>
+              </a:schemeClr>
             </a:solidFill>
           </a:ln>
         </p:spPr>
@@ -5447,13 +5457,13 @@
       </p:sp>
       <p:sp>
         <p:nvSpPr>
-          <p:cNvPr id="44" name="Freeform 43"/>
+          <p:cNvPr id="2100" name="Freeform 2099"/>
           <p:cNvSpPr/>
           <p:nvPr/>
         </p:nvSpPr>
         <p:spPr>
           <a:xfrm>
-            <a:off x="1662442" y="1433865"/>
+            <a:off x="1754566" y="1247105"/>
             <a:ext cx="99829" cy="110792"/>
           </a:xfrm>
           <a:custGeom>
@@ -5691,13 +5701,13 @@
       </p:sp>
       <p:grpSp>
         <p:nvGrpSpPr>
-          <p:cNvPr id="45" name="Group 44"/>
+          <p:cNvPr id="2101" name="Group 2100"/>
           <p:cNvGrpSpPr/>
           <p:nvPr/>
         </p:nvGrpSpPr>
         <p:grpSpPr>
           <a:xfrm>
-            <a:off x="1655691" y="1297233"/>
+            <a:off x="1747815" y="1110473"/>
             <a:ext cx="68478" cy="89586"/>
             <a:chOff x="2033930" y="2331608"/>
             <a:chExt cx="238122" cy="311519"/>
@@ -5708,7 +5718,7 @@
         </p:grpSpPr>
         <p:sp>
           <p:nvSpPr>
-            <p:cNvPr id="46" name="Rectangle 45"/>
+            <p:cNvPr id="2413" name="Rectangle 2412"/>
             <p:cNvSpPr/>
             <p:nvPr/>
           </p:nvSpPr>
@@ -5757,7 +5767,7 @@
         </p:sp>
         <p:sp>
           <p:nvSpPr>
-            <p:cNvPr id="47" name="Oval 46"/>
+            <p:cNvPr id="2414" name="Oval 2413"/>
             <p:cNvSpPr/>
             <p:nvPr/>
           </p:nvSpPr>
@@ -5806,7 +5816,7 @@
         </p:sp>
         <p:sp>
           <p:nvSpPr>
-            <p:cNvPr id="48" name="Oval 47"/>
+            <p:cNvPr id="2415" name="Oval 2414"/>
             <p:cNvSpPr/>
             <p:nvPr/>
           </p:nvSpPr>
@@ -5855,7 +5865,7 @@
         </p:sp>
         <p:sp>
           <p:nvSpPr>
-            <p:cNvPr id="49" name="Oval 48"/>
+            <p:cNvPr id="2416" name="Oval 2415"/>
             <p:cNvSpPr/>
             <p:nvPr/>
           </p:nvSpPr>
@@ -5905,24 +5915,26 @@
       </p:grpSp>
       <p:grpSp>
         <p:nvGrpSpPr>
-          <p:cNvPr id="50" name="Group 49"/>
+          <p:cNvPr id="2102" name="Group 2101"/>
           <p:cNvGrpSpPr/>
           <p:nvPr/>
         </p:nvGrpSpPr>
         <p:grpSpPr>
           <a:xfrm rot="10800000">
-            <a:off x="1658972" y="1609093"/>
+            <a:off x="1751096" y="1422333"/>
             <a:ext cx="68478" cy="89586"/>
             <a:chOff x="2054014" y="3681015"/>
             <a:chExt cx="238122" cy="311519"/>
           </a:xfrm>
           <a:solidFill>
-            <a:srgbClr val="7F7F7F"/>
+            <a:schemeClr val="accent6">
+              <a:lumMod val="75000"/>
+            </a:schemeClr>
           </a:solidFill>
         </p:grpSpPr>
         <p:sp>
           <p:nvSpPr>
-            <p:cNvPr id="51" name="Rectangle 50"/>
+            <p:cNvPr id="2409" name="Rectangle 2408"/>
             <p:cNvSpPr/>
             <p:nvPr/>
           </p:nvSpPr>
@@ -5937,8 +5949,8 @@
             <a:grpFill/>
             <a:ln w="3175" cmpd="sng">
               <a:solidFill>
-                <a:schemeClr val="bg1">
-                  <a:lumMod val="50000"/>
+                <a:schemeClr val="accent6">
+                  <a:lumMod val="75000"/>
                 </a:schemeClr>
               </a:solidFill>
             </a:ln>
@@ -5973,7 +5985,7 @@
         </p:sp>
         <p:sp>
           <p:nvSpPr>
-            <p:cNvPr id="52" name="Oval 51"/>
+            <p:cNvPr id="2410" name="Oval 2409"/>
             <p:cNvSpPr/>
             <p:nvPr/>
           </p:nvSpPr>
@@ -5988,8 +6000,8 @@
             <a:grpFill/>
             <a:ln w="3175" cmpd="sng">
               <a:solidFill>
-                <a:schemeClr val="bg1">
-                  <a:lumMod val="50000"/>
+                <a:schemeClr val="accent6">
+                  <a:lumMod val="75000"/>
                 </a:schemeClr>
               </a:solidFill>
             </a:ln>
@@ -6024,7 +6036,7 @@
         </p:sp>
         <p:sp>
           <p:nvSpPr>
-            <p:cNvPr id="53" name="Oval 52"/>
+            <p:cNvPr id="2411" name="Oval 2410"/>
             <p:cNvSpPr/>
             <p:nvPr/>
           </p:nvSpPr>
@@ -6039,8 +6051,8 @@
             <a:grpFill/>
             <a:ln w="3175" cmpd="sng">
               <a:solidFill>
-                <a:schemeClr val="bg1">
-                  <a:lumMod val="50000"/>
+                <a:schemeClr val="accent6">
+                  <a:lumMod val="75000"/>
                 </a:schemeClr>
               </a:solidFill>
             </a:ln>
@@ -6075,7 +6087,7 @@
         </p:sp>
         <p:sp>
           <p:nvSpPr>
-            <p:cNvPr id="54" name="Oval 53"/>
+            <p:cNvPr id="2412" name="Oval 2411"/>
             <p:cNvSpPr/>
             <p:nvPr/>
           </p:nvSpPr>
@@ -6090,8 +6102,8 @@
             <a:grpFill/>
             <a:ln w="3175" cmpd="sng">
               <a:solidFill>
-                <a:schemeClr val="bg1">
-                  <a:lumMod val="50000"/>
+                <a:schemeClr val="accent6">
+                  <a:lumMod val="75000"/>
                 </a:schemeClr>
               </a:solidFill>
             </a:ln>
@@ -6127,24 +6139,26 @@
       </p:grpSp>
       <p:grpSp>
         <p:nvGrpSpPr>
-          <p:cNvPr id="55" name="Group 54"/>
+          <p:cNvPr id="2103" name="Group 2102"/>
           <p:cNvGrpSpPr/>
           <p:nvPr/>
         </p:nvGrpSpPr>
         <p:grpSpPr>
           <a:xfrm rot="7707985">
-            <a:off x="1784643" y="1544221"/>
+            <a:off x="1876767" y="1357461"/>
             <a:ext cx="68478" cy="89586"/>
             <a:chOff x="2054014" y="3681015"/>
             <a:chExt cx="238122" cy="311519"/>
           </a:xfrm>
           <a:solidFill>
-            <a:srgbClr val="7F7F7F"/>
+            <a:schemeClr val="accent6">
+              <a:lumMod val="75000"/>
+            </a:schemeClr>
           </a:solidFill>
         </p:grpSpPr>
         <p:sp>
           <p:nvSpPr>
-            <p:cNvPr id="56" name="Rectangle 55"/>
+            <p:cNvPr id="2405" name="Rectangle 2404"/>
             <p:cNvSpPr/>
             <p:nvPr/>
           </p:nvSpPr>
@@ -6159,8 +6173,8 @@
             <a:grpFill/>
             <a:ln w="3175" cmpd="sng">
               <a:solidFill>
-                <a:schemeClr val="bg1">
-                  <a:lumMod val="50000"/>
+                <a:schemeClr val="accent6">
+                  <a:lumMod val="75000"/>
                 </a:schemeClr>
               </a:solidFill>
             </a:ln>
@@ -6195,7 +6209,7 @@
         </p:sp>
         <p:sp>
           <p:nvSpPr>
-            <p:cNvPr id="57" name="Oval 56"/>
+            <p:cNvPr id="2406" name="Oval 2405"/>
             <p:cNvSpPr/>
             <p:nvPr/>
           </p:nvSpPr>
@@ -6210,8 +6224,8 @@
             <a:grpFill/>
             <a:ln w="3175" cmpd="sng">
               <a:solidFill>
-                <a:schemeClr val="bg1">
-                  <a:lumMod val="50000"/>
+                <a:schemeClr val="accent6">
+                  <a:lumMod val="75000"/>
                 </a:schemeClr>
               </a:solidFill>
             </a:ln>
@@ -6246,7 +6260,7 @@
         </p:sp>
         <p:sp>
           <p:nvSpPr>
-            <p:cNvPr id="58" name="Oval 57"/>
+            <p:cNvPr id="2407" name="Oval 2406"/>
             <p:cNvSpPr/>
             <p:nvPr/>
           </p:nvSpPr>
@@ -6261,8 +6275,8 @@
             <a:grpFill/>
             <a:ln w="3175" cmpd="sng">
               <a:solidFill>
-                <a:schemeClr val="bg1">
-                  <a:lumMod val="50000"/>
+                <a:schemeClr val="accent6">
+                  <a:lumMod val="75000"/>
                 </a:schemeClr>
               </a:solidFill>
             </a:ln>
@@ -6297,7 +6311,7 @@
         </p:sp>
         <p:sp>
           <p:nvSpPr>
-            <p:cNvPr id="59" name="Oval 58"/>
+            <p:cNvPr id="2408" name="Oval 2407"/>
             <p:cNvSpPr/>
             <p:nvPr/>
           </p:nvSpPr>
@@ -6312,8 +6326,8 @@
             <a:grpFill/>
             <a:ln w="3175" cmpd="sng">
               <a:solidFill>
-                <a:schemeClr val="bg1">
-                  <a:lumMod val="50000"/>
+                <a:schemeClr val="accent6">
+                  <a:lumMod val="75000"/>
                 </a:schemeClr>
               </a:solidFill>
             </a:ln>
@@ -6349,13 +6363,13 @@
       </p:grpSp>
       <p:grpSp>
         <p:nvGrpSpPr>
-          <p:cNvPr id="60" name="Group 59"/>
+          <p:cNvPr id="2104" name="Group 2103"/>
           <p:cNvGrpSpPr/>
           <p:nvPr/>
         </p:nvGrpSpPr>
         <p:grpSpPr>
           <a:xfrm rot="4021510">
-            <a:off x="1790434" y="1376045"/>
+            <a:off x="1882558" y="1189285"/>
             <a:ext cx="68478" cy="89586"/>
             <a:chOff x="2054014" y="3681015"/>
             <a:chExt cx="238122" cy="311519"/>
@@ -6366,7 +6380,7 @@
         </p:grpSpPr>
         <p:sp>
           <p:nvSpPr>
-            <p:cNvPr id="61" name="Rectangle 60"/>
+            <p:cNvPr id="2401" name="Rectangle 2400"/>
             <p:cNvSpPr/>
             <p:nvPr/>
           </p:nvSpPr>
@@ -6415,7 +6429,7 @@
         </p:sp>
         <p:sp>
           <p:nvSpPr>
-            <p:cNvPr id="62" name="Oval 61"/>
+            <p:cNvPr id="2402" name="Oval 2401"/>
             <p:cNvSpPr/>
             <p:nvPr/>
           </p:nvSpPr>
@@ -6464,7 +6478,7 @@
         </p:sp>
         <p:sp>
           <p:nvSpPr>
-            <p:cNvPr id="63" name="Oval 62"/>
+            <p:cNvPr id="2403" name="Oval 2402"/>
             <p:cNvSpPr/>
             <p:nvPr/>
           </p:nvSpPr>
@@ -6513,7 +6527,7 @@
         </p:sp>
         <p:sp>
           <p:nvSpPr>
-            <p:cNvPr id="64" name="Oval 63"/>
+            <p:cNvPr id="2404" name="Oval 2403"/>
             <p:cNvSpPr/>
             <p:nvPr/>
           </p:nvSpPr>
@@ -6563,24 +6577,26 @@
       </p:grpSp>
       <p:grpSp>
         <p:nvGrpSpPr>
-          <p:cNvPr id="65" name="Group 64"/>
+          <p:cNvPr id="2105" name="Group 2104"/>
           <p:cNvGrpSpPr/>
           <p:nvPr/>
         </p:nvGrpSpPr>
         <p:grpSpPr>
           <a:xfrm rot="18345778">
-            <a:off x="1523820" y="1368316"/>
+            <a:off x="1615944" y="1181556"/>
             <a:ext cx="68478" cy="89586"/>
             <a:chOff x="2054014" y="3681015"/>
             <a:chExt cx="238122" cy="311519"/>
           </a:xfrm>
           <a:solidFill>
-            <a:srgbClr val="7F7F7F"/>
+            <a:schemeClr val="accent6">
+              <a:lumMod val="75000"/>
+            </a:schemeClr>
           </a:solidFill>
         </p:grpSpPr>
         <p:sp>
           <p:nvSpPr>
-            <p:cNvPr id="66" name="Rectangle 65"/>
+            <p:cNvPr id="2397" name="Rectangle 2396"/>
             <p:cNvSpPr/>
             <p:nvPr/>
           </p:nvSpPr>
@@ -6595,8 +6611,8 @@
             <a:grpFill/>
             <a:ln w="3175" cmpd="sng">
               <a:solidFill>
-                <a:schemeClr val="bg1">
-                  <a:lumMod val="50000"/>
+                <a:schemeClr val="accent6">
+                  <a:lumMod val="75000"/>
                 </a:schemeClr>
               </a:solidFill>
             </a:ln>
@@ -6631,7 +6647,7 @@
         </p:sp>
         <p:sp>
           <p:nvSpPr>
-            <p:cNvPr id="67" name="Oval 66"/>
+            <p:cNvPr id="2398" name="Oval 2397"/>
             <p:cNvSpPr/>
             <p:nvPr/>
           </p:nvSpPr>
@@ -6646,8 +6662,8 @@
             <a:grpFill/>
             <a:ln w="3175" cmpd="sng">
               <a:solidFill>
-                <a:schemeClr val="bg1">
-                  <a:lumMod val="50000"/>
+                <a:schemeClr val="accent6">
+                  <a:lumMod val="75000"/>
                 </a:schemeClr>
               </a:solidFill>
             </a:ln>
@@ -6682,7 +6698,7 @@
         </p:sp>
         <p:sp>
           <p:nvSpPr>
-            <p:cNvPr id="68" name="Oval 67"/>
+            <p:cNvPr id="2399" name="Oval 2398"/>
             <p:cNvSpPr/>
             <p:nvPr/>
           </p:nvSpPr>
@@ -6697,8 +6713,8 @@
             <a:grpFill/>
             <a:ln w="3175" cmpd="sng">
               <a:solidFill>
-                <a:schemeClr val="bg1">
-                  <a:lumMod val="50000"/>
+                <a:schemeClr val="accent6">
+                  <a:lumMod val="75000"/>
                 </a:schemeClr>
               </a:solidFill>
             </a:ln>
@@ -6733,7 +6749,7 @@
         </p:sp>
         <p:sp>
           <p:nvSpPr>
-            <p:cNvPr id="69" name="Oval 68"/>
+            <p:cNvPr id="2400" name="Oval 2399"/>
             <p:cNvSpPr/>
             <p:nvPr/>
           </p:nvSpPr>
@@ -6748,8 +6764,8 @@
             <a:grpFill/>
             <a:ln w="3175" cmpd="sng">
               <a:solidFill>
-                <a:schemeClr val="bg1">
-                  <a:lumMod val="50000"/>
+                <a:schemeClr val="accent6">
+                  <a:lumMod val="75000"/>
                 </a:schemeClr>
               </a:solidFill>
             </a:ln>
@@ -6785,13 +6801,13 @@
       </p:grpSp>
       <p:grpSp>
         <p:nvGrpSpPr>
-          <p:cNvPr id="70" name="Group 69"/>
+          <p:cNvPr id="2106" name="Group 2105"/>
           <p:cNvGrpSpPr/>
           <p:nvPr/>
         </p:nvGrpSpPr>
         <p:grpSpPr>
           <a:xfrm rot="14433585">
-            <a:off x="1521680" y="1532842"/>
+            <a:off x="1613804" y="1346082"/>
             <a:ext cx="68478" cy="89586"/>
             <a:chOff x="2054014" y="3681015"/>
             <a:chExt cx="238122" cy="311519"/>
@@ -6802,7 +6818,7 @@
         </p:grpSpPr>
         <p:sp>
           <p:nvSpPr>
-            <p:cNvPr id="71" name="Rectangle 70"/>
+            <p:cNvPr id="2393" name="Rectangle 2392"/>
             <p:cNvSpPr/>
             <p:nvPr/>
           </p:nvSpPr>
@@ -6851,7 +6867,7 @@
         </p:sp>
         <p:sp>
           <p:nvSpPr>
-            <p:cNvPr id="72" name="Oval 71"/>
+            <p:cNvPr id="2394" name="Oval 2393"/>
             <p:cNvSpPr/>
             <p:nvPr/>
           </p:nvSpPr>
@@ -6900,7 +6916,7 @@
         </p:sp>
         <p:sp>
           <p:nvSpPr>
-            <p:cNvPr id="73" name="Oval 72"/>
+            <p:cNvPr id="2395" name="Oval 2394"/>
             <p:cNvSpPr/>
             <p:nvPr/>
           </p:nvSpPr>
@@ -6949,7 +6965,7 @@
         </p:sp>
         <p:sp>
           <p:nvSpPr>
-            <p:cNvPr id="74" name="Oval 73"/>
+            <p:cNvPr id="2396" name="Oval 2395"/>
             <p:cNvSpPr/>
             <p:nvPr/>
           </p:nvSpPr>
@@ -6999,19 +7015,26 @@
       </p:grpSp>
       <p:sp>
         <p:nvSpPr>
-          <p:cNvPr id="75" name="Oval 74"/>
+          <p:cNvPr id="2107" name="Oval 2106"/>
           <p:cNvSpPr/>
           <p:nvPr/>
         </p:nvSpPr>
         <p:spPr>
           <a:xfrm>
-            <a:off x="1119803" y="903092"/>
+            <a:off x="1211927" y="716332"/>
             <a:ext cx="239673" cy="239662"/>
           </a:xfrm>
           <a:prstGeom prst="ellipse">
             <a:avLst/>
           </a:prstGeom>
-          <a:ln w="38100" cmpd="sng"/>
+          <a:ln w="38100" cmpd="sng">
+            <a:solidFill>
+              <a:schemeClr val="tx1">
+                <a:lumMod val="50000"/>
+                <a:lumOff val="50000"/>
+              </a:schemeClr>
+            </a:solidFill>
+          </a:ln>
         </p:spPr>
         <p:style>
           <a:lnRef idx="2">
@@ -7041,13 +7064,13 @@
       </p:sp>
       <p:sp>
         <p:nvSpPr>
-          <p:cNvPr id="76" name="Freeform 75"/>
+          <p:cNvPr id="2108" name="Freeform 2107"/>
           <p:cNvSpPr/>
           <p:nvPr/>
         </p:nvSpPr>
         <p:spPr>
           <a:xfrm>
-            <a:off x="1169540" y="980568"/>
+            <a:off x="1261664" y="793808"/>
             <a:ext cx="99829" cy="110792"/>
           </a:xfrm>
           <a:custGeom>
@@ -7285,13 +7308,13 @@
       </p:sp>
       <p:sp>
         <p:nvSpPr>
-          <p:cNvPr id="77" name="Freeform 76"/>
+          <p:cNvPr id="2109" name="Freeform 2108"/>
           <p:cNvSpPr/>
           <p:nvPr/>
         </p:nvSpPr>
         <p:spPr>
           <a:xfrm>
-            <a:off x="1212150" y="959876"/>
+            <a:off x="1304274" y="773116"/>
             <a:ext cx="99829" cy="110792"/>
           </a:xfrm>
           <a:custGeom>
@@ -7529,13 +7552,13 @@
       </p:sp>
       <p:grpSp>
         <p:nvGrpSpPr>
-          <p:cNvPr id="78" name="Group 77"/>
+          <p:cNvPr id="2110" name="Group 2109"/>
           <p:cNvGrpSpPr/>
           <p:nvPr/>
         </p:nvGrpSpPr>
         <p:grpSpPr>
           <a:xfrm>
-            <a:off x="1205401" y="823244"/>
+            <a:off x="1297525" y="636484"/>
             <a:ext cx="68478" cy="89586"/>
             <a:chOff x="2033930" y="2331608"/>
             <a:chExt cx="238122" cy="311519"/>
@@ -7546,7 +7569,7 @@
         </p:grpSpPr>
         <p:sp>
           <p:nvSpPr>
-            <p:cNvPr id="79" name="Rectangle 78"/>
+            <p:cNvPr id="2389" name="Rectangle 2388"/>
             <p:cNvSpPr/>
             <p:nvPr/>
           </p:nvSpPr>
@@ -7597,7 +7620,7 @@
         </p:sp>
         <p:sp>
           <p:nvSpPr>
-            <p:cNvPr id="80" name="Oval 79"/>
+            <p:cNvPr id="2390" name="Oval 2389"/>
             <p:cNvSpPr/>
             <p:nvPr/>
           </p:nvSpPr>
@@ -7648,7 +7671,7 @@
         </p:sp>
         <p:sp>
           <p:nvSpPr>
-            <p:cNvPr id="81" name="Oval 80"/>
+            <p:cNvPr id="2391" name="Oval 2390"/>
             <p:cNvSpPr/>
             <p:nvPr/>
           </p:nvSpPr>
@@ -7699,7 +7722,7 @@
         </p:sp>
         <p:sp>
           <p:nvSpPr>
-            <p:cNvPr id="82" name="Oval 81"/>
+            <p:cNvPr id="2392" name="Oval 2391"/>
             <p:cNvSpPr/>
             <p:nvPr/>
           </p:nvSpPr>
@@ -7751,13 +7774,13 @@
       </p:grpSp>
       <p:grpSp>
         <p:nvGrpSpPr>
-          <p:cNvPr id="83" name="Group 82"/>
+          <p:cNvPr id="2111" name="Group 2110"/>
           <p:cNvGrpSpPr/>
           <p:nvPr/>
         </p:nvGrpSpPr>
         <p:grpSpPr>
           <a:xfrm rot="10800000">
-            <a:off x="1208680" y="1135104"/>
+            <a:off x="1300804" y="948344"/>
             <a:ext cx="68478" cy="89586"/>
             <a:chOff x="2054014" y="3681015"/>
             <a:chExt cx="238122" cy="311519"/>
@@ -7768,7 +7791,7 @@
         </p:grpSpPr>
         <p:sp>
           <p:nvSpPr>
-            <p:cNvPr id="84" name="Rectangle 83"/>
+            <p:cNvPr id="2385" name="Rectangle 2384"/>
             <p:cNvSpPr/>
             <p:nvPr/>
           </p:nvSpPr>
@@ -7817,7 +7840,7 @@
         </p:sp>
         <p:sp>
           <p:nvSpPr>
-            <p:cNvPr id="85" name="Oval 84"/>
+            <p:cNvPr id="2386" name="Oval 2385"/>
             <p:cNvSpPr/>
             <p:nvPr/>
           </p:nvSpPr>
@@ -7866,7 +7889,7 @@
         </p:sp>
         <p:sp>
           <p:nvSpPr>
-            <p:cNvPr id="86" name="Oval 85"/>
+            <p:cNvPr id="2387" name="Oval 2386"/>
             <p:cNvSpPr/>
             <p:nvPr/>
           </p:nvSpPr>
@@ -7915,7 +7938,7 @@
         </p:sp>
         <p:sp>
           <p:nvSpPr>
-            <p:cNvPr id="87" name="Oval 86"/>
+            <p:cNvPr id="2388" name="Oval 2387"/>
             <p:cNvSpPr/>
             <p:nvPr/>
           </p:nvSpPr>
@@ -7965,13 +7988,13 @@
       </p:grpSp>
       <p:grpSp>
         <p:nvGrpSpPr>
-          <p:cNvPr id="88" name="Group 87"/>
+          <p:cNvPr id="2112" name="Group 2111"/>
           <p:cNvGrpSpPr/>
           <p:nvPr/>
         </p:nvGrpSpPr>
         <p:grpSpPr>
           <a:xfrm rot="7707985">
-            <a:off x="1334352" y="1070235"/>
+            <a:off x="1426476" y="883475"/>
             <a:ext cx="68478" cy="89586"/>
             <a:chOff x="2054014" y="3681015"/>
             <a:chExt cx="238122" cy="311519"/>
@@ -7982,7 +8005,7 @@
         </p:grpSpPr>
         <p:sp>
           <p:nvSpPr>
-            <p:cNvPr id="89" name="Rectangle 88"/>
+            <p:cNvPr id="2381" name="Rectangle 2380"/>
             <p:cNvSpPr/>
             <p:nvPr/>
           </p:nvSpPr>
@@ -8031,7 +8054,7 @@
         </p:sp>
         <p:sp>
           <p:nvSpPr>
-            <p:cNvPr id="90" name="Oval 89"/>
+            <p:cNvPr id="2382" name="Oval 2381"/>
             <p:cNvSpPr/>
             <p:nvPr/>
           </p:nvSpPr>
@@ -8080,7 +8103,7 @@
         </p:sp>
         <p:sp>
           <p:nvSpPr>
-            <p:cNvPr id="91" name="Oval 90"/>
+            <p:cNvPr id="2383" name="Oval 2382"/>
             <p:cNvSpPr/>
             <p:nvPr/>
           </p:nvSpPr>
@@ -8129,7 +8152,7 @@
         </p:sp>
         <p:sp>
           <p:nvSpPr>
-            <p:cNvPr id="92" name="Oval 91"/>
+            <p:cNvPr id="2384" name="Oval 2383"/>
             <p:cNvSpPr/>
             <p:nvPr/>
           </p:nvSpPr>
@@ -8179,13 +8202,13 @@
       </p:grpSp>
       <p:grpSp>
         <p:nvGrpSpPr>
-          <p:cNvPr id="93" name="Group 92"/>
+          <p:cNvPr id="2113" name="Group 2112"/>
           <p:cNvGrpSpPr/>
           <p:nvPr/>
         </p:nvGrpSpPr>
         <p:grpSpPr>
           <a:xfrm rot="4021510">
-            <a:off x="1340142" y="902060"/>
+            <a:off x="1432266" y="715300"/>
             <a:ext cx="68478" cy="89586"/>
             <a:chOff x="2054014" y="3681015"/>
             <a:chExt cx="238122" cy="311519"/>
@@ -8196,7 +8219,7 @@
         </p:grpSpPr>
         <p:sp>
           <p:nvSpPr>
-            <p:cNvPr id="94" name="Rectangle 93"/>
+            <p:cNvPr id="2377" name="Rectangle 2376"/>
             <p:cNvSpPr/>
             <p:nvPr/>
           </p:nvSpPr>
@@ -8245,7 +8268,7 @@
         </p:sp>
         <p:sp>
           <p:nvSpPr>
-            <p:cNvPr id="95" name="Oval 94"/>
+            <p:cNvPr id="2378" name="Oval 2377"/>
             <p:cNvSpPr/>
             <p:nvPr/>
           </p:nvSpPr>
@@ -8294,7 +8317,7 @@
         </p:sp>
         <p:sp>
           <p:nvSpPr>
-            <p:cNvPr id="96" name="Oval 95"/>
+            <p:cNvPr id="2379" name="Oval 2378"/>
             <p:cNvSpPr/>
             <p:nvPr/>
           </p:nvSpPr>
@@ -8343,7 +8366,7 @@
         </p:sp>
         <p:sp>
           <p:nvSpPr>
-            <p:cNvPr id="97" name="Oval 96"/>
+            <p:cNvPr id="2380" name="Oval 2379"/>
             <p:cNvSpPr/>
             <p:nvPr/>
           </p:nvSpPr>
@@ -8393,13 +8416,13 @@
       </p:grpSp>
       <p:grpSp>
         <p:nvGrpSpPr>
-          <p:cNvPr id="98" name="Group 97"/>
+          <p:cNvPr id="2114" name="Group 2113"/>
           <p:cNvGrpSpPr/>
           <p:nvPr/>
         </p:nvGrpSpPr>
         <p:grpSpPr>
           <a:xfrm rot="18345778">
-            <a:off x="1073528" y="894330"/>
+            <a:off x="1165652" y="707570"/>
             <a:ext cx="68478" cy="89586"/>
             <a:chOff x="2054014" y="3681015"/>
             <a:chExt cx="238122" cy="311519"/>
@@ -8410,7 +8433,7 @@
         </p:grpSpPr>
         <p:sp>
           <p:nvSpPr>
-            <p:cNvPr id="99" name="Rectangle 98"/>
+            <p:cNvPr id="2373" name="Rectangle 2372"/>
             <p:cNvSpPr/>
             <p:nvPr/>
           </p:nvSpPr>
@@ -8459,7 +8482,7 @@
         </p:sp>
         <p:sp>
           <p:nvSpPr>
-            <p:cNvPr id="100" name="Oval 99"/>
+            <p:cNvPr id="2374" name="Oval 2373"/>
             <p:cNvSpPr/>
             <p:nvPr/>
           </p:nvSpPr>
@@ -8508,7 +8531,7 @@
         </p:sp>
         <p:sp>
           <p:nvSpPr>
-            <p:cNvPr id="101" name="Oval 100"/>
+            <p:cNvPr id="2375" name="Oval 2374"/>
             <p:cNvSpPr/>
             <p:nvPr/>
           </p:nvSpPr>
@@ -8557,7 +8580,7 @@
         </p:sp>
         <p:sp>
           <p:nvSpPr>
-            <p:cNvPr id="102" name="Oval 101"/>
+            <p:cNvPr id="2376" name="Oval 2375"/>
             <p:cNvSpPr/>
             <p:nvPr/>
           </p:nvSpPr>
@@ -8607,13 +8630,13 @@
       </p:grpSp>
       <p:grpSp>
         <p:nvGrpSpPr>
-          <p:cNvPr id="103" name="Group 102"/>
+          <p:cNvPr id="2115" name="Group 2114"/>
           <p:cNvGrpSpPr/>
           <p:nvPr/>
         </p:nvGrpSpPr>
         <p:grpSpPr>
           <a:xfrm rot="14433585">
-            <a:off x="1071389" y="1058853"/>
+            <a:off x="1163513" y="872093"/>
             <a:ext cx="68478" cy="89586"/>
             <a:chOff x="2054014" y="3681015"/>
             <a:chExt cx="238122" cy="311519"/>
@@ -8624,7 +8647,7 @@
         </p:grpSpPr>
         <p:sp>
           <p:nvSpPr>
-            <p:cNvPr id="104" name="Rectangle 103"/>
+            <p:cNvPr id="2369" name="Rectangle 2368"/>
             <p:cNvSpPr/>
             <p:nvPr/>
           </p:nvSpPr>
@@ -8673,7 +8696,7 @@
         </p:sp>
         <p:sp>
           <p:nvSpPr>
-            <p:cNvPr id="105" name="Oval 104"/>
+            <p:cNvPr id="2370" name="Oval 2369"/>
             <p:cNvSpPr/>
             <p:nvPr/>
           </p:nvSpPr>
@@ -8722,7 +8745,7 @@
         </p:sp>
         <p:sp>
           <p:nvSpPr>
-            <p:cNvPr id="106" name="Oval 105"/>
+            <p:cNvPr id="2371" name="Oval 2370"/>
             <p:cNvSpPr/>
             <p:nvPr/>
           </p:nvSpPr>
@@ -8771,7 +8794,7 @@
         </p:sp>
         <p:sp>
           <p:nvSpPr>
-            <p:cNvPr id="107" name="Oval 106"/>
+            <p:cNvPr id="2372" name="Oval 2371"/>
             <p:cNvSpPr/>
             <p:nvPr/>
           </p:nvSpPr>
@@ -8821,19 +8844,26 @@
       </p:grpSp>
       <p:sp>
         <p:nvSpPr>
-          <p:cNvPr id="108" name="Oval 107"/>
+          <p:cNvPr id="2116" name="Oval 2115"/>
           <p:cNvSpPr/>
           <p:nvPr/>
         </p:nvSpPr>
         <p:spPr>
           <a:xfrm>
-            <a:off x="1574119" y="907851"/>
+            <a:off x="1666243" y="721091"/>
             <a:ext cx="239673" cy="239662"/>
           </a:xfrm>
           <a:prstGeom prst="ellipse">
             <a:avLst/>
           </a:prstGeom>
-          <a:ln w="38100" cmpd="sng"/>
+          <a:ln w="38100" cmpd="sng">
+            <a:solidFill>
+              <a:schemeClr val="tx1">
+                <a:lumMod val="50000"/>
+                <a:lumOff val="50000"/>
+              </a:schemeClr>
+            </a:solidFill>
+          </a:ln>
         </p:spPr>
         <p:style>
           <a:lnRef idx="2">
@@ -8863,13 +8893,13 @@
       </p:sp>
       <p:sp>
         <p:nvSpPr>
-          <p:cNvPr id="109" name="Freeform 108"/>
+          <p:cNvPr id="2117" name="Freeform 2116"/>
           <p:cNvSpPr/>
           <p:nvPr/>
         </p:nvSpPr>
         <p:spPr>
           <a:xfrm>
-            <a:off x="1623857" y="985325"/>
+            <a:off x="1715981" y="798565"/>
             <a:ext cx="99829" cy="110792"/>
           </a:xfrm>
           <a:custGeom>
@@ -9075,8 +9105,8 @@
           </a:custGeom>
           <a:ln w="38100" cmpd="sng">
             <a:solidFill>
-              <a:schemeClr val="bg1">
-                <a:lumMod val="50000"/>
+              <a:schemeClr val="accent6">
+                <a:lumMod val="75000"/>
               </a:schemeClr>
             </a:solidFill>
           </a:ln>
@@ -9109,13 +9139,13 @@
       </p:sp>
       <p:sp>
         <p:nvSpPr>
-          <p:cNvPr id="110" name="Freeform 109"/>
+          <p:cNvPr id="2118" name="Freeform 2117"/>
           <p:cNvSpPr/>
           <p:nvPr/>
         </p:nvSpPr>
         <p:spPr>
           <a:xfrm>
-            <a:off x="1666465" y="964634"/>
+            <a:off x="1758589" y="777874"/>
             <a:ext cx="99829" cy="110792"/>
           </a:xfrm>
           <a:custGeom>
@@ -9353,13 +9383,13 @@
       </p:sp>
       <p:grpSp>
         <p:nvGrpSpPr>
-          <p:cNvPr id="111" name="Group 110"/>
+          <p:cNvPr id="2119" name="Group 2118"/>
           <p:cNvGrpSpPr/>
           <p:nvPr/>
         </p:nvGrpSpPr>
         <p:grpSpPr>
           <a:xfrm>
-            <a:off x="1659717" y="828003"/>
+            <a:off x="1751841" y="641243"/>
             <a:ext cx="68478" cy="89586"/>
             <a:chOff x="2033930" y="2331608"/>
             <a:chExt cx="238122" cy="311519"/>
@@ -9370,7 +9400,7 @@
         </p:grpSpPr>
         <p:sp>
           <p:nvSpPr>
-            <p:cNvPr id="112" name="Rectangle 111"/>
+            <p:cNvPr id="2365" name="Rectangle 2364"/>
             <p:cNvSpPr/>
             <p:nvPr/>
           </p:nvSpPr>
@@ -9419,7 +9449,7 @@
         </p:sp>
         <p:sp>
           <p:nvSpPr>
-            <p:cNvPr id="113" name="Oval 112"/>
+            <p:cNvPr id="2366" name="Oval 2365"/>
             <p:cNvSpPr/>
             <p:nvPr/>
           </p:nvSpPr>
@@ -9468,7 +9498,7 @@
         </p:sp>
         <p:sp>
           <p:nvSpPr>
-            <p:cNvPr id="114" name="Oval 113"/>
+            <p:cNvPr id="2367" name="Oval 2366"/>
             <p:cNvSpPr/>
             <p:nvPr/>
           </p:nvSpPr>
@@ -9517,7 +9547,7 @@
         </p:sp>
         <p:sp>
           <p:nvSpPr>
-            <p:cNvPr id="115" name="Oval 114"/>
+            <p:cNvPr id="2368" name="Oval 2367"/>
             <p:cNvSpPr/>
             <p:nvPr/>
           </p:nvSpPr>
@@ -9567,26 +9597,26 @@
       </p:grpSp>
       <p:grpSp>
         <p:nvGrpSpPr>
-          <p:cNvPr id="116" name="Group 115"/>
+          <p:cNvPr id="2120" name="Group 2119"/>
           <p:cNvGrpSpPr/>
           <p:nvPr/>
         </p:nvGrpSpPr>
         <p:grpSpPr>
           <a:xfrm rot="10800000">
-            <a:off x="1662998" y="1139863"/>
+            <a:off x="1755122" y="953103"/>
             <a:ext cx="68478" cy="89586"/>
             <a:chOff x="2054014" y="3681015"/>
             <a:chExt cx="238122" cy="311519"/>
           </a:xfrm>
           <a:solidFill>
-            <a:schemeClr val="bg1">
-              <a:lumMod val="50000"/>
+            <a:schemeClr val="accent6">
+              <a:lumMod val="75000"/>
             </a:schemeClr>
           </a:solidFill>
         </p:grpSpPr>
         <p:sp>
           <p:nvSpPr>
-            <p:cNvPr id="117" name="Rectangle 116"/>
+            <p:cNvPr id="2361" name="Rectangle 2360"/>
             <p:cNvSpPr/>
             <p:nvPr/>
           </p:nvSpPr>
@@ -9601,8 +9631,8 @@
             <a:grpFill/>
             <a:ln w="3175" cmpd="sng">
               <a:solidFill>
-                <a:schemeClr val="bg1">
-                  <a:lumMod val="50000"/>
+                <a:schemeClr val="accent6">
+                  <a:lumMod val="75000"/>
                 </a:schemeClr>
               </a:solidFill>
             </a:ln>
@@ -9637,7 +9667,7 @@
         </p:sp>
         <p:sp>
           <p:nvSpPr>
-            <p:cNvPr id="118" name="Oval 117"/>
+            <p:cNvPr id="2362" name="Oval 2361"/>
             <p:cNvSpPr/>
             <p:nvPr/>
           </p:nvSpPr>
@@ -9652,8 +9682,8 @@
             <a:grpFill/>
             <a:ln w="3175" cmpd="sng">
               <a:solidFill>
-                <a:schemeClr val="bg1">
-                  <a:lumMod val="50000"/>
+                <a:schemeClr val="accent6">
+                  <a:lumMod val="75000"/>
                 </a:schemeClr>
               </a:solidFill>
             </a:ln>
@@ -9688,7 +9718,7 @@
         </p:sp>
         <p:sp>
           <p:nvSpPr>
-            <p:cNvPr id="119" name="Oval 118"/>
+            <p:cNvPr id="2363" name="Oval 2362"/>
             <p:cNvSpPr/>
             <p:nvPr/>
           </p:nvSpPr>
@@ -9703,8 +9733,8 @@
             <a:grpFill/>
             <a:ln w="3175" cmpd="sng">
               <a:solidFill>
-                <a:schemeClr val="bg1">
-                  <a:lumMod val="50000"/>
+                <a:schemeClr val="accent6">
+                  <a:lumMod val="75000"/>
                 </a:schemeClr>
               </a:solidFill>
             </a:ln>
@@ -9739,7 +9769,7 @@
         </p:sp>
         <p:sp>
           <p:nvSpPr>
-            <p:cNvPr id="120" name="Oval 119"/>
+            <p:cNvPr id="2364" name="Oval 2363"/>
             <p:cNvSpPr/>
             <p:nvPr/>
           </p:nvSpPr>
@@ -9754,8 +9784,8 @@
             <a:grpFill/>
             <a:ln w="3175" cmpd="sng">
               <a:solidFill>
-                <a:schemeClr val="bg1">
-                  <a:lumMod val="50000"/>
+                <a:schemeClr val="accent6">
+                  <a:lumMod val="75000"/>
                 </a:schemeClr>
               </a:solidFill>
             </a:ln>
@@ -9791,13 +9821,13 @@
       </p:grpSp>
       <p:grpSp>
         <p:nvGrpSpPr>
-          <p:cNvPr id="121" name="Group 120"/>
+          <p:cNvPr id="2121" name="Group 2120"/>
           <p:cNvGrpSpPr/>
           <p:nvPr/>
         </p:nvGrpSpPr>
         <p:grpSpPr>
           <a:xfrm rot="7707985">
-            <a:off x="1788669" y="1074992"/>
+            <a:off x="1880793" y="888232"/>
             <a:ext cx="68478" cy="89586"/>
             <a:chOff x="2054014" y="3681015"/>
             <a:chExt cx="238122" cy="311519"/>
@@ -9808,7 +9838,7 @@
         </p:grpSpPr>
         <p:sp>
           <p:nvSpPr>
-            <p:cNvPr id="122" name="Rectangle 121"/>
+            <p:cNvPr id="2357" name="Rectangle 2356"/>
             <p:cNvSpPr/>
             <p:nvPr/>
           </p:nvSpPr>
@@ -9857,7 +9887,7 @@
         </p:sp>
         <p:sp>
           <p:nvSpPr>
-            <p:cNvPr id="123" name="Oval 122"/>
+            <p:cNvPr id="2358" name="Oval 2357"/>
             <p:cNvSpPr/>
             <p:nvPr/>
           </p:nvSpPr>
@@ -9906,7 +9936,7 @@
         </p:sp>
         <p:sp>
           <p:nvSpPr>
-            <p:cNvPr id="124" name="Oval 123"/>
+            <p:cNvPr id="2359" name="Oval 2358"/>
             <p:cNvSpPr/>
             <p:nvPr/>
           </p:nvSpPr>
@@ -9955,7 +9985,7 @@
         </p:sp>
         <p:sp>
           <p:nvSpPr>
-            <p:cNvPr id="125" name="Oval 124"/>
+            <p:cNvPr id="2360" name="Oval 2359"/>
             <p:cNvSpPr/>
             <p:nvPr/>
           </p:nvSpPr>
@@ -10005,26 +10035,26 @@
       </p:grpSp>
       <p:grpSp>
         <p:nvGrpSpPr>
-          <p:cNvPr id="126" name="Group 125"/>
+          <p:cNvPr id="2122" name="Group 2121"/>
           <p:cNvGrpSpPr/>
           <p:nvPr/>
         </p:nvGrpSpPr>
         <p:grpSpPr>
           <a:xfrm rot="4021510">
-            <a:off x="1794458" y="906817"/>
+            <a:off x="1886582" y="720057"/>
             <a:ext cx="68478" cy="89586"/>
             <a:chOff x="2054014" y="3681015"/>
             <a:chExt cx="238122" cy="311519"/>
           </a:xfrm>
           <a:solidFill>
-            <a:schemeClr val="bg1">
-              <a:lumMod val="50000"/>
+            <a:schemeClr val="accent6">
+              <a:lumMod val="75000"/>
             </a:schemeClr>
           </a:solidFill>
         </p:grpSpPr>
         <p:sp>
           <p:nvSpPr>
-            <p:cNvPr id="127" name="Rectangle 126"/>
+            <p:cNvPr id="2353" name="Rectangle 2352"/>
             <p:cNvSpPr/>
             <p:nvPr/>
           </p:nvSpPr>
@@ -10039,8 +10069,8 @@
             <a:grpFill/>
             <a:ln w="3175" cmpd="sng">
               <a:solidFill>
-                <a:schemeClr val="bg1">
-                  <a:lumMod val="50000"/>
+                <a:schemeClr val="accent6">
+                  <a:lumMod val="75000"/>
                 </a:schemeClr>
               </a:solidFill>
             </a:ln>
@@ -10075,7 +10105,7 @@
         </p:sp>
         <p:sp>
           <p:nvSpPr>
-            <p:cNvPr id="128" name="Oval 127"/>
+            <p:cNvPr id="2354" name="Oval 2353"/>
             <p:cNvSpPr/>
             <p:nvPr/>
           </p:nvSpPr>
@@ -10090,8 +10120,8 @@
             <a:grpFill/>
             <a:ln w="3175" cmpd="sng">
               <a:solidFill>
-                <a:schemeClr val="bg1">
-                  <a:lumMod val="50000"/>
+                <a:schemeClr val="accent6">
+                  <a:lumMod val="75000"/>
                 </a:schemeClr>
               </a:solidFill>
             </a:ln>
@@ -10126,7 +10156,7 @@
         </p:sp>
         <p:sp>
           <p:nvSpPr>
-            <p:cNvPr id="129" name="Oval 128"/>
+            <p:cNvPr id="2355" name="Oval 2354"/>
             <p:cNvSpPr/>
             <p:nvPr/>
           </p:nvSpPr>
@@ -10141,8 +10171,8 @@
             <a:grpFill/>
             <a:ln w="3175" cmpd="sng">
               <a:solidFill>
-                <a:schemeClr val="bg1">
-                  <a:lumMod val="50000"/>
+                <a:schemeClr val="accent6">
+                  <a:lumMod val="75000"/>
                 </a:schemeClr>
               </a:solidFill>
             </a:ln>
@@ -10177,7 +10207,7 @@
         </p:sp>
         <p:sp>
           <p:nvSpPr>
-            <p:cNvPr id="130" name="Oval 129"/>
+            <p:cNvPr id="2356" name="Oval 2355"/>
             <p:cNvSpPr/>
             <p:nvPr/>
           </p:nvSpPr>
@@ -10192,8 +10222,8 @@
             <a:grpFill/>
             <a:ln w="3175" cmpd="sng">
               <a:solidFill>
-                <a:schemeClr val="bg1">
-                  <a:lumMod val="50000"/>
+                <a:schemeClr val="accent6">
+                  <a:lumMod val="75000"/>
                 </a:schemeClr>
               </a:solidFill>
             </a:ln>
@@ -10229,13 +10259,13 @@
       </p:grpSp>
       <p:grpSp>
         <p:nvGrpSpPr>
-          <p:cNvPr id="131" name="Group 130"/>
+          <p:cNvPr id="2123" name="Group 2122"/>
           <p:cNvGrpSpPr/>
           <p:nvPr/>
         </p:nvGrpSpPr>
         <p:grpSpPr>
           <a:xfrm rot="18345778">
-            <a:off x="1527843" y="899087"/>
+            <a:off x="1619967" y="712327"/>
             <a:ext cx="68478" cy="89586"/>
             <a:chOff x="2054014" y="3681015"/>
             <a:chExt cx="238122" cy="311519"/>
@@ -10246,7 +10276,7 @@
         </p:grpSpPr>
         <p:sp>
           <p:nvSpPr>
-            <p:cNvPr id="132" name="Rectangle 131"/>
+            <p:cNvPr id="2349" name="Rectangle 2348"/>
             <p:cNvSpPr/>
             <p:nvPr/>
           </p:nvSpPr>
@@ -10295,7 +10325,7 @@
         </p:sp>
         <p:sp>
           <p:nvSpPr>
-            <p:cNvPr id="133" name="Oval 132"/>
+            <p:cNvPr id="2350" name="Oval 2349"/>
             <p:cNvSpPr/>
             <p:nvPr/>
           </p:nvSpPr>
@@ -10344,7 +10374,7 @@
         </p:sp>
         <p:sp>
           <p:nvSpPr>
-            <p:cNvPr id="134" name="Oval 133"/>
+            <p:cNvPr id="2351" name="Oval 2350"/>
             <p:cNvSpPr/>
             <p:nvPr/>
           </p:nvSpPr>
@@ -10393,7 +10423,7 @@
         </p:sp>
         <p:sp>
           <p:nvSpPr>
-            <p:cNvPr id="135" name="Oval 134"/>
+            <p:cNvPr id="2352" name="Oval 2351"/>
             <p:cNvSpPr/>
             <p:nvPr/>
           </p:nvSpPr>
@@ -10443,13 +10473,13 @@
       </p:grpSp>
       <p:grpSp>
         <p:nvGrpSpPr>
-          <p:cNvPr id="136" name="Group 135"/>
+          <p:cNvPr id="2124" name="Group 2123"/>
           <p:cNvGrpSpPr/>
           <p:nvPr/>
         </p:nvGrpSpPr>
         <p:grpSpPr>
           <a:xfrm rot="14433585">
-            <a:off x="1525705" y="1063612"/>
+            <a:off x="1617829" y="876852"/>
             <a:ext cx="68478" cy="89586"/>
             <a:chOff x="2054014" y="3681015"/>
             <a:chExt cx="238122" cy="311519"/>
@@ -10460,7 +10490,7 @@
         </p:grpSpPr>
         <p:sp>
           <p:nvSpPr>
-            <p:cNvPr id="137" name="Rectangle 136"/>
+            <p:cNvPr id="2345" name="Rectangle 2344"/>
             <p:cNvSpPr/>
             <p:nvPr/>
           </p:nvSpPr>
@@ -10509,7 +10539,7 @@
         </p:sp>
         <p:sp>
           <p:nvSpPr>
-            <p:cNvPr id="138" name="Oval 137"/>
+            <p:cNvPr id="2346" name="Oval 2345"/>
             <p:cNvSpPr/>
             <p:nvPr/>
           </p:nvSpPr>
@@ -10558,7 +10588,7 @@
         </p:sp>
         <p:sp>
           <p:nvSpPr>
-            <p:cNvPr id="139" name="Oval 138"/>
+            <p:cNvPr id="2347" name="Oval 2346"/>
             <p:cNvSpPr/>
             <p:nvPr/>
           </p:nvSpPr>
@@ -10607,7 +10637,7 @@
         </p:sp>
         <p:sp>
           <p:nvSpPr>
-            <p:cNvPr id="140" name="Oval 139"/>
+            <p:cNvPr id="2348" name="Oval 2347"/>
             <p:cNvSpPr/>
             <p:nvPr/>
           </p:nvSpPr>
@@ -10657,13 +10687,13 @@
       </p:grpSp>
       <p:cxnSp>
         <p:nvCxnSpPr>
-          <p:cNvPr id="141" name="Straight Connector 140"/>
+          <p:cNvPr id="2125" name="Straight Connector 2124"/>
           <p:cNvCxnSpPr/>
           <p:nvPr/>
         </p:nvCxnSpPr>
         <p:spPr>
           <a:xfrm>
-            <a:off x="2045866" y="823244"/>
+            <a:off x="2137990" y="636484"/>
             <a:ext cx="0" cy="878554"/>
           </a:xfrm>
           <a:prstGeom prst="line">
@@ -10695,7 +10725,7 @@
       </p:cxnSp>
       <p:grpSp>
         <p:nvGrpSpPr>
-          <p:cNvPr id="142" name="Group 141"/>
+          <p:cNvPr id="2126" name="Group 2125"/>
           <p:cNvGrpSpPr>
             <a:grpSpLocks noChangeAspect="1"/>
           </p:cNvGrpSpPr>
@@ -10703,7 +10733,7 @@
         </p:nvGrpSpPr>
         <p:grpSpPr>
           <a:xfrm>
-            <a:off x="217902" y="998244"/>
+            <a:off x="310026" y="811484"/>
             <a:ext cx="537376" cy="539224"/>
             <a:chOff x="863387" y="4132670"/>
             <a:chExt cx="863029" cy="865997"/>
@@ -10711,7 +10741,7 @@
         </p:grpSpPr>
         <p:sp>
           <p:nvSpPr>
-            <p:cNvPr id="143" name="Oval 142"/>
+            <p:cNvPr id="2337" name="Oval 2336"/>
             <p:cNvSpPr/>
             <p:nvPr/>
           </p:nvSpPr>
@@ -10763,7 +10793,7 @@
         </p:sp>
         <p:sp>
           <p:nvSpPr>
-            <p:cNvPr id="144" name="Block Arc 143"/>
+            <p:cNvPr id="2338" name="Block Arc 2337"/>
             <p:cNvSpPr/>
             <p:nvPr/>
           </p:nvSpPr>
@@ -10821,7 +10851,7 @@
         </p:sp>
         <p:sp>
           <p:nvSpPr>
-            <p:cNvPr id="145" name="Oval 144"/>
+            <p:cNvPr id="2339" name="Oval 2338"/>
             <p:cNvSpPr/>
             <p:nvPr/>
           </p:nvSpPr>
@@ -10873,7 +10903,7 @@
         </p:sp>
         <p:sp>
           <p:nvSpPr>
-            <p:cNvPr id="146" name="Block Arc 145"/>
+            <p:cNvPr id="2340" name="Block Arc 2339"/>
             <p:cNvSpPr/>
             <p:nvPr/>
           </p:nvSpPr>
@@ -10931,7 +10961,7 @@
         </p:sp>
         <p:sp>
           <p:nvSpPr>
-            <p:cNvPr id="147" name="Oval 146"/>
+            <p:cNvPr id="2341" name="Oval 2340"/>
             <p:cNvSpPr/>
             <p:nvPr/>
           </p:nvSpPr>
@@ -10983,7 +11013,7 @@
         </p:sp>
         <p:sp>
           <p:nvSpPr>
-            <p:cNvPr id="148" name="Block Arc 147"/>
+            <p:cNvPr id="2342" name="Block Arc 2341"/>
             <p:cNvSpPr/>
             <p:nvPr/>
           </p:nvSpPr>
@@ -11045,7 +11075,7 @@
         </p:sp>
         <p:sp>
           <p:nvSpPr>
-            <p:cNvPr id="149" name="Oval 148"/>
+            <p:cNvPr id="2343" name="Oval 2342"/>
             <p:cNvSpPr/>
             <p:nvPr/>
           </p:nvSpPr>
@@ -11097,7 +11127,7 @@
         </p:sp>
         <p:sp>
           <p:nvSpPr>
-            <p:cNvPr id="150" name="Block Arc 149"/>
+            <p:cNvPr id="2344" name="Block Arc 2343"/>
             <p:cNvSpPr/>
             <p:nvPr/>
           </p:nvSpPr>
@@ -11156,13 +11186,13 @@
       </p:grpSp>
       <p:sp>
         <p:nvSpPr>
-          <p:cNvPr id="151" name="Oval 150"/>
+          <p:cNvPr id="2127" name="Oval 2126"/>
           <p:cNvSpPr/>
           <p:nvPr/>
         </p:nvSpPr>
         <p:spPr>
           <a:xfrm>
-            <a:off x="2268628" y="1373564"/>
+            <a:off x="2360752" y="1186804"/>
             <a:ext cx="239673" cy="239662"/>
           </a:xfrm>
           <a:prstGeom prst="ellipse">
@@ -11170,7 +11200,10 @@
           </a:prstGeom>
           <a:ln w="38100" cmpd="sng">
             <a:solidFill>
-              <a:schemeClr val="accent1"/>
+              <a:schemeClr val="tx1">
+                <a:lumMod val="50000"/>
+                <a:lumOff val="50000"/>
+              </a:schemeClr>
             </a:solidFill>
           </a:ln>
         </p:spPr>
@@ -11202,13 +11235,13 @@
       </p:sp>
       <p:sp>
         <p:nvSpPr>
-          <p:cNvPr id="152" name="Freeform 151"/>
+          <p:cNvPr id="2128" name="Freeform 2127"/>
           <p:cNvSpPr/>
           <p:nvPr/>
         </p:nvSpPr>
         <p:spPr>
           <a:xfrm>
-            <a:off x="2318367" y="1451037"/>
+            <a:off x="2410491" y="1264277"/>
             <a:ext cx="99829" cy="110792"/>
           </a:xfrm>
           <a:custGeom>
@@ -11446,13 +11479,13 @@
       </p:sp>
       <p:sp>
         <p:nvSpPr>
-          <p:cNvPr id="153" name="Freeform 152"/>
+          <p:cNvPr id="2129" name="Freeform 2128"/>
           <p:cNvSpPr/>
           <p:nvPr/>
         </p:nvSpPr>
         <p:spPr>
           <a:xfrm>
-            <a:off x="2360975" y="1430347"/>
+            <a:off x="2453099" y="1243587"/>
             <a:ext cx="99829" cy="110792"/>
           </a:xfrm>
           <a:custGeom>
@@ -11690,13 +11723,13 @@
       </p:sp>
       <p:grpSp>
         <p:nvGrpSpPr>
-          <p:cNvPr id="154" name="Group 153"/>
+          <p:cNvPr id="2130" name="Group 2129"/>
           <p:cNvGrpSpPr/>
           <p:nvPr/>
         </p:nvGrpSpPr>
         <p:grpSpPr>
           <a:xfrm>
-            <a:off x="2354226" y="1293714"/>
+            <a:off x="2446350" y="1106954"/>
             <a:ext cx="68478" cy="89586"/>
             <a:chOff x="2033930" y="2331608"/>
             <a:chExt cx="238122" cy="311519"/>
@@ -11707,7 +11740,7 @@
         </p:grpSpPr>
         <p:sp>
           <p:nvSpPr>
-            <p:cNvPr id="155" name="Rectangle 154"/>
+            <p:cNvPr id="2333" name="Rectangle 2332"/>
             <p:cNvSpPr/>
             <p:nvPr/>
           </p:nvSpPr>
@@ -11756,7 +11789,7 @@
         </p:sp>
         <p:sp>
           <p:nvSpPr>
-            <p:cNvPr id="156" name="Oval 155"/>
+            <p:cNvPr id="2334" name="Oval 2333"/>
             <p:cNvSpPr/>
             <p:nvPr/>
           </p:nvSpPr>
@@ -11805,7 +11838,7 @@
         </p:sp>
         <p:sp>
           <p:nvSpPr>
-            <p:cNvPr id="157" name="Oval 156"/>
+            <p:cNvPr id="2335" name="Oval 2334"/>
             <p:cNvSpPr/>
             <p:nvPr/>
           </p:nvSpPr>
@@ -11854,7 +11887,7 @@
         </p:sp>
         <p:sp>
           <p:nvSpPr>
-            <p:cNvPr id="158" name="Oval 157"/>
+            <p:cNvPr id="2336" name="Oval 2335"/>
             <p:cNvSpPr/>
             <p:nvPr/>
           </p:nvSpPr>
@@ -11904,13 +11937,13 @@
       </p:grpSp>
       <p:grpSp>
         <p:nvGrpSpPr>
-          <p:cNvPr id="159" name="Group 158"/>
+          <p:cNvPr id="2131" name="Group 2130"/>
           <p:cNvGrpSpPr/>
           <p:nvPr/>
         </p:nvGrpSpPr>
         <p:grpSpPr>
           <a:xfrm rot="10800000">
-            <a:off x="2357506" y="1605575"/>
+            <a:off x="2449630" y="1418815"/>
             <a:ext cx="68478" cy="89586"/>
             <a:chOff x="2054014" y="3681015"/>
             <a:chExt cx="238122" cy="311519"/>
@@ -11921,7 +11954,7 @@
         </p:grpSpPr>
         <p:sp>
           <p:nvSpPr>
-            <p:cNvPr id="160" name="Rectangle 159"/>
+            <p:cNvPr id="2329" name="Rectangle 2328"/>
             <p:cNvSpPr/>
             <p:nvPr/>
           </p:nvSpPr>
@@ -11970,7 +12003,7 @@
         </p:sp>
         <p:sp>
           <p:nvSpPr>
-            <p:cNvPr id="161" name="Oval 160"/>
+            <p:cNvPr id="2330" name="Oval 2329"/>
             <p:cNvSpPr/>
             <p:nvPr/>
           </p:nvSpPr>
@@ -12019,7 +12052,7 @@
         </p:sp>
         <p:sp>
           <p:nvSpPr>
-            <p:cNvPr id="162" name="Oval 161"/>
+            <p:cNvPr id="2331" name="Oval 2330"/>
             <p:cNvSpPr/>
             <p:nvPr/>
           </p:nvSpPr>
@@ -12068,7 +12101,7 @@
         </p:sp>
         <p:sp>
           <p:nvSpPr>
-            <p:cNvPr id="163" name="Oval 162"/>
+            <p:cNvPr id="2332" name="Oval 2331"/>
             <p:cNvSpPr/>
             <p:nvPr/>
           </p:nvSpPr>
@@ -12118,13 +12151,13 @@
       </p:grpSp>
       <p:grpSp>
         <p:nvGrpSpPr>
-          <p:cNvPr id="164" name="Group 163"/>
+          <p:cNvPr id="2132" name="Group 2131"/>
           <p:cNvGrpSpPr/>
           <p:nvPr/>
         </p:nvGrpSpPr>
         <p:grpSpPr>
           <a:xfrm rot="7707985">
-            <a:off x="2483177" y="1540705"/>
+            <a:off x="2575301" y="1353945"/>
             <a:ext cx="68478" cy="89586"/>
             <a:chOff x="2054014" y="3681015"/>
             <a:chExt cx="238122" cy="311519"/>
@@ -12135,7 +12168,7 @@
         </p:grpSpPr>
         <p:sp>
           <p:nvSpPr>
-            <p:cNvPr id="165" name="Rectangle 164"/>
+            <p:cNvPr id="2325" name="Rectangle 2324"/>
             <p:cNvSpPr/>
             <p:nvPr/>
           </p:nvSpPr>
@@ -12184,7 +12217,7 @@
         </p:sp>
         <p:sp>
           <p:nvSpPr>
-            <p:cNvPr id="166" name="Oval 165"/>
+            <p:cNvPr id="2326" name="Oval 2325"/>
             <p:cNvSpPr/>
             <p:nvPr/>
           </p:nvSpPr>
@@ -12233,7 +12266,7 @@
         </p:sp>
         <p:sp>
           <p:nvSpPr>
-            <p:cNvPr id="167" name="Oval 166"/>
+            <p:cNvPr id="2327" name="Oval 2326"/>
             <p:cNvSpPr/>
             <p:nvPr/>
           </p:nvSpPr>
@@ -12282,7 +12315,7 @@
         </p:sp>
         <p:sp>
           <p:nvSpPr>
-            <p:cNvPr id="168" name="Oval 167"/>
+            <p:cNvPr id="2328" name="Oval 2327"/>
             <p:cNvSpPr/>
             <p:nvPr/>
           </p:nvSpPr>
@@ -12332,13 +12365,13 @@
       </p:grpSp>
       <p:grpSp>
         <p:nvGrpSpPr>
-          <p:cNvPr id="169" name="Group 168"/>
+          <p:cNvPr id="2133" name="Group 2132"/>
           <p:cNvGrpSpPr/>
           <p:nvPr/>
         </p:nvGrpSpPr>
         <p:grpSpPr>
           <a:xfrm rot="4021510">
-            <a:off x="2488968" y="1372528"/>
+            <a:off x="2581092" y="1185768"/>
             <a:ext cx="68478" cy="89586"/>
             <a:chOff x="2054014" y="3681015"/>
             <a:chExt cx="238122" cy="311519"/>
@@ -12349,7 +12382,7 @@
         </p:grpSpPr>
         <p:sp>
           <p:nvSpPr>
-            <p:cNvPr id="170" name="Rectangle 169"/>
+            <p:cNvPr id="2321" name="Rectangle 2320"/>
             <p:cNvSpPr/>
             <p:nvPr/>
           </p:nvSpPr>
@@ -12398,7 +12431,7 @@
         </p:sp>
         <p:sp>
           <p:nvSpPr>
-            <p:cNvPr id="171" name="Oval 170"/>
+            <p:cNvPr id="2322" name="Oval 2321"/>
             <p:cNvSpPr/>
             <p:nvPr/>
           </p:nvSpPr>
@@ -12447,7 +12480,7 @@
         </p:sp>
         <p:sp>
           <p:nvSpPr>
-            <p:cNvPr id="172" name="Oval 171"/>
+            <p:cNvPr id="2323" name="Oval 2322"/>
             <p:cNvSpPr/>
             <p:nvPr/>
           </p:nvSpPr>
@@ -12496,7 +12529,7 @@
         </p:sp>
         <p:sp>
           <p:nvSpPr>
-            <p:cNvPr id="173" name="Oval 172"/>
+            <p:cNvPr id="2324" name="Oval 2323"/>
             <p:cNvSpPr/>
             <p:nvPr/>
           </p:nvSpPr>
@@ -12546,13 +12579,13 @@
       </p:grpSp>
       <p:grpSp>
         <p:nvGrpSpPr>
-          <p:cNvPr id="174" name="Group 173"/>
+          <p:cNvPr id="2134" name="Group 2133"/>
           <p:cNvGrpSpPr/>
           <p:nvPr/>
         </p:nvGrpSpPr>
         <p:grpSpPr>
           <a:xfrm rot="18345778">
-            <a:off x="2222355" y="1364799"/>
+            <a:off x="2314479" y="1178039"/>
             <a:ext cx="68478" cy="89586"/>
             <a:chOff x="2054014" y="3681015"/>
             <a:chExt cx="238122" cy="311519"/>
@@ -12563,7 +12596,7 @@
         </p:grpSpPr>
         <p:sp>
           <p:nvSpPr>
-            <p:cNvPr id="175" name="Rectangle 174"/>
+            <p:cNvPr id="2317" name="Rectangle 2316"/>
             <p:cNvSpPr/>
             <p:nvPr/>
           </p:nvSpPr>
@@ -12612,7 +12645,7 @@
         </p:sp>
         <p:sp>
           <p:nvSpPr>
-            <p:cNvPr id="176" name="Oval 175"/>
+            <p:cNvPr id="2318" name="Oval 2317"/>
             <p:cNvSpPr/>
             <p:nvPr/>
           </p:nvSpPr>
@@ -12661,7 +12694,7 @@
         </p:sp>
         <p:sp>
           <p:nvSpPr>
-            <p:cNvPr id="177" name="Oval 176"/>
+            <p:cNvPr id="2319" name="Oval 2318"/>
             <p:cNvSpPr/>
             <p:nvPr/>
           </p:nvSpPr>
@@ -12710,7 +12743,7 @@
         </p:sp>
         <p:sp>
           <p:nvSpPr>
-            <p:cNvPr id="178" name="Oval 177"/>
+            <p:cNvPr id="2320" name="Oval 2319"/>
             <p:cNvSpPr/>
             <p:nvPr/>
           </p:nvSpPr>
@@ -12760,13 +12793,13 @@
       </p:grpSp>
       <p:grpSp>
         <p:nvGrpSpPr>
-          <p:cNvPr id="179" name="Group 178"/>
+          <p:cNvPr id="2135" name="Group 2134"/>
           <p:cNvGrpSpPr/>
           <p:nvPr/>
         </p:nvGrpSpPr>
         <p:grpSpPr>
           <a:xfrm rot="14433585">
-            <a:off x="2220214" y="1529324"/>
+            <a:off x="2312338" y="1342564"/>
             <a:ext cx="68478" cy="89586"/>
             <a:chOff x="2054014" y="3681015"/>
             <a:chExt cx="238122" cy="311519"/>
@@ -12777,7 +12810,7 @@
         </p:grpSpPr>
         <p:sp>
           <p:nvSpPr>
-            <p:cNvPr id="180" name="Rectangle 179"/>
+            <p:cNvPr id="2313" name="Rectangle 2312"/>
             <p:cNvSpPr/>
             <p:nvPr/>
           </p:nvSpPr>
@@ -12826,7 +12859,7 @@
         </p:sp>
         <p:sp>
           <p:nvSpPr>
-            <p:cNvPr id="181" name="Oval 180"/>
+            <p:cNvPr id="2314" name="Oval 2313"/>
             <p:cNvSpPr/>
             <p:nvPr/>
           </p:nvSpPr>
@@ -12875,7 +12908,7 @@
         </p:sp>
         <p:sp>
           <p:nvSpPr>
-            <p:cNvPr id="182" name="Oval 181"/>
+            <p:cNvPr id="2315" name="Oval 2314"/>
             <p:cNvSpPr/>
             <p:nvPr/>
           </p:nvSpPr>
@@ -12924,7 +12957,7 @@
         </p:sp>
         <p:sp>
           <p:nvSpPr>
-            <p:cNvPr id="183" name="Oval 182"/>
+            <p:cNvPr id="2316" name="Oval 2315"/>
             <p:cNvSpPr/>
             <p:nvPr/>
           </p:nvSpPr>
@@ -12974,13 +13007,13 @@
       </p:grpSp>
       <p:sp>
         <p:nvSpPr>
-          <p:cNvPr id="184" name="Oval 183"/>
+          <p:cNvPr id="2136" name="Oval 2135"/>
           <p:cNvSpPr/>
           <p:nvPr/>
         </p:nvSpPr>
         <p:spPr>
           <a:xfrm>
-            <a:off x="2725078" y="1378322"/>
+            <a:off x="2817202" y="1191562"/>
             <a:ext cx="239673" cy="239662"/>
           </a:xfrm>
           <a:prstGeom prst="ellipse">
@@ -12988,8 +13021,9 @@
           </a:prstGeom>
           <a:ln w="38100" cmpd="sng">
             <a:solidFill>
-              <a:schemeClr val="bg1">
+              <a:schemeClr val="tx1">
                 <a:lumMod val="50000"/>
+                <a:lumOff val="50000"/>
               </a:schemeClr>
             </a:solidFill>
           </a:ln>
@@ -13022,13 +13056,13 @@
       </p:sp>
       <p:sp>
         <p:nvSpPr>
-          <p:cNvPr id="185" name="Freeform 184"/>
+          <p:cNvPr id="2137" name="Freeform 2136"/>
           <p:cNvSpPr/>
           <p:nvPr/>
         </p:nvSpPr>
         <p:spPr>
           <a:xfrm>
-            <a:off x="2774816" y="1455794"/>
+            <a:off x="2866940" y="1269034"/>
             <a:ext cx="99829" cy="110792"/>
           </a:xfrm>
           <a:custGeom>
@@ -13234,7 +13268,9 @@
           </a:custGeom>
           <a:ln w="38100" cmpd="sng">
             <a:solidFill>
-              <a:srgbClr val="7F7F7F"/>
+              <a:schemeClr val="accent6">
+                <a:lumMod val="75000"/>
+              </a:schemeClr>
             </a:solidFill>
           </a:ln>
         </p:spPr>
@@ -13266,13 +13302,13 @@
       </p:sp>
       <p:sp>
         <p:nvSpPr>
-          <p:cNvPr id="186" name="Freeform 185"/>
+          <p:cNvPr id="2138" name="Freeform 2137"/>
           <p:cNvSpPr/>
           <p:nvPr/>
         </p:nvSpPr>
         <p:spPr>
           <a:xfrm>
-            <a:off x="2817426" y="1435105"/>
+            <a:off x="2909550" y="1248345"/>
             <a:ext cx="99829" cy="110792"/>
           </a:xfrm>
           <a:custGeom>
@@ -13478,7 +13514,9 @@
           </a:custGeom>
           <a:ln w="38100" cmpd="sng">
             <a:solidFill>
-              <a:srgbClr val="7F7F7F"/>
+              <a:schemeClr val="accent6">
+                <a:lumMod val="75000"/>
+              </a:schemeClr>
             </a:solidFill>
           </a:ln>
         </p:spPr>
@@ -13510,24 +13548,26 @@
       </p:sp>
       <p:grpSp>
         <p:nvGrpSpPr>
-          <p:cNvPr id="187" name="Group 186"/>
+          <p:cNvPr id="2139" name="Group 2138"/>
           <p:cNvGrpSpPr/>
           <p:nvPr/>
         </p:nvGrpSpPr>
         <p:grpSpPr>
           <a:xfrm>
-            <a:off x="2810676" y="1298473"/>
+            <a:off x="2902800" y="1111713"/>
             <a:ext cx="68478" cy="89586"/>
             <a:chOff x="2033930" y="2331608"/>
             <a:chExt cx="238122" cy="311519"/>
           </a:xfrm>
           <a:solidFill>
-            <a:srgbClr val="7F7F7F"/>
+            <a:schemeClr val="accent6">
+              <a:lumMod val="75000"/>
+            </a:schemeClr>
           </a:solidFill>
         </p:grpSpPr>
         <p:sp>
           <p:nvSpPr>
-            <p:cNvPr id="188" name="Rectangle 187"/>
+            <p:cNvPr id="2309" name="Rectangle 2308"/>
             <p:cNvSpPr/>
             <p:nvPr/>
           </p:nvSpPr>
@@ -13542,8 +13582,8 @@
             <a:grpFill/>
             <a:ln w="3175" cmpd="sng">
               <a:solidFill>
-                <a:schemeClr val="bg1">
-                  <a:lumMod val="50000"/>
+                <a:schemeClr val="accent6">
+                  <a:lumMod val="75000"/>
                 </a:schemeClr>
               </a:solidFill>
             </a:ln>
@@ -13578,7 +13618,7 @@
         </p:sp>
         <p:sp>
           <p:nvSpPr>
-            <p:cNvPr id="189" name="Oval 188"/>
+            <p:cNvPr id="2310" name="Oval 2309"/>
             <p:cNvSpPr/>
             <p:nvPr/>
           </p:nvSpPr>
@@ -13593,8 +13633,8 @@
             <a:grpFill/>
             <a:ln w="3175" cmpd="sng">
               <a:solidFill>
-                <a:schemeClr val="bg1">
-                  <a:lumMod val="50000"/>
+                <a:schemeClr val="accent6">
+                  <a:lumMod val="75000"/>
                 </a:schemeClr>
               </a:solidFill>
             </a:ln>
@@ -13629,7 +13669,7 @@
         </p:sp>
         <p:sp>
           <p:nvSpPr>
-            <p:cNvPr id="190" name="Oval 189"/>
+            <p:cNvPr id="2311" name="Oval 2310"/>
             <p:cNvSpPr/>
             <p:nvPr/>
           </p:nvSpPr>
@@ -13644,8 +13684,8 @@
             <a:grpFill/>
             <a:ln w="3175" cmpd="sng">
               <a:solidFill>
-                <a:schemeClr val="bg1">
-                  <a:lumMod val="50000"/>
+                <a:schemeClr val="accent6">
+                  <a:lumMod val="75000"/>
                 </a:schemeClr>
               </a:solidFill>
             </a:ln>
@@ -13680,7 +13720,7 @@
         </p:sp>
         <p:sp>
           <p:nvSpPr>
-            <p:cNvPr id="191" name="Oval 190"/>
+            <p:cNvPr id="2312" name="Oval 2311"/>
             <p:cNvSpPr/>
             <p:nvPr/>
           </p:nvSpPr>
@@ -13695,8 +13735,8 @@
             <a:grpFill/>
             <a:ln w="3175" cmpd="sng">
               <a:solidFill>
-                <a:schemeClr val="bg1">
-                  <a:lumMod val="50000"/>
+                <a:schemeClr val="accent6">
+                  <a:lumMod val="75000"/>
                 </a:schemeClr>
               </a:solidFill>
             </a:ln>
@@ -13732,24 +13772,26 @@
       </p:grpSp>
       <p:grpSp>
         <p:nvGrpSpPr>
-          <p:cNvPr id="192" name="Group 191"/>
+          <p:cNvPr id="2140" name="Group 2139"/>
           <p:cNvGrpSpPr/>
           <p:nvPr/>
         </p:nvGrpSpPr>
         <p:grpSpPr>
           <a:xfrm rot="10800000">
-            <a:off x="2805427" y="1610332"/>
+            <a:off x="2897551" y="1423572"/>
             <a:ext cx="68478" cy="89586"/>
             <a:chOff x="2054014" y="3681015"/>
             <a:chExt cx="238122" cy="311519"/>
           </a:xfrm>
           <a:solidFill>
-            <a:srgbClr val="7F7F7F"/>
+            <a:schemeClr val="accent6">
+              <a:lumMod val="75000"/>
+            </a:schemeClr>
           </a:solidFill>
         </p:grpSpPr>
         <p:sp>
           <p:nvSpPr>
-            <p:cNvPr id="193" name="Rectangle 192"/>
+            <p:cNvPr id="2305" name="Rectangle 2304"/>
             <p:cNvSpPr/>
             <p:nvPr/>
           </p:nvSpPr>
@@ -13764,8 +13806,8 @@
             <a:grpFill/>
             <a:ln w="3175" cmpd="sng">
               <a:solidFill>
-                <a:schemeClr val="bg1">
-                  <a:lumMod val="50000"/>
+                <a:schemeClr val="accent6">
+                  <a:lumMod val="75000"/>
                 </a:schemeClr>
               </a:solidFill>
             </a:ln>
@@ -13800,7 +13842,7 @@
         </p:sp>
         <p:sp>
           <p:nvSpPr>
-            <p:cNvPr id="194" name="Oval 193"/>
+            <p:cNvPr id="2306" name="Oval 2305"/>
             <p:cNvSpPr/>
             <p:nvPr/>
           </p:nvSpPr>
@@ -13815,8 +13857,8 @@
             <a:grpFill/>
             <a:ln w="3175" cmpd="sng">
               <a:solidFill>
-                <a:schemeClr val="bg1">
-                  <a:lumMod val="50000"/>
+                <a:schemeClr val="accent6">
+                  <a:lumMod val="75000"/>
                 </a:schemeClr>
               </a:solidFill>
             </a:ln>
@@ -13851,7 +13893,7 @@
         </p:sp>
         <p:sp>
           <p:nvSpPr>
-            <p:cNvPr id="195" name="Oval 194"/>
+            <p:cNvPr id="2307" name="Oval 2306"/>
             <p:cNvSpPr/>
             <p:nvPr/>
           </p:nvSpPr>
@@ -13866,8 +13908,8 @@
             <a:grpFill/>
             <a:ln w="3175" cmpd="sng">
               <a:solidFill>
-                <a:schemeClr val="bg1">
-                  <a:lumMod val="50000"/>
+                <a:schemeClr val="accent6">
+                  <a:lumMod val="75000"/>
                 </a:schemeClr>
               </a:solidFill>
             </a:ln>
@@ -13902,7 +13944,7 @@
         </p:sp>
         <p:sp>
           <p:nvSpPr>
-            <p:cNvPr id="196" name="Oval 195"/>
+            <p:cNvPr id="2308" name="Oval 2307"/>
             <p:cNvSpPr/>
             <p:nvPr/>
           </p:nvSpPr>
@@ -13917,8 +13959,8 @@
             <a:grpFill/>
             <a:ln w="3175" cmpd="sng">
               <a:solidFill>
-                <a:schemeClr val="bg1">
-                  <a:lumMod val="50000"/>
+                <a:schemeClr val="accent6">
+                  <a:lumMod val="75000"/>
                 </a:schemeClr>
               </a:solidFill>
             </a:ln>
@@ -13954,24 +13996,26 @@
       </p:grpSp>
       <p:grpSp>
         <p:nvGrpSpPr>
-          <p:cNvPr id="197" name="Group 196"/>
+          <p:cNvPr id="2141" name="Group 2140"/>
           <p:cNvGrpSpPr/>
           <p:nvPr/>
         </p:nvGrpSpPr>
         <p:grpSpPr>
           <a:xfrm rot="7707985">
-            <a:off x="2939627" y="1545462"/>
+            <a:off x="3031751" y="1358702"/>
             <a:ext cx="68478" cy="89586"/>
             <a:chOff x="2054014" y="3681015"/>
             <a:chExt cx="238122" cy="311519"/>
           </a:xfrm>
           <a:solidFill>
-            <a:srgbClr val="7F7F7F"/>
+            <a:schemeClr val="accent6">
+              <a:lumMod val="75000"/>
+            </a:schemeClr>
           </a:solidFill>
         </p:grpSpPr>
         <p:sp>
           <p:nvSpPr>
-            <p:cNvPr id="198" name="Rectangle 197"/>
+            <p:cNvPr id="2301" name="Rectangle 2300"/>
             <p:cNvSpPr/>
             <p:nvPr/>
           </p:nvSpPr>
@@ -13986,8 +14030,8 @@
             <a:grpFill/>
             <a:ln w="3175" cmpd="sng">
               <a:solidFill>
-                <a:schemeClr val="bg1">
-                  <a:lumMod val="50000"/>
+                <a:schemeClr val="accent6">
+                  <a:lumMod val="75000"/>
                 </a:schemeClr>
               </a:solidFill>
             </a:ln>
@@ -14022,7 +14066,7 @@
         </p:sp>
         <p:sp>
           <p:nvSpPr>
-            <p:cNvPr id="199" name="Oval 198"/>
+            <p:cNvPr id="2302" name="Oval 2301"/>
             <p:cNvSpPr/>
             <p:nvPr/>
           </p:nvSpPr>
@@ -14037,8 +14081,8 @@
             <a:grpFill/>
             <a:ln w="3175" cmpd="sng">
               <a:solidFill>
-                <a:schemeClr val="bg1">
-                  <a:lumMod val="50000"/>
+                <a:schemeClr val="accent6">
+                  <a:lumMod val="75000"/>
                 </a:schemeClr>
               </a:solidFill>
             </a:ln>
@@ -14073,7 +14117,7 @@
         </p:sp>
         <p:sp>
           <p:nvSpPr>
-            <p:cNvPr id="200" name="Oval 199"/>
+            <p:cNvPr id="2303" name="Oval 2302"/>
             <p:cNvSpPr/>
             <p:nvPr/>
           </p:nvSpPr>
@@ -14088,8 +14132,8 @@
             <a:grpFill/>
             <a:ln w="3175" cmpd="sng">
               <a:solidFill>
-                <a:schemeClr val="bg1">
-                  <a:lumMod val="50000"/>
+                <a:schemeClr val="accent6">
+                  <a:lumMod val="75000"/>
                 </a:schemeClr>
               </a:solidFill>
             </a:ln>
@@ -14124,7 +14168,7 @@
         </p:sp>
         <p:sp>
           <p:nvSpPr>
-            <p:cNvPr id="201" name="Oval 200"/>
+            <p:cNvPr id="2304" name="Oval 2303"/>
             <p:cNvSpPr/>
             <p:nvPr/>
           </p:nvSpPr>
@@ -14139,8 +14183,8 @@
             <a:grpFill/>
             <a:ln w="3175" cmpd="sng">
               <a:solidFill>
-                <a:schemeClr val="bg1">
-                  <a:lumMod val="50000"/>
+                <a:schemeClr val="accent6">
+                  <a:lumMod val="75000"/>
                 </a:schemeClr>
               </a:solidFill>
             </a:ln>
@@ -14176,24 +14220,26 @@
       </p:grpSp>
       <p:grpSp>
         <p:nvGrpSpPr>
-          <p:cNvPr id="202" name="Group 201"/>
+          <p:cNvPr id="2142" name="Group 2141"/>
           <p:cNvGrpSpPr/>
           <p:nvPr/>
         </p:nvGrpSpPr>
         <p:grpSpPr>
           <a:xfrm rot="4021510">
-            <a:off x="2945418" y="1377286"/>
+            <a:off x="3037542" y="1190526"/>
             <a:ext cx="68478" cy="89586"/>
             <a:chOff x="2054014" y="3681015"/>
             <a:chExt cx="238122" cy="311519"/>
           </a:xfrm>
           <a:solidFill>
-            <a:srgbClr val="7F7F7F"/>
+            <a:schemeClr val="accent6">
+              <a:lumMod val="75000"/>
+            </a:schemeClr>
           </a:solidFill>
         </p:grpSpPr>
         <p:sp>
           <p:nvSpPr>
-            <p:cNvPr id="203" name="Rectangle 202"/>
+            <p:cNvPr id="2297" name="Rectangle 2296"/>
             <p:cNvSpPr/>
             <p:nvPr/>
           </p:nvSpPr>
@@ -14208,8 +14254,8 @@
             <a:grpFill/>
             <a:ln w="3175" cmpd="sng">
               <a:solidFill>
-                <a:schemeClr val="bg1">
-                  <a:lumMod val="50000"/>
+                <a:schemeClr val="accent6">
+                  <a:lumMod val="75000"/>
                 </a:schemeClr>
               </a:solidFill>
             </a:ln>
@@ -14244,7 +14290,7 @@
         </p:sp>
         <p:sp>
           <p:nvSpPr>
-            <p:cNvPr id="204" name="Oval 203"/>
+            <p:cNvPr id="2298" name="Oval 2297"/>
             <p:cNvSpPr/>
             <p:nvPr/>
           </p:nvSpPr>
@@ -14259,8 +14305,8 @@
             <a:grpFill/>
             <a:ln w="3175" cmpd="sng">
               <a:solidFill>
-                <a:schemeClr val="bg1">
-                  <a:lumMod val="50000"/>
+                <a:schemeClr val="accent6">
+                  <a:lumMod val="75000"/>
                 </a:schemeClr>
               </a:solidFill>
             </a:ln>
@@ -14295,7 +14341,7 @@
         </p:sp>
         <p:sp>
           <p:nvSpPr>
-            <p:cNvPr id="205" name="Oval 204"/>
+            <p:cNvPr id="2299" name="Oval 2298"/>
             <p:cNvSpPr/>
             <p:nvPr/>
           </p:nvSpPr>
@@ -14310,8 +14356,8 @@
             <a:grpFill/>
             <a:ln w="3175" cmpd="sng">
               <a:solidFill>
-                <a:schemeClr val="bg1">
-                  <a:lumMod val="50000"/>
+                <a:schemeClr val="accent6">
+                  <a:lumMod val="75000"/>
                 </a:schemeClr>
               </a:solidFill>
             </a:ln>
@@ -14346,7 +14392,7 @@
         </p:sp>
         <p:sp>
           <p:nvSpPr>
-            <p:cNvPr id="206" name="Oval 205"/>
+            <p:cNvPr id="2300" name="Oval 2299"/>
             <p:cNvSpPr/>
             <p:nvPr/>
           </p:nvSpPr>
@@ -14361,8 +14407,8 @@
             <a:grpFill/>
             <a:ln w="3175" cmpd="sng">
               <a:solidFill>
-                <a:schemeClr val="bg1">
-                  <a:lumMod val="50000"/>
+                <a:schemeClr val="accent6">
+                  <a:lumMod val="75000"/>
                 </a:schemeClr>
               </a:solidFill>
             </a:ln>
@@ -14398,24 +14444,26 @@
       </p:grpSp>
       <p:grpSp>
         <p:nvGrpSpPr>
-          <p:cNvPr id="207" name="Group 206"/>
+          <p:cNvPr id="2143" name="Group 2142"/>
           <p:cNvGrpSpPr/>
           <p:nvPr/>
         </p:nvGrpSpPr>
         <p:grpSpPr>
           <a:xfrm rot="18345778">
-            <a:off x="2678804" y="1369557"/>
+            <a:off x="2770928" y="1182797"/>
             <a:ext cx="68478" cy="89586"/>
             <a:chOff x="2054014" y="3681015"/>
             <a:chExt cx="238122" cy="311519"/>
           </a:xfrm>
           <a:solidFill>
-            <a:srgbClr val="7F7F7F"/>
+            <a:schemeClr val="accent6">
+              <a:lumMod val="75000"/>
+            </a:schemeClr>
           </a:solidFill>
         </p:grpSpPr>
         <p:sp>
           <p:nvSpPr>
-            <p:cNvPr id="208" name="Rectangle 207"/>
+            <p:cNvPr id="2293" name="Rectangle 2292"/>
             <p:cNvSpPr/>
             <p:nvPr/>
           </p:nvSpPr>
@@ -14430,8 +14478,8 @@
             <a:grpFill/>
             <a:ln w="3175" cmpd="sng">
               <a:solidFill>
-                <a:schemeClr val="bg1">
-                  <a:lumMod val="50000"/>
+                <a:schemeClr val="accent6">
+                  <a:lumMod val="75000"/>
                 </a:schemeClr>
               </a:solidFill>
             </a:ln>
@@ -14466,7 +14514,7 @@
         </p:sp>
         <p:sp>
           <p:nvSpPr>
-            <p:cNvPr id="209" name="Oval 208"/>
+            <p:cNvPr id="2294" name="Oval 2293"/>
             <p:cNvSpPr/>
             <p:nvPr/>
           </p:nvSpPr>
@@ -14481,8 +14529,8 @@
             <a:grpFill/>
             <a:ln w="3175" cmpd="sng">
               <a:solidFill>
-                <a:schemeClr val="bg1">
-                  <a:lumMod val="50000"/>
+                <a:schemeClr val="accent6">
+                  <a:lumMod val="75000"/>
                 </a:schemeClr>
               </a:solidFill>
             </a:ln>
@@ -14517,7 +14565,7 @@
         </p:sp>
         <p:sp>
           <p:nvSpPr>
-            <p:cNvPr id="210" name="Oval 209"/>
+            <p:cNvPr id="2295" name="Oval 2294"/>
             <p:cNvSpPr/>
             <p:nvPr/>
           </p:nvSpPr>
@@ -14532,8 +14580,8 @@
             <a:grpFill/>
             <a:ln w="3175" cmpd="sng">
               <a:solidFill>
-                <a:schemeClr val="bg1">
-                  <a:lumMod val="50000"/>
+                <a:schemeClr val="accent6">
+                  <a:lumMod val="75000"/>
                 </a:schemeClr>
               </a:solidFill>
             </a:ln>
@@ -14568,7 +14616,7 @@
         </p:sp>
         <p:sp>
           <p:nvSpPr>
-            <p:cNvPr id="211" name="Oval 210"/>
+            <p:cNvPr id="2296" name="Oval 2295"/>
             <p:cNvSpPr/>
             <p:nvPr/>
           </p:nvSpPr>
@@ -14583,8 +14631,8 @@
             <a:grpFill/>
             <a:ln w="3175" cmpd="sng">
               <a:solidFill>
-                <a:schemeClr val="bg1">
-                  <a:lumMod val="50000"/>
+                <a:schemeClr val="accent6">
+                  <a:lumMod val="75000"/>
                 </a:schemeClr>
               </a:solidFill>
             </a:ln>
@@ -14620,24 +14668,26 @@
       </p:grpSp>
       <p:grpSp>
         <p:nvGrpSpPr>
-          <p:cNvPr id="212" name="Group 211"/>
+          <p:cNvPr id="2144" name="Group 2143"/>
           <p:cNvGrpSpPr/>
           <p:nvPr/>
         </p:nvGrpSpPr>
         <p:grpSpPr>
           <a:xfrm rot="14433585">
-            <a:off x="2676664" y="1534081"/>
+            <a:off x="2768788" y="1347321"/>
             <a:ext cx="68478" cy="89586"/>
             <a:chOff x="2054014" y="3681015"/>
             <a:chExt cx="238122" cy="311519"/>
           </a:xfrm>
           <a:solidFill>
-            <a:srgbClr val="7F7F7F"/>
+            <a:schemeClr val="accent6">
+              <a:lumMod val="75000"/>
+            </a:schemeClr>
           </a:solidFill>
         </p:grpSpPr>
         <p:sp>
           <p:nvSpPr>
-            <p:cNvPr id="213" name="Rectangle 212"/>
+            <p:cNvPr id="2289" name="Rectangle 2288"/>
             <p:cNvSpPr/>
             <p:nvPr/>
           </p:nvSpPr>
@@ -14652,8 +14702,8 @@
             <a:grpFill/>
             <a:ln w="3175" cmpd="sng">
               <a:solidFill>
-                <a:schemeClr val="bg1">
-                  <a:lumMod val="50000"/>
+                <a:schemeClr val="accent6">
+                  <a:lumMod val="75000"/>
                 </a:schemeClr>
               </a:solidFill>
             </a:ln>
@@ -14688,7 +14738,7 @@
         </p:sp>
         <p:sp>
           <p:nvSpPr>
-            <p:cNvPr id="214" name="Oval 213"/>
+            <p:cNvPr id="2290" name="Oval 2289"/>
             <p:cNvSpPr/>
             <p:nvPr/>
           </p:nvSpPr>
@@ -14703,8 +14753,8 @@
             <a:grpFill/>
             <a:ln w="3175" cmpd="sng">
               <a:solidFill>
-                <a:schemeClr val="bg1">
-                  <a:lumMod val="50000"/>
+                <a:schemeClr val="accent6">
+                  <a:lumMod val="75000"/>
                 </a:schemeClr>
               </a:solidFill>
             </a:ln>
@@ -14739,7 +14789,7 @@
         </p:sp>
         <p:sp>
           <p:nvSpPr>
-            <p:cNvPr id="215" name="Oval 214"/>
+            <p:cNvPr id="2291" name="Oval 2290"/>
             <p:cNvSpPr/>
             <p:nvPr/>
           </p:nvSpPr>
@@ -14754,8 +14804,8 @@
             <a:grpFill/>
             <a:ln w="3175" cmpd="sng">
               <a:solidFill>
-                <a:schemeClr val="bg1">
-                  <a:lumMod val="50000"/>
+                <a:schemeClr val="accent6">
+                  <a:lumMod val="75000"/>
                 </a:schemeClr>
               </a:solidFill>
             </a:ln>
@@ -14790,7 +14840,7 @@
         </p:sp>
         <p:sp>
           <p:nvSpPr>
-            <p:cNvPr id="216" name="Oval 215"/>
+            <p:cNvPr id="2292" name="Oval 2291"/>
             <p:cNvSpPr/>
             <p:nvPr/>
           </p:nvSpPr>
@@ -14805,8 +14855,8 @@
             <a:grpFill/>
             <a:ln w="3175" cmpd="sng">
               <a:solidFill>
-                <a:schemeClr val="bg1">
-                  <a:lumMod val="50000"/>
+                <a:schemeClr val="accent6">
+                  <a:lumMod val="75000"/>
                 </a:schemeClr>
               </a:solidFill>
             </a:ln>
@@ -14842,13 +14892,13 @@
       </p:grpSp>
       <p:sp>
         <p:nvSpPr>
-          <p:cNvPr id="217" name="Oval 216"/>
+          <p:cNvPr id="2145" name="Oval 2144"/>
           <p:cNvSpPr/>
           <p:nvPr/>
         </p:nvSpPr>
         <p:spPr>
           <a:xfrm>
-            <a:off x="2272655" y="904332"/>
+            <a:off x="2364779" y="717572"/>
             <a:ext cx="239673" cy="239662"/>
           </a:xfrm>
           <a:prstGeom prst="ellipse">
@@ -14856,7 +14906,10 @@
           </a:prstGeom>
           <a:ln w="38100" cmpd="sng">
             <a:solidFill>
-              <a:schemeClr val="accent1"/>
+              <a:schemeClr val="tx1">
+                <a:lumMod val="50000"/>
+                <a:lumOff val="50000"/>
+              </a:schemeClr>
             </a:solidFill>
           </a:ln>
         </p:spPr>
@@ -14888,13 +14941,13 @@
       </p:sp>
       <p:sp>
         <p:nvSpPr>
-          <p:cNvPr id="218" name="Freeform 217"/>
+          <p:cNvPr id="2146" name="Freeform 2145"/>
           <p:cNvSpPr/>
           <p:nvPr/>
         </p:nvSpPr>
         <p:spPr>
           <a:xfrm>
-            <a:off x="2322391" y="981808"/>
+            <a:off x="2414515" y="795048"/>
             <a:ext cx="99829" cy="110792"/>
           </a:xfrm>
           <a:custGeom>
@@ -15132,13 +15185,13 @@
       </p:sp>
       <p:sp>
         <p:nvSpPr>
-          <p:cNvPr id="219" name="Freeform 218"/>
+          <p:cNvPr id="2147" name="Freeform 2146"/>
           <p:cNvSpPr/>
           <p:nvPr/>
         </p:nvSpPr>
         <p:spPr>
           <a:xfrm>
-            <a:off x="2364999" y="961117"/>
+            <a:off x="2457123" y="774357"/>
             <a:ext cx="99829" cy="110792"/>
           </a:xfrm>
           <a:custGeom>
@@ -15376,13 +15429,13 @@
       </p:sp>
       <p:grpSp>
         <p:nvGrpSpPr>
-          <p:cNvPr id="220" name="Group 219"/>
+          <p:cNvPr id="2148" name="Group 2147"/>
           <p:cNvGrpSpPr/>
           <p:nvPr/>
         </p:nvGrpSpPr>
         <p:grpSpPr>
           <a:xfrm>
-            <a:off x="2358251" y="824486"/>
+            <a:off x="2450375" y="637726"/>
             <a:ext cx="68478" cy="89586"/>
             <a:chOff x="2033930" y="2331608"/>
             <a:chExt cx="238122" cy="311519"/>
@@ -15393,7 +15446,7 @@
         </p:grpSpPr>
         <p:sp>
           <p:nvSpPr>
-            <p:cNvPr id="221" name="Rectangle 220"/>
+            <p:cNvPr id="2285" name="Rectangle 2284"/>
             <p:cNvSpPr/>
             <p:nvPr/>
           </p:nvSpPr>
@@ -15442,7 +15495,7 @@
         </p:sp>
         <p:sp>
           <p:nvSpPr>
-            <p:cNvPr id="222" name="Oval 221"/>
+            <p:cNvPr id="2286" name="Oval 2285"/>
             <p:cNvSpPr/>
             <p:nvPr/>
           </p:nvSpPr>
@@ -15491,7 +15544,7 @@
         </p:sp>
         <p:sp>
           <p:nvSpPr>
-            <p:cNvPr id="223" name="Oval 222"/>
+            <p:cNvPr id="2287" name="Oval 2286"/>
             <p:cNvSpPr/>
             <p:nvPr/>
           </p:nvSpPr>
@@ -15540,7 +15593,7 @@
         </p:sp>
         <p:sp>
           <p:nvSpPr>
-            <p:cNvPr id="224" name="Oval 223"/>
+            <p:cNvPr id="2288" name="Oval 2287"/>
             <p:cNvSpPr/>
             <p:nvPr/>
           </p:nvSpPr>
@@ -15590,13 +15643,13 @@
       </p:grpSp>
       <p:grpSp>
         <p:nvGrpSpPr>
-          <p:cNvPr id="225" name="Group 224"/>
+          <p:cNvPr id="2149" name="Group 2148"/>
           <p:cNvGrpSpPr/>
           <p:nvPr/>
         </p:nvGrpSpPr>
         <p:grpSpPr>
           <a:xfrm rot="10800000">
-            <a:off x="2361532" y="1136344"/>
+            <a:off x="2453656" y="949584"/>
             <a:ext cx="68478" cy="89586"/>
             <a:chOff x="2054014" y="3681015"/>
             <a:chExt cx="238122" cy="311519"/>
@@ -15607,7 +15660,7 @@
         </p:grpSpPr>
         <p:sp>
           <p:nvSpPr>
-            <p:cNvPr id="226" name="Rectangle 225"/>
+            <p:cNvPr id="2281" name="Rectangle 2280"/>
             <p:cNvSpPr/>
             <p:nvPr/>
           </p:nvSpPr>
@@ -15656,7 +15709,7 @@
         </p:sp>
         <p:sp>
           <p:nvSpPr>
-            <p:cNvPr id="227" name="Oval 226"/>
+            <p:cNvPr id="2282" name="Oval 2281"/>
             <p:cNvSpPr/>
             <p:nvPr/>
           </p:nvSpPr>
@@ -15705,7 +15758,7 @@
         </p:sp>
         <p:sp>
           <p:nvSpPr>
-            <p:cNvPr id="228" name="Oval 227"/>
+            <p:cNvPr id="2283" name="Oval 2282"/>
             <p:cNvSpPr/>
             <p:nvPr/>
           </p:nvSpPr>
@@ -15754,7 +15807,7 @@
         </p:sp>
         <p:sp>
           <p:nvSpPr>
-            <p:cNvPr id="229" name="Oval 228"/>
+            <p:cNvPr id="2284" name="Oval 2283"/>
             <p:cNvSpPr/>
             <p:nvPr/>
           </p:nvSpPr>
@@ -15804,13 +15857,13 @@
       </p:grpSp>
       <p:grpSp>
         <p:nvGrpSpPr>
-          <p:cNvPr id="230" name="Group 229"/>
+          <p:cNvPr id="2150" name="Group 2149"/>
           <p:cNvGrpSpPr/>
           <p:nvPr/>
         </p:nvGrpSpPr>
         <p:grpSpPr>
           <a:xfrm rot="7707985">
-            <a:off x="2487203" y="1071474"/>
+            <a:off x="2579327" y="884714"/>
             <a:ext cx="68478" cy="89586"/>
             <a:chOff x="2054014" y="3681015"/>
             <a:chExt cx="238122" cy="311519"/>
@@ -15821,7 +15874,7 @@
         </p:grpSpPr>
         <p:sp>
           <p:nvSpPr>
-            <p:cNvPr id="231" name="Rectangle 230"/>
+            <p:cNvPr id="2277" name="Rectangle 2276"/>
             <p:cNvSpPr/>
             <p:nvPr/>
           </p:nvSpPr>
@@ -15870,7 +15923,7 @@
         </p:sp>
         <p:sp>
           <p:nvSpPr>
-            <p:cNvPr id="232" name="Oval 231"/>
+            <p:cNvPr id="2278" name="Oval 2277"/>
             <p:cNvSpPr/>
             <p:nvPr/>
           </p:nvSpPr>
@@ -15919,7 +15972,7 @@
         </p:sp>
         <p:sp>
           <p:nvSpPr>
-            <p:cNvPr id="233" name="Oval 232"/>
+            <p:cNvPr id="2279" name="Oval 2278"/>
             <p:cNvSpPr/>
             <p:nvPr/>
           </p:nvSpPr>
@@ -15968,7 +16021,7 @@
         </p:sp>
         <p:sp>
           <p:nvSpPr>
-            <p:cNvPr id="234" name="Oval 233"/>
+            <p:cNvPr id="2280" name="Oval 2279"/>
             <p:cNvSpPr/>
             <p:nvPr/>
           </p:nvSpPr>
@@ -16018,13 +16071,13 @@
       </p:grpSp>
       <p:grpSp>
         <p:nvGrpSpPr>
-          <p:cNvPr id="235" name="Group 234"/>
+          <p:cNvPr id="2151" name="Group 2150"/>
           <p:cNvGrpSpPr/>
           <p:nvPr/>
         </p:nvGrpSpPr>
         <p:grpSpPr>
           <a:xfrm rot="4021510">
-            <a:off x="2492993" y="903300"/>
+            <a:off x="2585117" y="716540"/>
             <a:ext cx="68478" cy="89586"/>
             <a:chOff x="2054014" y="3681015"/>
             <a:chExt cx="238122" cy="311519"/>
@@ -16035,7 +16088,7 @@
         </p:grpSpPr>
         <p:sp>
           <p:nvSpPr>
-            <p:cNvPr id="236" name="Rectangle 235"/>
+            <p:cNvPr id="2273" name="Rectangle 2272"/>
             <p:cNvSpPr/>
             <p:nvPr/>
           </p:nvSpPr>
@@ -16084,7 +16137,7 @@
         </p:sp>
         <p:sp>
           <p:nvSpPr>
-            <p:cNvPr id="237" name="Oval 236"/>
+            <p:cNvPr id="2274" name="Oval 2273"/>
             <p:cNvSpPr/>
             <p:nvPr/>
           </p:nvSpPr>
@@ -16133,7 +16186,7 @@
         </p:sp>
         <p:sp>
           <p:nvSpPr>
-            <p:cNvPr id="238" name="Oval 237"/>
+            <p:cNvPr id="2275" name="Oval 2274"/>
             <p:cNvSpPr/>
             <p:nvPr/>
           </p:nvSpPr>
@@ -16182,7 +16235,7 @@
         </p:sp>
         <p:sp>
           <p:nvSpPr>
-            <p:cNvPr id="239" name="Oval 238"/>
+            <p:cNvPr id="2276" name="Oval 2275"/>
             <p:cNvSpPr/>
             <p:nvPr/>
           </p:nvSpPr>
@@ -16232,13 +16285,13 @@
       </p:grpSp>
       <p:grpSp>
         <p:nvGrpSpPr>
-          <p:cNvPr id="240" name="Group 239"/>
+          <p:cNvPr id="2152" name="Group 2151"/>
           <p:cNvGrpSpPr/>
           <p:nvPr/>
         </p:nvGrpSpPr>
         <p:grpSpPr>
           <a:xfrm rot="18345778">
-            <a:off x="2226377" y="895569"/>
+            <a:off x="2318501" y="708809"/>
             <a:ext cx="68478" cy="89586"/>
             <a:chOff x="2054014" y="3681015"/>
             <a:chExt cx="238122" cy="311519"/>
@@ -16249,7 +16302,7 @@
         </p:grpSpPr>
         <p:sp>
           <p:nvSpPr>
-            <p:cNvPr id="241" name="Rectangle 240"/>
+            <p:cNvPr id="2269" name="Rectangle 2268"/>
             <p:cNvSpPr/>
             <p:nvPr/>
           </p:nvSpPr>
@@ -16298,7 +16351,7 @@
         </p:sp>
         <p:sp>
           <p:nvSpPr>
-            <p:cNvPr id="242" name="Oval 241"/>
+            <p:cNvPr id="2270" name="Oval 2269"/>
             <p:cNvSpPr/>
             <p:nvPr/>
           </p:nvSpPr>
@@ -16347,7 +16400,7 @@
         </p:sp>
         <p:sp>
           <p:nvSpPr>
-            <p:cNvPr id="243" name="Oval 242"/>
+            <p:cNvPr id="2271" name="Oval 2270"/>
             <p:cNvSpPr/>
             <p:nvPr/>
           </p:nvSpPr>
@@ -16396,7 +16449,7 @@
         </p:sp>
         <p:sp>
           <p:nvSpPr>
-            <p:cNvPr id="244" name="Oval 243"/>
+            <p:cNvPr id="2272" name="Oval 2271"/>
             <p:cNvSpPr/>
             <p:nvPr/>
           </p:nvSpPr>
@@ -16446,13 +16499,13 @@
       </p:grpSp>
       <p:grpSp>
         <p:nvGrpSpPr>
-          <p:cNvPr id="245" name="Group 244"/>
+          <p:cNvPr id="2153" name="Group 2152"/>
           <p:cNvGrpSpPr/>
           <p:nvPr/>
         </p:nvGrpSpPr>
         <p:grpSpPr>
           <a:xfrm rot="14433585">
-            <a:off x="2224239" y="1060094"/>
+            <a:off x="2316363" y="873334"/>
             <a:ext cx="68478" cy="89586"/>
             <a:chOff x="2054014" y="3681015"/>
             <a:chExt cx="238122" cy="311519"/>
@@ -16463,7 +16516,7 @@
         </p:grpSpPr>
         <p:sp>
           <p:nvSpPr>
-            <p:cNvPr id="246" name="Rectangle 245"/>
+            <p:cNvPr id="2265" name="Rectangle 2264"/>
             <p:cNvSpPr/>
             <p:nvPr/>
           </p:nvSpPr>
@@ -16512,7 +16565,7 @@
         </p:sp>
         <p:sp>
           <p:nvSpPr>
-            <p:cNvPr id="247" name="Oval 246"/>
+            <p:cNvPr id="2266" name="Oval 2265"/>
             <p:cNvSpPr/>
             <p:nvPr/>
           </p:nvSpPr>
@@ -16561,7 +16614,7 @@
         </p:sp>
         <p:sp>
           <p:nvSpPr>
-            <p:cNvPr id="248" name="Oval 247"/>
+            <p:cNvPr id="2267" name="Oval 2266"/>
             <p:cNvSpPr/>
             <p:nvPr/>
           </p:nvSpPr>
@@ -16610,7 +16663,7 @@
         </p:sp>
         <p:sp>
           <p:nvSpPr>
-            <p:cNvPr id="249" name="Oval 248"/>
+            <p:cNvPr id="2268" name="Oval 2267"/>
             <p:cNvSpPr/>
             <p:nvPr/>
           </p:nvSpPr>
@@ -16660,13 +16713,13 @@
       </p:grpSp>
       <p:sp>
         <p:nvSpPr>
-          <p:cNvPr id="250" name="Oval 249"/>
+          <p:cNvPr id="2154" name="Oval 2153"/>
           <p:cNvSpPr/>
           <p:nvPr/>
         </p:nvSpPr>
         <p:spPr>
           <a:xfrm>
-            <a:off x="2729103" y="909091"/>
+            <a:off x="2821227" y="722331"/>
             <a:ext cx="239673" cy="239662"/>
           </a:xfrm>
           <a:prstGeom prst="ellipse">
@@ -16674,7 +16727,10 @@
           </a:prstGeom>
           <a:ln w="38100" cmpd="sng">
             <a:solidFill>
-              <a:srgbClr val="660066"/>
+              <a:schemeClr val="tx1">
+                <a:lumMod val="50000"/>
+                <a:lumOff val="50000"/>
+              </a:schemeClr>
             </a:solidFill>
           </a:ln>
         </p:spPr>
@@ -16706,13 +16762,13 @@
       </p:sp>
       <p:sp>
         <p:nvSpPr>
-          <p:cNvPr id="251" name="Freeform 250"/>
+          <p:cNvPr id="2155" name="Freeform 2154"/>
           <p:cNvSpPr/>
           <p:nvPr/>
         </p:nvSpPr>
         <p:spPr>
           <a:xfrm>
-            <a:off x="2778840" y="986566"/>
+            <a:off x="2870964" y="799806"/>
             <a:ext cx="99829" cy="110792"/>
           </a:xfrm>
           <a:custGeom>
@@ -16950,13 +17006,13 @@
       </p:sp>
       <p:sp>
         <p:nvSpPr>
-          <p:cNvPr id="252" name="Freeform 251"/>
+          <p:cNvPr id="2156" name="Freeform 2155"/>
           <p:cNvSpPr/>
           <p:nvPr/>
         </p:nvSpPr>
         <p:spPr>
           <a:xfrm>
-            <a:off x="2821449" y="965874"/>
+            <a:off x="2913573" y="779114"/>
             <a:ext cx="99829" cy="110792"/>
           </a:xfrm>
           <a:custGeom>
@@ -17194,13 +17250,13 @@
       </p:sp>
       <p:grpSp>
         <p:nvGrpSpPr>
-          <p:cNvPr id="253" name="Group 252"/>
+          <p:cNvPr id="2157" name="Group 2156"/>
           <p:cNvGrpSpPr/>
           <p:nvPr/>
         </p:nvGrpSpPr>
         <p:grpSpPr>
           <a:xfrm>
-            <a:off x="2814701" y="829244"/>
+            <a:off x="2906825" y="642484"/>
             <a:ext cx="68478" cy="89586"/>
             <a:chOff x="2033930" y="2331608"/>
             <a:chExt cx="238122" cy="311519"/>
@@ -17211,7 +17267,7 @@
         </p:grpSpPr>
         <p:sp>
           <p:nvSpPr>
-            <p:cNvPr id="254" name="Rectangle 253"/>
+            <p:cNvPr id="2261" name="Rectangle 2260"/>
             <p:cNvSpPr/>
             <p:nvPr/>
           </p:nvSpPr>
@@ -17260,7 +17316,7 @@
         </p:sp>
         <p:sp>
           <p:nvSpPr>
-            <p:cNvPr id="255" name="Oval 254"/>
+            <p:cNvPr id="2262" name="Oval 2261"/>
             <p:cNvSpPr/>
             <p:nvPr/>
           </p:nvSpPr>
@@ -17309,7 +17365,7 @@
         </p:sp>
         <p:sp>
           <p:nvSpPr>
-            <p:cNvPr id="256" name="Oval 255"/>
+            <p:cNvPr id="2263" name="Oval 2262"/>
             <p:cNvSpPr/>
             <p:nvPr/>
           </p:nvSpPr>
@@ -17358,7 +17414,7 @@
         </p:sp>
         <p:sp>
           <p:nvSpPr>
-            <p:cNvPr id="257" name="Oval 256"/>
+            <p:cNvPr id="2264" name="Oval 2263"/>
             <p:cNvSpPr/>
             <p:nvPr/>
           </p:nvSpPr>
@@ -17408,13 +17464,13 @@
       </p:grpSp>
       <p:grpSp>
         <p:nvGrpSpPr>
-          <p:cNvPr id="258" name="Group 257"/>
+          <p:cNvPr id="2158" name="Group 2157"/>
           <p:cNvGrpSpPr/>
           <p:nvPr/>
         </p:nvGrpSpPr>
         <p:grpSpPr>
           <a:xfrm rot="10800000">
-            <a:off x="2817981" y="1141102"/>
+            <a:off x="2910105" y="954342"/>
             <a:ext cx="68478" cy="89586"/>
             <a:chOff x="2054014" y="3681015"/>
             <a:chExt cx="238122" cy="311519"/>
@@ -17425,7 +17481,7 @@
         </p:grpSpPr>
         <p:sp>
           <p:nvSpPr>
-            <p:cNvPr id="259" name="Rectangle 258"/>
+            <p:cNvPr id="2257" name="Rectangle 2256"/>
             <p:cNvSpPr/>
             <p:nvPr/>
           </p:nvSpPr>
@@ -17474,7 +17530,7 @@
         </p:sp>
         <p:sp>
           <p:nvSpPr>
-            <p:cNvPr id="260" name="Oval 259"/>
+            <p:cNvPr id="2258" name="Oval 2257"/>
             <p:cNvSpPr/>
             <p:nvPr/>
           </p:nvSpPr>
@@ -17523,7 +17579,7 @@
         </p:sp>
         <p:sp>
           <p:nvSpPr>
-            <p:cNvPr id="261" name="Oval 260"/>
+            <p:cNvPr id="2259" name="Oval 2258"/>
             <p:cNvSpPr/>
             <p:nvPr/>
           </p:nvSpPr>
@@ -17572,7 +17628,7 @@
         </p:sp>
         <p:sp>
           <p:nvSpPr>
-            <p:cNvPr id="262" name="Oval 261"/>
+            <p:cNvPr id="2260" name="Oval 2259"/>
             <p:cNvSpPr/>
             <p:nvPr/>
           </p:nvSpPr>
@@ -17622,13 +17678,13 @@
       </p:grpSp>
       <p:grpSp>
         <p:nvGrpSpPr>
-          <p:cNvPr id="263" name="Group 262"/>
+          <p:cNvPr id="2159" name="Group 2158"/>
           <p:cNvGrpSpPr/>
           <p:nvPr/>
         </p:nvGrpSpPr>
         <p:grpSpPr>
           <a:xfrm rot="7707985">
-            <a:off x="2943652" y="1076232"/>
+            <a:off x="3035776" y="889472"/>
             <a:ext cx="68478" cy="89586"/>
             <a:chOff x="2054014" y="3681015"/>
             <a:chExt cx="238122" cy="311519"/>
@@ -17639,7 +17695,7 @@
         </p:grpSpPr>
         <p:sp>
           <p:nvSpPr>
-            <p:cNvPr id="264" name="Rectangle 263"/>
+            <p:cNvPr id="2253" name="Rectangle 2252"/>
             <p:cNvSpPr/>
             <p:nvPr/>
           </p:nvSpPr>
@@ -17688,7 +17744,7 @@
         </p:sp>
         <p:sp>
           <p:nvSpPr>
-            <p:cNvPr id="265" name="Oval 264"/>
+            <p:cNvPr id="2254" name="Oval 2253"/>
             <p:cNvSpPr/>
             <p:nvPr/>
           </p:nvSpPr>
@@ -17737,7 +17793,7 @@
         </p:sp>
         <p:sp>
           <p:nvSpPr>
-            <p:cNvPr id="266" name="Oval 265"/>
+            <p:cNvPr id="2255" name="Oval 2254"/>
             <p:cNvSpPr/>
             <p:nvPr/>
           </p:nvSpPr>
@@ -17786,7 +17842,7 @@
         </p:sp>
         <p:sp>
           <p:nvSpPr>
-            <p:cNvPr id="267" name="Oval 266"/>
+            <p:cNvPr id="2256" name="Oval 2255"/>
             <p:cNvSpPr/>
             <p:nvPr/>
           </p:nvSpPr>
@@ -17836,13 +17892,13 @@
       </p:grpSp>
       <p:grpSp>
         <p:nvGrpSpPr>
-          <p:cNvPr id="268" name="Group 267"/>
+          <p:cNvPr id="2160" name="Group 2159"/>
           <p:cNvGrpSpPr/>
           <p:nvPr/>
         </p:nvGrpSpPr>
         <p:grpSpPr>
           <a:xfrm rot="4021510">
-            <a:off x="2949444" y="908056"/>
+            <a:off x="3041568" y="721296"/>
             <a:ext cx="68478" cy="89586"/>
             <a:chOff x="2054014" y="3681015"/>
             <a:chExt cx="238122" cy="311519"/>
@@ -17853,7 +17909,7 @@
         </p:grpSpPr>
         <p:sp>
           <p:nvSpPr>
-            <p:cNvPr id="269" name="Rectangle 268"/>
+            <p:cNvPr id="2249" name="Rectangle 2248"/>
             <p:cNvSpPr/>
             <p:nvPr/>
           </p:nvSpPr>
@@ -17902,7 +17958,7 @@
         </p:sp>
         <p:sp>
           <p:nvSpPr>
-            <p:cNvPr id="270" name="Oval 269"/>
+            <p:cNvPr id="2250" name="Oval 2249"/>
             <p:cNvSpPr/>
             <p:nvPr/>
           </p:nvSpPr>
@@ -17951,7 +18007,7 @@
         </p:sp>
         <p:sp>
           <p:nvSpPr>
-            <p:cNvPr id="271" name="Oval 270"/>
+            <p:cNvPr id="2251" name="Oval 2250"/>
             <p:cNvSpPr/>
             <p:nvPr/>
           </p:nvSpPr>
@@ -18000,7 +18056,7 @@
         </p:sp>
         <p:sp>
           <p:nvSpPr>
-            <p:cNvPr id="272" name="Oval 271"/>
+            <p:cNvPr id="2252" name="Oval 2251"/>
             <p:cNvSpPr/>
             <p:nvPr/>
           </p:nvSpPr>
@@ -18050,13 +18106,13 @@
       </p:grpSp>
       <p:grpSp>
         <p:nvGrpSpPr>
-          <p:cNvPr id="273" name="Group 272"/>
+          <p:cNvPr id="2161" name="Group 2160"/>
           <p:cNvGrpSpPr/>
           <p:nvPr/>
         </p:nvGrpSpPr>
         <p:grpSpPr>
           <a:xfrm rot="18345778">
-            <a:off x="2682827" y="900326"/>
+            <a:off x="2774951" y="713566"/>
             <a:ext cx="68478" cy="89586"/>
             <a:chOff x="2054014" y="3681015"/>
             <a:chExt cx="238122" cy="311519"/>
@@ -18067,7 +18123,7 @@
         </p:grpSpPr>
         <p:sp>
           <p:nvSpPr>
-            <p:cNvPr id="274" name="Rectangle 273"/>
+            <p:cNvPr id="2245" name="Rectangle 2244"/>
             <p:cNvSpPr/>
             <p:nvPr/>
           </p:nvSpPr>
@@ -18116,7 +18172,7 @@
         </p:sp>
         <p:sp>
           <p:nvSpPr>
-            <p:cNvPr id="275" name="Oval 274"/>
+            <p:cNvPr id="2246" name="Oval 2245"/>
             <p:cNvSpPr/>
             <p:nvPr/>
           </p:nvSpPr>
@@ -18165,7 +18221,7 @@
         </p:sp>
         <p:sp>
           <p:nvSpPr>
-            <p:cNvPr id="276" name="Oval 275"/>
+            <p:cNvPr id="2247" name="Oval 2246"/>
             <p:cNvSpPr/>
             <p:nvPr/>
           </p:nvSpPr>
@@ -18214,7 +18270,7 @@
         </p:sp>
         <p:sp>
           <p:nvSpPr>
-            <p:cNvPr id="277" name="Oval 276"/>
+            <p:cNvPr id="2248" name="Oval 2247"/>
             <p:cNvSpPr/>
             <p:nvPr/>
           </p:nvSpPr>
@@ -18264,13 +18320,13 @@
       </p:grpSp>
       <p:grpSp>
         <p:nvGrpSpPr>
-          <p:cNvPr id="278" name="Group 277"/>
+          <p:cNvPr id="2162" name="Group 2161"/>
           <p:cNvGrpSpPr/>
           <p:nvPr/>
         </p:nvGrpSpPr>
         <p:grpSpPr>
           <a:xfrm rot="14433585">
-            <a:off x="2680689" y="1064852"/>
+            <a:off x="2772813" y="878092"/>
             <a:ext cx="68478" cy="89586"/>
             <a:chOff x="2054014" y="3681015"/>
             <a:chExt cx="238122" cy="311519"/>
@@ -18281,7 +18337,7 @@
         </p:grpSpPr>
         <p:sp>
           <p:nvSpPr>
-            <p:cNvPr id="279" name="Rectangle 278"/>
+            <p:cNvPr id="2241" name="Rectangle 2240"/>
             <p:cNvSpPr/>
             <p:nvPr/>
           </p:nvSpPr>
@@ -18330,7 +18386,7 @@
         </p:sp>
         <p:sp>
           <p:nvSpPr>
-            <p:cNvPr id="280" name="Oval 279"/>
+            <p:cNvPr id="2242" name="Oval 2241"/>
             <p:cNvSpPr/>
             <p:nvPr/>
           </p:nvSpPr>
@@ -18379,7 +18435,7 @@
         </p:sp>
         <p:sp>
           <p:nvSpPr>
-            <p:cNvPr id="281" name="Oval 280"/>
+            <p:cNvPr id="2243" name="Oval 2242"/>
             <p:cNvSpPr/>
             <p:nvPr/>
           </p:nvSpPr>
@@ -18428,7 +18484,7 @@
         </p:sp>
         <p:sp>
           <p:nvSpPr>
-            <p:cNvPr id="282" name="Oval 281"/>
+            <p:cNvPr id="2244" name="Oval 2243"/>
             <p:cNvSpPr/>
             <p:nvPr/>
           </p:nvSpPr>
@@ -18478,13 +18534,13 @@
       </p:grpSp>
       <p:sp>
         <p:nvSpPr>
-          <p:cNvPr id="421" name="Down Arrow 420"/>
+          <p:cNvPr id="2163" name="Down Arrow 2162"/>
           <p:cNvSpPr/>
           <p:nvPr/>
         </p:nvSpPr>
         <p:spPr>
           <a:xfrm rot="19694889">
-            <a:off x="601396" y="1739289"/>
+            <a:off x="693520" y="1552529"/>
             <a:ext cx="240181" cy="246471"/>
           </a:xfrm>
           <a:prstGeom prst="downArrow">
@@ -18527,13 +18583,13 @@
       </p:sp>
       <p:sp>
         <p:nvSpPr>
-          <p:cNvPr id="422" name="Down Arrow 421"/>
+          <p:cNvPr id="2164" name="Down Arrow 2163"/>
           <p:cNvSpPr/>
           <p:nvPr/>
         </p:nvSpPr>
         <p:spPr>
           <a:xfrm rot="13230903">
-            <a:off x="1031787" y="1749820"/>
+            <a:off x="1123911" y="1563060"/>
             <a:ext cx="240181" cy="233952"/>
           </a:xfrm>
           <a:prstGeom prst="downArrow">
@@ -18576,13 +18632,13 @@
       </p:sp>
       <p:sp>
         <p:nvSpPr>
-          <p:cNvPr id="423" name="Down Arrow 422"/>
+          <p:cNvPr id="2165" name="Down Arrow 2164"/>
           <p:cNvSpPr/>
           <p:nvPr/>
         </p:nvSpPr>
         <p:spPr>
           <a:xfrm rot="19694889">
-            <a:off x="1710273" y="1741240"/>
+            <a:off x="1802397" y="1554480"/>
             <a:ext cx="240181" cy="246471"/>
           </a:xfrm>
           <a:prstGeom prst="downArrow">
@@ -18625,13 +18681,13 @@
       </p:sp>
       <p:sp>
         <p:nvSpPr>
-          <p:cNvPr id="424" name="Down Arrow 423"/>
+          <p:cNvPr id="2166" name="Down Arrow 2165"/>
           <p:cNvSpPr/>
           <p:nvPr/>
         </p:nvSpPr>
         <p:spPr>
           <a:xfrm rot="13230903">
-            <a:off x="2145113" y="1746591"/>
+            <a:off x="2237237" y="1559831"/>
             <a:ext cx="240181" cy="233952"/>
           </a:xfrm>
           <a:prstGeom prst="downArrow">
@@ -18674,13 +18730,13 @@
       </p:sp>
       <p:sp>
         <p:nvSpPr>
-          <p:cNvPr id="425" name="Down Arrow 424"/>
+          <p:cNvPr id="2167" name="Down Arrow 2166"/>
           <p:cNvSpPr/>
           <p:nvPr/>
         </p:nvSpPr>
         <p:spPr>
           <a:xfrm rot="19694889">
-            <a:off x="2877920" y="1741239"/>
+            <a:off x="2970044" y="1554479"/>
             <a:ext cx="240181" cy="246471"/>
           </a:xfrm>
           <a:prstGeom prst="downArrow">
@@ -18723,13 +18779,13 @@
       </p:sp>
       <p:grpSp>
         <p:nvGrpSpPr>
-          <p:cNvPr id="863" name="Group 862"/>
+          <p:cNvPr id="2168" name="Group 2167"/>
           <p:cNvGrpSpPr/>
           <p:nvPr/>
         </p:nvGrpSpPr>
         <p:grpSpPr>
           <a:xfrm>
-            <a:off x="585607" y="2027031"/>
+            <a:off x="677731" y="1840271"/>
             <a:ext cx="633895" cy="188870"/>
             <a:chOff x="874138" y="2442837"/>
             <a:chExt cx="1044377" cy="311173"/>
@@ -18737,7 +18793,7 @@
         </p:grpSpPr>
         <p:sp>
           <p:nvSpPr>
-            <p:cNvPr id="907" name="Parallelogram 906"/>
+            <p:cNvPr id="2221" name="Parallelogram 2220"/>
             <p:cNvSpPr/>
             <p:nvPr/>
           </p:nvSpPr>
@@ -18789,7 +18845,7 @@
         </p:sp>
         <p:sp>
           <p:nvSpPr>
-            <p:cNvPr id="908" name="Parallelogram 907"/>
+            <p:cNvPr id="2222" name="Parallelogram 2221"/>
             <p:cNvSpPr/>
             <p:nvPr/>
           </p:nvSpPr>
@@ -18841,7 +18897,7 @@
         </p:sp>
         <p:cxnSp>
           <p:nvCxnSpPr>
-            <p:cNvPr id="909" name="Straight Connector 908"/>
+            <p:cNvPr id="2223" name="Straight Connector 2222"/>
             <p:cNvCxnSpPr/>
             <p:nvPr/>
           </p:nvCxnSpPr>
@@ -18872,7 +18928,7 @@
         </p:cxnSp>
         <p:sp>
           <p:nvSpPr>
-            <p:cNvPr id="911" name="Rectangle 910"/>
+            <p:cNvPr id="2224" name="Rectangle 2223"/>
             <p:cNvSpPr/>
             <p:nvPr/>
           </p:nvSpPr>
@@ -18922,7 +18978,7 @@
         </p:sp>
         <p:sp>
           <p:nvSpPr>
-            <p:cNvPr id="912" name="Parallelogram 911"/>
+            <p:cNvPr id="2225" name="Parallelogram 2224"/>
             <p:cNvSpPr/>
             <p:nvPr/>
           </p:nvSpPr>
@@ -18974,7 +19030,7 @@
         </p:sp>
         <p:sp>
           <p:nvSpPr>
-            <p:cNvPr id="913" name="Parallelogram 912"/>
+            <p:cNvPr id="2226" name="Parallelogram 2225"/>
             <p:cNvSpPr/>
             <p:nvPr/>
           </p:nvSpPr>
@@ -19026,7 +19082,7 @@
         </p:sp>
         <p:sp>
           <p:nvSpPr>
-            <p:cNvPr id="914" name="Parallelogram 913"/>
+            <p:cNvPr id="2227" name="Parallelogram 2226"/>
             <p:cNvSpPr/>
             <p:nvPr/>
           </p:nvSpPr>
@@ -19071,7 +19127,7 @@
         </p:sp>
         <p:cxnSp>
           <p:nvCxnSpPr>
-            <p:cNvPr id="915" name="Straight Connector 914"/>
+            <p:cNvPr id="2228" name="Straight Connector 2227"/>
             <p:cNvCxnSpPr/>
             <p:nvPr/>
           </p:nvCxnSpPr>
@@ -19102,7 +19158,7 @@
         </p:cxnSp>
         <p:sp>
           <p:nvSpPr>
-            <p:cNvPr id="916" name="Parallelogram 915"/>
+            <p:cNvPr id="2229" name="Parallelogram 2228"/>
             <p:cNvSpPr/>
             <p:nvPr/>
           </p:nvSpPr>
@@ -19147,7 +19203,7 @@
         </p:sp>
         <p:sp>
           <p:nvSpPr>
-            <p:cNvPr id="917" name="Parallelogram 916"/>
+            <p:cNvPr id="2230" name="Parallelogram 2229"/>
             <p:cNvSpPr/>
             <p:nvPr/>
           </p:nvSpPr>
@@ -19192,7 +19248,7 @@
         </p:sp>
         <p:sp>
           <p:nvSpPr>
-            <p:cNvPr id="918" name="Rectangle 917"/>
+            <p:cNvPr id="2231" name="Rectangle 2230"/>
             <p:cNvSpPr/>
             <p:nvPr/>
           </p:nvSpPr>
@@ -19235,7 +19291,7 @@
         </p:sp>
         <p:cxnSp>
           <p:nvCxnSpPr>
-            <p:cNvPr id="919" name="Straight Connector 918"/>
+            <p:cNvPr id="2232" name="Straight Connector 2231"/>
             <p:cNvCxnSpPr/>
             <p:nvPr/>
           </p:nvCxnSpPr>
@@ -19266,7 +19322,7 @@
         </p:cxnSp>
         <p:cxnSp>
           <p:nvCxnSpPr>
-            <p:cNvPr id="920" name="Straight Connector 919"/>
+            <p:cNvPr id="2233" name="Straight Connector 2232"/>
             <p:cNvCxnSpPr/>
             <p:nvPr/>
           </p:nvCxnSpPr>
@@ -19297,7 +19353,7 @@
         </p:cxnSp>
         <p:grpSp>
           <p:nvGrpSpPr>
-            <p:cNvPr id="922" name="Group 921"/>
+            <p:cNvPr id="2234" name="Group 2233"/>
             <p:cNvGrpSpPr>
               <a:grpSpLocks noChangeAspect="1"/>
             </p:cNvGrpSpPr>
@@ -19313,7 +19369,7 @@
           </p:grpSpPr>
           <p:sp>
             <p:nvSpPr>
-              <p:cNvPr id="923" name="Oval 922"/>
+              <p:cNvPr id="2235" name="Oval 2234"/>
               <p:cNvSpPr/>
               <p:nvPr/>
             </p:nvSpPr>
@@ -19362,7 +19418,7 @@
           </p:sp>
           <p:sp>
             <p:nvSpPr>
-              <p:cNvPr id="924" name="Parallelogram 923"/>
+              <p:cNvPr id="2236" name="Parallelogram 2235"/>
               <p:cNvSpPr/>
               <p:nvPr/>
             </p:nvSpPr>
@@ -19411,7 +19467,7 @@
           </p:sp>
           <p:sp>
             <p:nvSpPr>
-              <p:cNvPr id="925" name="Parallelogram 924"/>
+              <p:cNvPr id="2237" name="Parallelogram 2236"/>
               <p:cNvSpPr/>
               <p:nvPr/>
             </p:nvSpPr>
@@ -19460,7 +19516,7 @@
           </p:sp>
           <p:sp>
             <p:nvSpPr>
-              <p:cNvPr id="926" name="Oval 925"/>
+              <p:cNvPr id="2238" name="Oval 2237"/>
               <p:cNvSpPr/>
               <p:nvPr/>
             </p:nvSpPr>
@@ -19505,9 +19561,9 @@
           </p:sp>
           <p:cxnSp>
             <p:nvCxnSpPr>
-              <p:cNvPr id="927" name="Straight Connector 926"/>
+              <p:cNvPr id="2239" name="Straight Connector 2238"/>
               <p:cNvCxnSpPr>
-                <a:stCxn id="926" idx="0"/>
+                <a:stCxn id="2238" idx="0"/>
               </p:cNvCxnSpPr>
               <p:nvPr/>
             </p:nvCxnSpPr>
@@ -19538,9 +19594,9 @@
           </p:cxnSp>
           <p:cxnSp>
             <p:nvCxnSpPr>
-              <p:cNvPr id="928" name="Straight Connector 927"/>
+              <p:cNvPr id="2240" name="Straight Connector 2239"/>
               <p:cNvCxnSpPr>
-                <a:stCxn id="926" idx="4"/>
+                <a:stCxn id="2238" idx="4"/>
               </p:cNvCxnSpPr>
               <p:nvPr/>
             </p:nvCxnSpPr>
@@ -19573,13 +19629,13 @@
       </p:grpSp>
       <p:grpSp>
         <p:nvGrpSpPr>
-          <p:cNvPr id="952" name="Group 951"/>
+          <p:cNvPr id="2169" name="Group 2168"/>
           <p:cNvGrpSpPr/>
           <p:nvPr/>
         </p:nvGrpSpPr>
         <p:grpSpPr>
           <a:xfrm>
-            <a:off x="1733125" y="2024585"/>
+            <a:off x="1825249" y="1837825"/>
             <a:ext cx="633895" cy="188870"/>
             <a:chOff x="874138" y="2442837"/>
             <a:chExt cx="1044377" cy="311173"/>
@@ -19587,7 +19643,7 @@
         </p:grpSpPr>
         <p:sp>
           <p:nvSpPr>
-            <p:cNvPr id="953" name="Parallelogram 952"/>
+            <p:cNvPr id="2201" name="Parallelogram 2200"/>
             <p:cNvSpPr/>
             <p:nvPr/>
           </p:nvSpPr>
@@ -19639,7 +19695,7 @@
         </p:sp>
         <p:sp>
           <p:nvSpPr>
-            <p:cNvPr id="954" name="Parallelogram 953"/>
+            <p:cNvPr id="2202" name="Parallelogram 2201"/>
             <p:cNvSpPr/>
             <p:nvPr/>
           </p:nvSpPr>
@@ -19691,7 +19747,7 @@
         </p:sp>
         <p:cxnSp>
           <p:nvCxnSpPr>
-            <p:cNvPr id="955" name="Straight Connector 954"/>
+            <p:cNvPr id="2203" name="Straight Connector 2202"/>
             <p:cNvCxnSpPr/>
             <p:nvPr/>
           </p:nvCxnSpPr>
@@ -19722,7 +19778,7 @@
         </p:cxnSp>
         <p:sp>
           <p:nvSpPr>
-            <p:cNvPr id="956" name="Rectangle 955"/>
+            <p:cNvPr id="2204" name="Rectangle 2203"/>
             <p:cNvSpPr/>
             <p:nvPr/>
           </p:nvSpPr>
@@ -19772,7 +19828,7 @@
         </p:sp>
         <p:sp>
           <p:nvSpPr>
-            <p:cNvPr id="957" name="Parallelogram 956"/>
+            <p:cNvPr id="2205" name="Parallelogram 2204"/>
             <p:cNvSpPr/>
             <p:nvPr/>
           </p:nvSpPr>
@@ -19824,7 +19880,7 @@
         </p:sp>
         <p:sp>
           <p:nvSpPr>
-            <p:cNvPr id="958" name="Parallelogram 957"/>
+            <p:cNvPr id="2206" name="Parallelogram 2205"/>
             <p:cNvSpPr/>
             <p:nvPr/>
           </p:nvSpPr>
@@ -19876,7 +19932,7 @@
         </p:sp>
         <p:sp>
           <p:nvSpPr>
-            <p:cNvPr id="959" name="Parallelogram 958"/>
+            <p:cNvPr id="2207" name="Parallelogram 2206"/>
             <p:cNvSpPr/>
             <p:nvPr/>
           </p:nvSpPr>
@@ -19921,7 +19977,7 @@
         </p:sp>
         <p:cxnSp>
           <p:nvCxnSpPr>
-            <p:cNvPr id="960" name="Straight Connector 959"/>
+            <p:cNvPr id="2208" name="Straight Connector 2207"/>
             <p:cNvCxnSpPr/>
             <p:nvPr/>
           </p:nvCxnSpPr>
@@ -19952,7 +20008,7 @@
         </p:cxnSp>
         <p:sp>
           <p:nvSpPr>
-            <p:cNvPr id="961" name="Parallelogram 960"/>
+            <p:cNvPr id="2209" name="Parallelogram 2208"/>
             <p:cNvSpPr/>
             <p:nvPr/>
           </p:nvSpPr>
@@ -19997,7 +20053,7 @@
         </p:sp>
         <p:sp>
           <p:nvSpPr>
-            <p:cNvPr id="962" name="Parallelogram 961"/>
+            <p:cNvPr id="2210" name="Parallelogram 2209"/>
             <p:cNvSpPr/>
             <p:nvPr/>
           </p:nvSpPr>
@@ -20042,7 +20098,7 @@
         </p:sp>
         <p:sp>
           <p:nvSpPr>
-            <p:cNvPr id="963" name="Rectangle 962"/>
+            <p:cNvPr id="2211" name="Rectangle 2210"/>
             <p:cNvSpPr/>
             <p:nvPr/>
           </p:nvSpPr>
@@ -20085,7 +20141,7 @@
         </p:sp>
         <p:cxnSp>
           <p:nvCxnSpPr>
-            <p:cNvPr id="964" name="Straight Connector 963"/>
+            <p:cNvPr id="2212" name="Straight Connector 2211"/>
             <p:cNvCxnSpPr/>
             <p:nvPr/>
           </p:nvCxnSpPr>
@@ -20116,7 +20172,7 @@
         </p:cxnSp>
         <p:cxnSp>
           <p:nvCxnSpPr>
-            <p:cNvPr id="965" name="Straight Connector 964"/>
+            <p:cNvPr id="2213" name="Straight Connector 2212"/>
             <p:cNvCxnSpPr/>
             <p:nvPr/>
           </p:nvCxnSpPr>
@@ -20147,7 +20203,7 @@
         </p:cxnSp>
         <p:grpSp>
           <p:nvGrpSpPr>
-            <p:cNvPr id="966" name="Group 965"/>
+            <p:cNvPr id="2214" name="Group 2213"/>
             <p:cNvGrpSpPr>
               <a:grpSpLocks noChangeAspect="1"/>
             </p:cNvGrpSpPr>
@@ -20163,7 +20219,7 @@
           </p:grpSpPr>
           <p:sp>
             <p:nvSpPr>
-              <p:cNvPr id="967" name="Oval 966"/>
+              <p:cNvPr id="2215" name="Oval 2214"/>
               <p:cNvSpPr/>
               <p:nvPr/>
             </p:nvSpPr>
@@ -20212,7 +20268,7 @@
           </p:sp>
           <p:sp>
             <p:nvSpPr>
-              <p:cNvPr id="968" name="Parallelogram 967"/>
+              <p:cNvPr id="2216" name="Parallelogram 2215"/>
               <p:cNvSpPr/>
               <p:nvPr/>
             </p:nvSpPr>
@@ -20261,7 +20317,7 @@
           </p:sp>
           <p:sp>
             <p:nvSpPr>
-              <p:cNvPr id="969" name="Parallelogram 968"/>
+              <p:cNvPr id="2217" name="Parallelogram 2216"/>
               <p:cNvSpPr/>
               <p:nvPr/>
             </p:nvSpPr>
@@ -20310,7 +20366,7 @@
           </p:sp>
           <p:sp>
             <p:nvSpPr>
-              <p:cNvPr id="970" name="Oval 969"/>
+              <p:cNvPr id="2218" name="Oval 2217"/>
               <p:cNvSpPr/>
               <p:nvPr/>
             </p:nvSpPr>
@@ -20355,9 +20411,9 @@
           </p:sp>
           <p:cxnSp>
             <p:nvCxnSpPr>
-              <p:cNvPr id="971" name="Straight Connector 970"/>
+              <p:cNvPr id="2219" name="Straight Connector 2218"/>
               <p:cNvCxnSpPr>
-                <a:stCxn id="970" idx="0"/>
+                <a:stCxn id="2218" idx="0"/>
               </p:cNvCxnSpPr>
               <p:nvPr/>
             </p:nvCxnSpPr>
@@ -20388,9 +20444,9 @@
           </p:cxnSp>
           <p:cxnSp>
             <p:nvCxnSpPr>
-              <p:cNvPr id="972" name="Straight Connector 971"/>
+              <p:cNvPr id="2220" name="Straight Connector 2219"/>
               <p:cNvCxnSpPr>
-                <a:stCxn id="970" idx="4"/>
+                <a:stCxn id="2218" idx="4"/>
               </p:cNvCxnSpPr>
               <p:nvPr/>
             </p:nvCxnSpPr>
@@ -20423,13 +20479,13 @@
       </p:grpSp>
       <p:grpSp>
         <p:nvGrpSpPr>
-          <p:cNvPr id="973" name="Group 972"/>
+          <p:cNvPr id="2170" name="Group 2169"/>
           <p:cNvGrpSpPr/>
           <p:nvPr/>
         </p:nvGrpSpPr>
         <p:grpSpPr>
           <a:xfrm>
-            <a:off x="2874911" y="2033742"/>
+            <a:off x="2967035" y="1846982"/>
             <a:ext cx="633895" cy="188870"/>
             <a:chOff x="874138" y="2442837"/>
             <a:chExt cx="1044377" cy="311173"/>
@@ -20437,7 +20493,7 @@
         </p:grpSpPr>
         <p:sp>
           <p:nvSpPr>
-            <p:cNvPr id="974" name="Parallelogram 973"/>
+            <p:cNvPr id="2181" name="Parallelogram 2180"/>
             <p:cNvSpPr/>
             <p:nvPr/>
           </p:nvSpPr>
@@ -20489,7 +20545,7 @@
         </p:sp>
         <p:sp>
           <p:nvSpPr>
-            <p:cNvPr id="975" name="Parallelogram 974"/>
+            <p:cNvPr id="2182" name="Parallelogram 2181"/>
             <p:cNvSpPr/>
             <p:nvPr/>
           </p:nvSpPr>
@@ -20541,7 +20597,7 @@
         </p:sp>
         <p:cxnSp>
           <p:nvCxnSpPr>
-            <p:cNvPr id="976" name="Straight Connector 975"/>
+            <p:cNvPr id="2183" name="Straight Connector 2182"/>
             <p:cNvCxnSpPr/>
             <p:nvPr/>
           </p:nvCxnSpPr>
@@ -20572,7 +20628,7 @@
         </p:cxnSp>
         <p:sp>
           <p:nvSpPr>
-            <p:cNvPr id="977" name="Rectangle 976"/>
+            <p:cNvPr id="2184" name="Rectangle 2183"/>
             <p:cNvSpPr/>
             <p:nvPr/>
           </p:nvSpPr>
@@ -20622,7 +20678,7 @@
         </p:sp>
         <p:sp>
           <p:nvSpPr>
-            <p:cNvPr id="978" name="Parallelogram 977"/>
+            <p:cNvPr id="2185" name="Parallelogram 2184"/>
             <p:cNvSpPr/>
             <p:nvPr/>
           </p:nvSpPr>
@@ -20674,7 +20730,7 @@
         </p:sp>
         <p:sp>
           <p:nvSpPr>
-            <p:cNvPr id="979" name="Parallelogram 978"/>
+            <p:cNvPr id="2186" name="Parallelogram 2185"/>
             <p:cNvSpPr/>
             <p:nvPr/>
           </p:nvSpPr>
@@ -20726,7 +20782,7 @@
         </p:sp>
         <p:sp>
           <p:nvSpPr>
-            <p:cNvPr id="980" name="Parallelogram 979"/>
+            <p:cNvPr id="2187" name="Parallelogram 2186"/>
             <p:cNvSpPr/>
             <p:nvPr/>
           </p:nvSpPr>
@@ -20771,7 +20827,7 @@
         </p:sp>
         <p:cxnSp>
           <p:nvCxnSpPr>
-            <p:cNvPr id="981" name="Straight Connector 980"/>
+            <p:cNvPr id="2188" name="Straight Connector 2187"/>
             <p:cNvCxnSpPr/>
             <p:nvPr/>
           </p:nvCxnSpPr>
@@ -20802,7 +20858,7 @@
         </p:cxnSp>
         <p:sp>
           <p:nvSpPr>
-            <p:cNvPr id="982" name="Parallelogram 981"/>
+            <p:cNvPr id="2189" name="Parallelogram 2188"/>
             <p:cNvSpPr/>
             <p:nvPr/>
           </p:nvSpPr>
@@ -20847,7 +20903,7 @@
         </p:sp>
         <p:sp>
           <p:nvSpPr>
-            <p:cNvPr id="983" name="Parallelogram 982"/>
+            <p:cNvPr id="2190" name="Parallelogram 2189"/>
             <p:cNvSpPr/>
             <p:nvPr/>
           </p:nvSpPr>
@@ -20892,7 +20948,7 @@
         </p:sp>
         <p:sp>
           <p:nvSpPr>
-            <p:cNvPr id="984" name="Rectangle 983"/>
+            <p:cNvPr id="2191" name="Rectangle 2190"/>
             <p:cNvSpPr/>
             <p:nvPr/>
           </p:nvSpPr>
@@ -20935,7 +20991,7 @@
         </p:sp>
         <p:cxnSp>
           <p:nvCxnSpPr>
-            <p:cNvPr id="985" name="Straight Connector 984"/>
+            <p:cNvPr id="2192" name="Straight Connector 2191"/>
             <p:cNvCxnSpPr/>
             <p:nvPr/>
           </p:nvCxnSpPr>
@@ -20966,7 +21022,7 @@
         </p:cxnSp>
         <p:cxnSp>
           <p:nvCxnSpPr>
-            <p:cNvPr id="986" name="Straight Connector 985"/>
+            <p:cNvPr id="2193" name="Straight Connector 2192"/>
             <p:cNvCxnSpPr/>
             <p:nvPr/>
           </p:nvCxnSpPr>
@@ -20997,7 +21053,7 @@
         </p:cxnSp>
         <p:grpSp>
           <p:nvGrpSpPr>
-            <p:cNvPr id="987" name="Group 986"/>
+            <p:cNvPr id="2194" name="Group 2193"/>
             <p:cNvGrpSpPr>
               <a:grpSpLocks noChangeAspect="1"/>
             </p:cNvGrpSpPr>
@@ -21013,7 +21069,7 @@
           </p:grpSpPr>
           <p:sp>
             <p:nvSpPr>
-              <p:cNvPr id="988" name="Oval 987"/>
+              <p:cNvPr id="2195" name="Oval 2194"/>
               <p:cNvSpPr/>
               <p:nvPr/>
             </p:nvSpPr>
@@ -21062,7 +21118,7 @@
           </p:sp>
           <p:sp>
             <p:nvSpPr>
-              <p:cNvPr id="989" name="Parallelogram 988"/>
+              <p:cNvPr id="2196" name="Parallelogram 2195"/>
               <p:cNvSpPr/>
               <p:nvPr/>
             </p:nvSpPr>
@@ -21111,7 +21167,7 @@
           </p:sp>
           <p:sp>
             <p:nvSpPr>
-              <p:cNvPr id="990" name="Parallelogram 989"/>
+              <p:cNvPr id="2197" name="Parallelogram 2196"/>
               <p:cNvSpPr/>
               <p:nvPr/>
             </p:nvSpPr>
@@ -21160,7 +21216,7 @@
           </p:sp>
           <p:sp>
             <p:nvSpPr>
-              <p:cNvPr id="991" name="Oval 990"/>
+              <p:cNvPr id="2198" name="Oval 2197"/>
               <p:cNvSpPr/>
               <p:nvPr/>
             </p:nvSpPr>
@@ -21205,9 +21261,9 @@
           </p:sp>
           <p:cxnSp>
             <p:nvCxnSpPr>
-              <p:cNvPr id="992" name="Straight Connector 991"/>
+              <p:cNvPr id="2199" name="Straight Connector 2198"/>
               <p:cNvCxnSpPr>
-                <a:stCxn id="991" idx="0"/>
+                <a:stCxn id="2198" idx="0"/>
               </p:cNvCxnSpPr>
               <p:nvPr/>
             </p:nvCxnSpPr>
@@ -21238,9 +21294,9 @@
           </p:cxnSp>
           <p:cxnSp>
             <p:nvCxnSpPr>
-              <p:cNvPr id="993" name="Straight Connector 992"/>
+              <p:cNvPr id="2200" name="Straight Connector 2199"/>
               <p:cNvCxnSpPr>
-                <a:stCxn id="991" idx="4"/>
+                <a:stCxn id="2198" idx="4"/>
               </p:cNvCxnSpPr>
               <p:nvPr/>
             </p:nvCxnSpPr>
@@ -21273,13 +21329,13 @@
       </p:grpSp>
       <p:sp>
         <p:nvSpPr>
-          <p:cNvPr id="1067" name="TextBox 1066"/>
+          <p:cNvPr id="2171" name="TextBox 2170"/>
           <p:cNvSpPr txBox="1"/>
           <p:nvPr/>
         </p:nvSpPr>
         <p:spPr>
           <a:xfrm>
-            <a:off x="1430544" y="2192101"/>
+            <a:off x="1522668" y="2005341"/>
             <a:ext cx="1240698" cy="276999"/>
           </a:xfrm>
           <a:prstGeom prst="rect">
@@ -21311,13 +21367,13 @@
       </p:sp>
       <p:sp>
         <p:nvSpPr>
-          <p:cNvPr id="1068" name="TextBox 1067"/>
+          <p:cNvPr id="2172" name="TextBox 2171"/>
           <p:cNvSpPr txBox="1"/>
           <p:nvPr/>
         </p:nvSpPr>
         <p:spPr>
           <a:xfrm>
-            <a:off x="315915" y="2192101"/>
+            <a:off x="408039" y="2005341"/>
             <a:ext cx="1157030" cy="276999"/>
           </a:xfrm>
           <a:prstGeom prst="rect">
@@ -21358,944 +21414,13 @@
       </p:sp>
       <p:sp>
         <p:nvSpPr>
-          <p:cNvPr id="1069" name="TextBox 1068"/>
+          <p:cNvPr id="2173" name="TextBox 2172"/>
           <p:cNvSpPr txBox="1"/>
           <p:nvPr/>
         </p:nvSpPr>
         <p:spPr>
           <a:xfrm>
-            <a:off x="2577772" y="2192101"/>
-            <a:ext cx="1241632" cy="276999"/>
-          </a:xfrm>
-          <a:prstGeom prst="rect">
-            <a:avLst/>
-          </a:prstGeom>
-          <a:noFill/>
-        </p:spPr>
-        <p:txBody>
-          <a:bodyPr wrap="square" rtlCol="0">
-            <a:spAutoFit/>
-          </a:bodyPr>
-          <a:lstStyle/>
-          <a:p>
-            <a:pPr algn="ctr"/>
-            <a:r>
-              <a:rPr lang="en-US" sz="1200" b="1" dirty="0" smtClean="0">
-                <a:solidFill>
-                  <a:schemeClr val="bg1">
-                    <a:lumMod val="50000"/>
-                  </a:schemeClr>
-                </a:solidFill>
-                <a:latin typeface="Arial"/>
-                <a:cs typeface="Arial"/>
-              </a:rPr>
-              <a:t>SupT1 cells</a:t>
-            </a:r>
-            <a:endParaRPr lang="en-US" sz="1200" b="1" dirty="0">
-              <a:solidFill>
-                <a:schemeClr val="bg1">
-                  <a:lumMod val="50000"/>
-                </a:schemeClr>
-              </a:solidFill>
-              <a:latin typeface="Arial"/>
-              <a:cs typeface="Arial"/>
-            </a:endParaRPr>
-          </a:p>
-        </p:txBody>
-      </p:sp>
-      <p:cxnSp>
-        <p:nvCxnSpPr>
-          <p:cNvPr id="994" name="Straight Connector 993"/>
-          <p:cNvCxnSpPr>
-            <a:stCxn id="996" idx="2"/>
-            <a:endCxn id="1061" idx="6"/>
-          </p:cNvCxnSpPr>
-          <p:nvPr/>
-        </p:nvCxnSpPr>
-        <p:spPr>
-          <a:xfrm>
-            <a:off x="469345" y="5158173"/>
-            <a:ext cx="3023646" cy="0"/>
-          </a:xfrm>
-          <a:prstGeom prst="line">
-            <a:avLst/>
-          </a:prstGeom>
-          <a:ln w="57150" cmpd="sng">
-            <a:solidFill>
-              <a:schemeClr val="accent1"/>
-            </a:solidFill>
-            <a:prstDash val="solid"/>
-          </a:ln>
-        </p:spPr>
-        <p:style>
-          <a:lnRef idx="1">
-            <a:schemeClr val="dk1"/>
-          </a:lnRef>
-          <a:fillRef idx="0">
-            <a:schemeClr val="dk1"/>
-          </a:fillRef>
-          <a:effectRef idx="0">
-            <a:schemeClr val="dk1"/>
-          </a:effectRef>
-          <a:fontRef idx="minor">
-            <a:schemeClr val="tx1"/>
-          </a:fontRef>
-        </p:style>
-      </p:cxnSp>
-      <p:sp>
-        <p:nvSpPr>
-          <p:cNvPr id="3" name="Oval 2"/>
-          <p:cNvSpPr>
-            <a:spLocks noChangeAspect="1"/>
-          </p:cNvSpPr>
-          <p:nvPr/>
-        </p:nvSpPr>
-        <p:spPr>
-          <a:xfrm>
-            <a:off x="1403347" y="5083687"/>
-            <a:ext cx="151415" cy="151415"/>
-          </a:xfrm>
-          <a:prstGeom prst="ellipse">
-            <a:avLst/>
-          </a:prstGeom>
-          <a:solidFill>
-            <a:schemeClr val="bg1"/>
-          </a:solidFill>
-        </p:spPr>
-        <p:style>
-          <a:lnRef idx="2">
-            <a:schemeClr val="dk1"/>
-          </a:lnRef>
-          <a:fillRef idx="1">
-            <a:schemeClr val="lt1"/>
-          </a:fillRef>
-          <a:effectRef idx="0">
-            <a:schemeClr val="dk1"/>
-          </a:effectRef>
-          <a:fontRef idx="minor">
-            <a:schemeClr val="dk1"/>
-          </a:fontRef>
-        </p:style>
-        <p:txBody>
-          <a:bodyPr rtlCol="0" anchor="ctr"/>
-          <a:lstStyle/>
-          <a:p>
-            <a:pPr algn="ctr"/>
-            <a:endParaRPr lang="en-US" sz="1200">
-              <a:latin typeface="Arial"/>
-              <a:cs typeface="Arial"/>
-            </a:endParaRPr>
-          </a:p>
-        </p:txBody>
-      </p:sp>
-      <p:sp>
-        <p:nvSpPr>
-          <p:cNvPr id="996" name="Oval 995"/>
-          <p:cNvSpPr>
-            <a:spLocks noChangeAspect="1"/>
-          </p:cNvSpPr>
-          <p:nvPr/>
-        </p:nvSpPr>
-        <p:spPr>
-          <a:xfrm>
-            <a:off x="469345" y="5082465"/>
-            <a:ext cx="151415" cy="151415"/>
-          </a:xfrm>
-          <a:prstGeom prst="ellipse">
-            <a:avLst/>
-          </a:prstGeom>
-          <a:solidFill>
-            <a:schemeClr val="bg1"/>
-          </a:solidFill>
-        </p:spPr>
-        <p:style>
-          <a:lnRef idx="2">
-            <a:schemeClr val="dk1"/>
-          </a:lnRef>
-          <a:fillRef idx="1">
-            <a:schemeClr val="lt1"/>
-          </a:fillRef>
-          <a:effectRef idx="0">
-            <a:schemeClr val="dk1"/>
-          </a:effectRef>
-          <a:fontRef idx="minor">
-            <a:schemeClr val="dk1"/>
-          </a:fontRef>
-        </p:style>
-        <p:txBody>
-          <a:bodyPr rtlCol="0" anchor="ctr"/>
-          <a:lstStyle/>
-          <a:p>
-            <a:pPr algn="ctr"/>
-            <a:endParaRPr lang="en-US" sz="1200">
-              <a:latin typeface="Arial"/>
-              <a:cs typeface="Arial"/>
-            </a:endParaRPr>
-          </a:p>
-        </p:txBody>
-      </p:sp>
-      <p:sp>
-        <p:nvSpPr>
-          <p:cNvPr id="997" name="Oval 996"/>
-          <p:cNvSpPr>
-            <a:spLocks noChangeAspect="1"/>
-          </p:cNvSpPr>
-          <p:nvPr/>
-        </p:nvSpPr>
-        <p:spPr>
-          <a:xfrm>
-            <a:off x="2397293" y="5087723"/>
-            <a:ext cx="151415" cy="151415"/>
-          </a:xfrm>
-          <a:prstGeom prst="ellipse">
-            <a:avLst/>
-          </a:prstGeom>
-          <a:solidFill>
-            <a:schemeClr val="bg1"/>
-          </a:solidFill>
-        </p:spPr>
-        <p:style>
-          <a:lnRef idx="2">
-            <a:schemeClr val="dk1"/>
-          </a:lnRef>
-          <a:fillRef idx="1">
-            <a:schemeClr val="lt1"/>
-          </a:fillRef>
-          <a:effectRef idx="0">
-            <a:schemeClr val="dk1"/>
-          </a:effectRef>
-          <a:fontRef idx="minor">
-            <a:schemeClr val="dk1"/>
-          </a:fontRef>
-        </p:style>
-        <p:txBody>
-          <a:bodyPr rtlCol="0" anchor="ctr"/>
-          <a:lstStyle/>
-          <a:p>
-            <a:pPr algn="ctr"/>
-            <a:endParaRPr lang="en-US" sz="1200">
-              <a:latin typeface="Arial"/>
-              <a:cs typeface="Arial"/>
-            </a:endParaRPr>
-          </a:p>
-        </p:txBody>
-      </p:sp>
-      <p:sp>
-        <p:nvSpPr>
-          <p:cNvPr id="1061" name="Oval 1060"/>
-          <p:cNvSpPr>
-            <a:spLocks noChangeAspect="1"/>
-          </p:cNvSpPr>
-          <p:nvPr/>
-        </p:nvSpPr>
-        <p:spPr>
-          <a:xfrm>
-            <a:off x="3341576" y="5082465"/>
-            <a:ext cx="151415" cy="151415"/>
-          </a:xfrm>
-          <a:prstGeom prst="ellipse">
-            <a:avLst/>
-          </a:prstGeom>
-          <a:solidFill>
-            <a:schemeClr val="bg1"/>
-          </a:solidFill>
-        </p:spPr>
-        <p:style>
-          <a:lnRef idx="2">
-            <a:schemeClr val="dk1"/>
-          </a:lnRef>
-          <a:fillRef idx="1">
-            <a:schemeClr val="lt1"/>
-          </a:fillRef>
-          <a:effectRef idx="0">
-            <a:schemeClr val="dk1"/>
-          </a:effectRef>
-          <a:fontRef idx="minor">
-            <a:schemeClr val="dk1"/>
-          </a:fontRef>
-        </p:style>
-        <p:txBody>
-          <a:bodyPr rtlCol="0" anchor="ctr"/>
-          <a:lstStyle/>
-          <a:p>
-            <a:pPr algn="ctr"/>
-            <a:endParaRPr lang="en-US" sz="1200">
-              <a:latin typeface="Arial"/>
-              <a:cs typeface="Arial"/>
-            </a:endParaRPr>
-          </a:p>
-        </p:txBody>
-      </p:sp>
-      <p:cxnSp>
-        <p:nvCxnSpPr>
-          <p:cNvPr id="1062" name="Straight Connector 1061"/>
-          <p:cNvCxnSpPr>
-            <a:stCxn id="1070" idx="2"/>
-            <a:endCxn id="1072" idx="6"/>
-          </p:cNvCxnSpPr>
-          <p:nvPr/>
-        </p:nvCxnSpPr>
-        <p:spPr>
-          <a:xfrm>
-            <a:off x="464087" y="5568255"/>
-            <a:ext cx="3023647" cy="0"/>
-          </a:xfrm>
-          <a:prstGeom prst="line">
-            <a:avLst/>
-          </a:prstGeom>
-          <a:ln w="57150" cmpd="sng">
-            <a:solidFill>
-              <a:schemeClr val="accent2"/>
-            </a:solidFill>
-            <a:prstDash val="solid"/>
-          </a:ln>
-        </p:spPr>
-        <p:style>
-          <a:lnRef idx="1">
-            <a:schemeClr val="dk1"/>
-          </a:lnRef>
-          <a:fillRef idx="0">
-            <a:schemeClr val="dk1"/>
-          </a:fillRef>
-          <a:effectRef idx="0">
-            <a:schemeClr val="dk1"/>
-          </a:effectRef>
-          <a:fontRef idx="minor">
-            <a:schemeClr val="tx1"/>
-          </a:fontRef>
-        </p:style>
-      </p:cxnSp>
-      <p:sp>
-        <p:nvSpPr>
-          <p:cNvPr id="1063" name="Oval 1062"/>
-          <p:cNvSpPr>
-            <a:spLocks noChangeAspect="1"/>
-          </p:cNvSpPr>
-          <p:nvPr/>
-        </p:nvSpPr>
-        <p:spPr>
-          <a:xfrm>
-            <a:off x="1398089" y="5493767"/>
-            <a:ext cx="151415" cy="151415"/>
-          </a:xfrm>
-          <a:prstGeom prst="ellipse">
-            <a:avLst/>
-          </a:prstGeom>
-          <a:solidFill>
-            <a:schemeClr val="bg1"/>
-          </a:solidFill>
-        </p:spPr>
-        <p:style>
-          <a:lnRef idx="2">
-            <a:schemeClr val="dk1"/>
-          </a:lnRef>
-          <a:fillRef idx="1">
-            <a:schemeClr val="lt1"/>
-          </a:fillRef>
-          <a:effectRef idx="0">
-            <a:schemeClr val="dk1"/>
-          </a:effectRef>
-          <a:fontRef idx="minor">
-            <a:schemeClr val="dk1"/>
-          </a:fontRef>
-        </p:style>
-        <p:txBody>
-          <a:bodyPr rtlCol="0" anchor="ctr"/>
-          <a:lstStyle/>
-          <a:p>
-            <a:pPr algn="ctr"/>
-            <a:endParaRPr lang="en-US" sz="1200">
-              <a:latin typeface="Arial"/>
-              <a:cs typeface="Arial"/>
-            </a:endParaRPr>
-          </a:p>
-        </p:txBody>
-      </p:sp>
-      <p:sp>
-        <p:nvSpPr>
-          <p:cNvPr id="1070" name="Oval 1069"/>
-          <p:cNvSpPr>
-            <a:spLocks noChangeAspect="1"/>
-          </p:cNvSpPr>
-          <p:nvPr/>
-        </p:nvSpPr>
-        <p:spPr>
-          <a:xfrm>
-            <a:off x="464087" y="5492547"/>
-            <a:ext cx="151415" cy="151415"/>
-          </a:xfrm>
-          <a:prstGeom prst="ellipse">
-            <a:avLst/>
-          </a:prstGeom>
-          <a:solidFill>
-            <a:schemeClr val="bg1"/>
-          </a:solidFill>
-        </p:spPr>
-        <p:style>
-          <a:lnRef idx="2">
-            <a:schemeClr val="dk1"/>
-          </a:lnRef>
-          <a:fillRef idx="1">
-            <a:schemeClr val="lt1"/>
-          </a:fillRef>
-          <a:effectRef idx="0">
-            <a:schemeClr val="dk1"/>
-          </a:effectRef>
-          <a:fontRef idx="minor">
-            <a:schemeClr val="dk1"/>
-          </a:fontRef>
-        </p:style>
-        <p:txBody>
-          <a:bodyPr rtlCol="0" anchor="ctr"/>
-          <a:lstStyle/>
-          <a:p>
-            <a:pPr algn="ctr"/>
-            <a:endParaRPr lang="en-US" sz="1200">
-              <a:latin typeface="Arial"/>
-              <a:cs typeface="Arial"/>
-            </a:endParaRPr>
-          </a:p>
-        </p:txBody>
-      </p:sp>
-      <p:sp>
-        <p:nvSpPr>
-          <p:cNvPr id="1071" name="Oval 1070"/>
-          <p:cNvSpPr>
-            <a:spLocks noChangeAspect="1"/>
-          </p:cNvSpPr>
-          <p:nvPr/>
-        </p:nvSpPr>
-        <p:spPr>
-          <a:xfrm>
-            <a:off x="2392035" y="5497805"/>
-            <a:ext cx="151415" cy="151415"/>
-          </a:xfrm>
-          <a:prstGeom prst="ellipse">
-            <a:avLst/>
-          </a:prstGeom>
-          <a:solidFill>
-            <a:schemeClr val="bg1"/>
-          </a:solidFill>
-        </p:spPr>
-        <p:style>
-          <a:lnRef idx="2">
-            <a:schemeClr val="dk1"/>
-          </a:lnRef>
-          <a:fillRef idx="1">
-            <a:schemeClr val="lt1"/>
-          </a:fillRef>
-          <a:effectRef idx="0">
-            <a:schemeClr val="dk1"/>
-          </a:effectRef>
-          <a:fontRef idx="minor">
-            <a:schemeClr val="dk1"/>
-          </a:fontRef>
-        </p:style>
-        <p:txBody>
-          <a:bodyPr rtlCol="0" anchor="ctr"/>
-          <a:lstStyle/>
-          <a:p>
-            <a:pPr algn="ctr"/>
-            <a:endParaRPr lang="en-US" sz="1200">
-              <a:latin typeface="Arial"/>
-              <a:cs typeface="Arial"/>
-            </a:endParaRPr>
-          </a:p>
-        </p:txBody>
-      </p:sp>
-      <p:sp>
-        <p:nvSpPr>
-          <p:cNvPr id="1072" name="Oval 1071"/>
-          <p:cNvSpPr>
-            <a:spLocks noChangeAspect="1"/>
-          </p:cNvSpPr>
-          <p:nvPr/>
-        </p:nvSpPr>
-        <p:spPr>
-          <a:xfrm>
-            <a:off x="3336319" y="5492547"/>
-            <a:ext cx="151415" cy="151415"/>
-          </a:xfrm>
-          <a:prstGeom prst="ellipse">
-            <a:avLst/>
-          </a:prstGeom>
-          <a:solidFill>
-            <a:schemeClr val="bg1"/>
-          </a:solidFill>
-        </p:spPr>
-        <p:style>
-          <a:lnRef idx="2">
-            <a:schemeClr val="dk1"/>
-          </a:lnRef>
-          <a:fillRef idx="1">
-            <a:schemeClr val="lt1"/>
-          </a:fillRef>
-          <a:effectRef idx="0">
-            <a:schemeClr val="dk1"/>
-          </a:effectRef>
-          <a:fontRef idx="minor">
-            <a:schemeClr val="dk1"/>
-          </a:fontRef>
-        </p:style>
-        <p:txBody>
-          <a:bodyPr rtlCol="0" anchor="ctr"/>
-          <a:lstStyle/>
-          <a:p>
-            <a:pPr algn="ctr"/>
-            <a:endParaRPr lang="en-US" sz="1200">
-              <a:latin typeface="Arial"/>
-              <a:cs typeface="Arial"/>
-            </a:endParaRPr>
-          </a:p>
-        </p:txBody>
-      </p:sp>
-      <p:cxnSp>
-        <p:nvCxnSpPr>
-          <p:cNvPr id="1073" name="Straight Connector 1072"/>
-          <p:cNvCxnSpPr>
-            <a:stCxn id="1075" idx="2"/>
-            <a:endCxn id="1077" idx="6"/>
-          </p:cNvCxnSpPr>
-          <p:nvPr/>
-        </p:nvCxnSpPr>
-        <p:spPr>
-          <a:xfrm>
-            <a:off x="469281" y="5978337"/>
-            <a:ext cx="3023646" cy="0"/>
-          </a:xfrm>
-          <a:prstGeom prst="line">
-            <a:avLst/>
-          </a:prstGeom>
-          <a:ln w="57150" cmpd="sng">
-            <a:solidFill>
-              <a:srgbClr val="660066"/>
-            </a:solidFill>
-            <a:prstDash val="solid"/>
-          </a:ln>
-        </p:spPr>
-        <p:style>
-          <a:lnRef idx="1">
-            <a:schemeClr val="dk1"/>
-          </a:lnRef>
-          <a:fillRef idx="0">
-            <a:schemeClr val="dk1"/>
-          </a:fillRef>
-          <a:effectRef idx="0">
-            <a:schemeClr val="dk1"/>
-          </a:effectRef>
-          <a:fontRef idx="minor">
-            <a:schemeClr val="tx1"/>
-          </a:fontRef>
-        </p:style>
-      </p:cxnSp>
-      <p:sp>
-        <p:nvSpPr>
-          <p:cNvPr id="1075" name="Oval 1074"/>
-          <p:cNvSpPr>
-            <a:spLocks noChangeAspect="1"/>
-          </p:cNvSpPr>
-          <p:nvPr/>
-        </p:nvSpPr>
-        <p:spPr>
-          <a:xfrm>
-            <a:off x="469281" y="5902629"/>
-            <a:ext cx="151415" cy="151415"/>
-          </a:xfrm>
-          <a:prstGeom prst="ellipse">
-            <a:avLst/>
-          </a:prstGeom>
-          <a:solidFill>
-            <a:schemeClr val="bg1"/>
-          </a:solidFill>
-        </p:spPr>
-        <p:style>
-          <a:lnRef idx="2">
-            <a:schemeClr val="dk1"/>
-          </a:lnRef>
-          <a:fillRef idx="1">
-            <a:schemeClr val="lt1"/>
-          </a:fillRef>
-          <a:effectRef idx="0">
-            <a:schemeClr val="dk1"/>
-          </a:effectRef>
-          <a:fontRef idx="minor">
-            <a:schemeClr val="dk1"/>
-          </a:fontRef>
-        </p:style>
-        <p:txBody>
-          <a:bodyPr rtlCol="0" anchor="ctr"/>
-          <a:lstStyle/>
-          <a:p>
-            <a:pPr algn="ctr"/>
-            <a:endParaRPr lang="en-US" sz="1200">
-              <a:latin typeface="Arial"/>
-              <a:cs typeface="Arial"/>
-            </a:endParaRPr>
-          </a:p>
-        </p:txBody>
-      </p:sp>
-      <p:sp>
-        <p:nvSpPr>
-          <p:cNvPr id="1076" name="Oval 1075"/>
-          <p:cNvSpPr>
-            <a:spLocks noChangeAspect="1"/>
-          </p:cNvSpPr>
-          <p:nvPr/>
-        </p:nvSpPr>
-        <p:spPr>
-          <a:xfrm>
-            <a:off x="2397229" y="5907886"/>
-            <a:ext cx="151415" cy="151415"/>
-          </a:xfrm>
-          <a:prstGeom prst="ellipse">
-            <a:avLst/>
-          </a:prstGeom>
-          <a:solidFill>
-            <a:schemeClr val="bg1"/>
-          </a:solidFill>
-        </p:spPr>
-        <p:style>
-          <a:lnRef idx="2">
-            <a:schemeClr val="dk1"/>
-          </a:lnRef>
-          <a:fillRef idx="1">
-            <a:schemeClr val="lt1"/>
-          </a:fillRef>
-          <a:effectRef idx="0">
-            <a:schemeClr val="dk1"/>
-          </a:effectRef>
-          <a:fontRef idx="minor">
-            <a:schemeClr val="dk1"/>
-          </a:fontRef>
-        </p:style>
-        <p:txBody>
-          <a:bodyPr rtlCol="0" anchor="ctr"/>
-          <a:lstStyle/>
-          <a:p>
-            <a:pPr algn="ctr"/>
-            <a:endParaRPr lang="en-US" sz="1200">
-              <a:latin typeface="Arial"/>
-              <a:cs typeface="Arial"/>
-            </a:endParaRPr>
-          </a:p>
-        </p:txBody>
-      </p:sp>
-      <p:sp>
-        <p:nvSpPr>
-          <p:cNvPr id="1077" name="Oval 1076"/>
-          <p:cNvSpPr>
-            <a:spLocks noChangeAspect="1"/>
-          </p:cNvSpPr>
-          <p:nvPr/>
-        </p:nvSpPr>
-        <p:spPr>
-          <a:xfrm>
-            <a:off x="3341512" y="5902629"/>
-            <a:ext cx="151415" cy="151415"/>
-          </a:xfrm>
-          <a:prstGeom prst="ellipse">
-            <a:avLst/>
-          </a:prstGeom>
-          <a:solidFill>
-            <a:schemeClr val="bg1"/>
-          </a:solidFill>
-        </p:spPr>
-        <p:style>
-          <a:lnRef idx="2">
-            <a:schemeClr val="dk1"/>
-          </a:lnRef>
-          <a:fillRef idx="1">
-            <a:schemeClr val="lt1"/>
-          </a:fillRef>
-          <a:effectRef idx="0">
-            <a:schemeClr val="dk1"/>
-          </a:effectRef>
-          <a:fontRef idx="minor">
-            <a:schemeClr val="dk1"/>
-          </a:fontRef>
-        </p:style>
-        <p:txBody>
-          <a:bodyPr rtlCol="0" anchor="ctr"/>
-          <a:lstStyle/>
-          <a:p>
-            <a:pPr algn="ctr"/>
-            <a:endParaRPr lang="en-US" sz="1200">
-              <a:latin typeface="Arial"/>
-              <a:cs typeface="Arial"/>
-            </a:endParaRPr>
-          </a:p>
-        </p:txBody>
-      </p:sp>
-      <p:sp>
-        <p:nvSpPr>
-          <p:cNvPr id="1074" name="Oval 1073"/>
-          <p:cNvSpPr>
-            <a:spLocks noChangeAspect="1"/>
-          </p:cNvSpPr>
-          <p:nvPr/>
-        </p:nvSpPr>
-        <p:spPr>
-          <a:xfrm>
-            <a:off x="1403283" y="5903850"/>
-            <a:ext cx="151415" cy="151415"/>
-          </a:xfrm>
-          <a:prstGeom prst="ellipse">
-            <a:avLst/>
-          </a:prstGeom>
-          <a:solidFill>
-            <a:schemeClr val="bg1"/>
-          </a:solidFill>
-        </p:spPr>
-        <p:style>
-          <a:lnRef idx="2">
-            <a:schemeClr val="dk1"/>
-          </a:lnRef>
-          <a:fillRef idx="1">
-            <a:schemeClr val="lt1"/>
-          </a:fillRef>
-          <a:effectRef idx="0">
-            <a:schemeClr val="dk1"/>
-          </a:effectRef>
-          <a:fontRef idx="minor">
-            <a:schemeClr val="dk1"/>
-          </a:fontRef>
-        </p:style>
-        <p:txBody>
-          <a:bodyPr rtlCol="0" anchor="ctr"/>
-          <a:lstStyle/>
-          <a:p>
-            <a:pPr algn="ctr"/>
-            <a:endParaRPr lang="en-US" sz="1200">
-              <a:latin typeface="Arial"/>
-              <a:cs typeface="Arial"/>
-            </a:endParaRPr>
-          </a:p>
-        </p:txBody>
-      </p:sp>
-      <p:sp>
-        <p:nvSpPr>
-          <p:cNvPr id="1088" name="TextBox 1087"/>
-          <p:cNvSpPr txBox="1"/>
-          <p:nvPr/>
-        </p:nvSpPr>
-        <p:spPr>
-          <a:xfrm>
-            <a:off x="-62137" y="5839837"/>
-            <a:ext cx="805877" cy="276999"/>
-          </a:xfrm>
-          <a:prstGeom prst="rect">
-            <a:avLst/>
-          </a:prstGeom>
-          <a:noFill/>
-        </p:spPr>
-        <p:txBody>
-          <a:bodyPr wrap="square" rtlCol="0" anchor="ctr">
-            <a:spAutoFit/>
-          </a:bodyPr>
-          <a:lstStyle/>
-          <a:p>
-            <a:pPr algn="ctr"/>
-            <a:r>
-              <a:rPr lang="en-US" sz="1200" b="1" dirty="0" smtClean="0">
-                <a:solidFill>
-                  <a:srgbClr val="660066"/>
-                </a:solidFill>
-                <a:latin typeface="Arial"/>
-                <a:cs typeface="Arial"/>
-              </a:rPr>
-              <a:t>3</a:t>
-            </a:r>
-            <a:endParaRPr lang="en-US" sz="1200" b="1" dirty="0">
-              <a:solidFill>
-                <a:srgbClr val="660066"/>
-              </a:solidFill>
-              <a:latin typeface="Arial"/>
-              <a:cs typeface="Arial"/>
-            </a:endParaRPr>
-          </a:p>
-        </p:txBody>
-      </p:sp>
-      <p:sp>
-        <p:nvSpPr>
-          <p:cNvPr id="1090" name="TextBox 1089"/>
-          <p:cNvSpPr txBox="1"/>
-          <p:nvPr/>
-        </p:nvSpPr>
-        <p:spPr>
-          <a:xfrm>
-            <a:off x="-62137" y="5417884"/>
-            <a:ext cx="805877" cy="276999"/>
-          </a:xfrm>
-          <a:prstGeom prst="rect">
-            <a:avLst/>
-          </a:prstGeom>
-          <a:noFill/>
-        </p:spPr>
-        <p:txBody>
-          <a:bodyPr wrap="square" rtlCol="0" anchor="ctr">
-            <a:spAutoFit/>
-          </a:bodyPr>
-          <a:lstStyle/>
-          <a:p>
-            <a:pPr algn="ctr"/>
-            <a:r>
-              <a:rPr lang="en-US" sz="1200" b="1" dirty="0" smtClean="0">
-                <a:solidFill>
-                  <a:schemeClr val="accent2"/>
-                </a:solidFill>
-                <a:latin typeface="Arial"/>
-                <a:cs typeface="Arial"/>
-              </a:rPr>
-              <a:t>2</a:t>
-            </a:r>
-            <a:endParaRPr lang="en-US" sz="1200" b="1" dirty="0">
-              <a:solidFill>
-                <a:schemeClr val="accent2"/>
-              </a:solidFill>
-              <a:latin typeface="Arial"/>
-              <a:cs typeface="Arial"/>
-            </a:endParaRPr>
-          </a:p>
-        </p:txBody>
-      </p:sp>
-      <p:sp>
-        <p:nvSpPr>
-          <p:cNvPr id="1091" name="TextBox 1090"/>
-          <p:cNvSpPr txBox="1"/>
-          <p:nvPr/>
-        </p:nvSpPr>
-        <p:spPr>
-          <a:xfrm>
-            <a:off x="-62137" y="5008509"/>
-            <a:ext cx="805877" cy="276999"/>
-          </a:xfrm>
-          <a:prstGeom prst="rect">
-            <a:avLst/>
-          </a:prstGeom>
-          <a:noFill/>
-        </p:spPr>
-        <p:txBody>
-          <a:bodyPr wrap="square" rtlCol="0" anchor="ctr">
-            <a:spAutoFit/>
-          </a:bodyPr>
-          <a:lstStyle/>
-          <a:p>
-            <a:pPr algn="ctr"/>
-            <a:r>
-              <a:rPr lang="en-US" sz="1200" b="1" dirty="0" smtClean="0">
-                <a:solidFill>
-                  <a:schemeClr val="accent1"/>
-                </a:solidFill>
-                <a:latin typeface="Arial"/>
-                <a:cs typeface="Arial"/>
-              </a:rPr>
-              <a:t>1</a:t>
-            </a:r>
-            <a:endParaRPr lang="en-US" sz="1200" b="1" dirty="0">
-              <a:solidFill>
-                <a:schemeClr val="accent1"/>
-              </a:solidFill>
-              <a:latin typeface="Arial"/>
-              <a:cs typeface="Arial"/>
-            </a:endParaRPr>
-          </a:p>
-        </p:txBody>
-      </p:sp>
-      <p:sp>
-        <p:nvSpPr>
-          <p:cNvPr id="1102" name="TextBox 1101"/>
-          <p:cNvSpPr txBox="1"/>
-          <p:nvPr/>
-        </p:nvSpPr>
-        <p:spPr>
-          <a:xfrm>
-            <a:off x="6520" y="11903"/>
-            <a:ext cx="428235" cy="369332"/>
-          </a:xfrm>
-          <a:prstGeom prst="rect">
-            <a:avLst/>
-          </a:prstGeom>
-          <a:noFill/>
-        </p:spPr>
-        <p:txBody>
-          <a:bodyPr wrap="none" rtlCol="0">
-            <a:spAutoFit/>
-          </a:bodyPr>
-          <a:lstStyle/>
-          <a:p>
-            <a:r>
-              <a:rPr lang="en-US" b="1" dirty="0">
-                <a:latin typeface="Arial"/>
-                <a:cs typeface="Arial"/>
-              </a:rPr>
-              <a:t>A</a:t>
-            </a:r>
-            <a:r>
-              <a:rPr lang="en-US" b="1" dirty="0" smtClean="0">
-                <a:latin typeface="Arial"/>
-                <a:cs typeface="Arial"/>
-              </a:rPr>
-              <a:t>)</a:t>
-            </a:r>
-            <a:endParaRPr lang="en-US" b="1" dirty="0">
-              <a:latin typeface="Arial"/>
-              <a:cs typeface="Arial"/>
-            </a:endParaRPr>
-          </a:p>
-        </p:txBody>
-      </p:sp>
-      <p:sp>
-        <p:nvSpPr>
-          <p:cNvPr id="1103" name="TextBox 1102"/>
-          <p:cNvSpPr txBox="1"/>
-          <p:nvPr/>
-        </p:nvSpPr>
-        <p:spPr>
-          <a:xfrm>
-            <a:off x="26729" y="4247254"/>
-            <a:ext cx="428235" cy="369332"/>
-          </a:xfrm>
-          <a:prstGeom prst="rect">
-            <a:avLst/>
-          </a:prstGeom>
-          <a:noFill/>
-        </p:spPr>
-        <p:txBody>
-          <a:bodyPr wrap="none" rtlCol="0">
-            <a:spAutoFit/>
-          </a:bodyPr>
-          <a:lstStyle/>
-          <a:p>
-            <a:r>
-              <a:rPr lang="en-US" b="1" dirty="0">
-                <a:latin typeface="Arial"/>
-                <a:cs typeface="Arial"/>
-              </a:rPr>
-              <a:t>B</a:t>
-            </a:r>
-            <a:r>
-              <a:rPr lang="en-US" b="1" dirty="0" smtClean="0">
-                <a:latin typeface="Arial"/>
-                <a:cs typeface="Arial"/>
-              </a:rPr>
-              <a:t>)</a:t>
-            </a:r>
-            <a:endParaRPr lang="en-US" b="1" dirty="0">
-              <a:latin typeface="Arial"/>
-              <a:cs typeface="Arial"/>
-            </a:endParaRPr>
-          </a:p>
-        </p:txBody>
-      </p:sp>
-      <p:sp>
-        <p:nvSpPr>
-          <p:cNvPr id="1089" name="TextBox 1088"/>
-          <p:cNvSpPr txBox="1"/>
-          <p:nvPr/>
-        </p:nvSpPr>
-        <p:spPr>
-          <a:xfrm>
-            <a:off x="992055" y="2556800"/>
+            <a:off x="1084179" y="2370040"/>
             <a:ext cx="1678937" cy="276999"/>
           </a:xfrm>
           <a:prstGeom prst="rect">
@@ -22327,13 +21452,13 @@
       </p:sp>
       <p:sp>
         <p:nvSpPr>
-          <p:cNvPr id="1092" name="Down Arrow 1091"/>
+          <p:cNvPr id="2174" name="Down Arrow 2173"/>
           <p:cNvSpPr/>
           <p:nvPr/>
         </p:nvSpPr>
         <p:spPr>
           <a:xfrm>
-            <a:off x="1695846" y="2833983"/>
+            <a:off x="1787970" y="2647223"/>
             <a:ext cx="240181" cy="246471"/>
           </a:xfrm>
           <a:prstGeom prst="downArrow">
@@ -22376,169 +21501,13 @@
       </p:sp>
       <p:sp>
         <p:nvSpPr>
-          <p:cNvPr id="1094" name="TextBox 1093"/>
-          <p:cNvSpPr txBox="1"/>
-          <p:nvPr/>
-        </p:nvSpPr>
-        <p:spPr>
-          <a:xfrm>
-            <a:off x="897305" y="4597644"/>
-            <a:ext cx="1181192" cy="461665"/>
-          </a:xfrm>
-          <a:prstGeom prst="rect">
-            <a:avLst/>
-          </a:prstGeom>
-          <a:noFill/>
-          <a:ln>
-            <a:noFill/>
-          </a:ln>
-        </p:spPr>
-        <p:txBody>
-          <a:bodyPr wrap="square" rtlCol="0" anchor="ctr">
-            <a:spAutoFit/>
-          </a:bodyPr>
-          <a:lstStyle/>
-          <a:p>
-            <a:pPr algn="ctr"/>
-            <a:r>
-              <a:rPr lang="en-US" sz="1200" b="1" dirty="0" smtClean="0">
-                <a:latin typeface="Arial"/>
-                <a:cs typeface="Arial"/>
-              </a:rPr>
-              <a:t>transfection supernatant</a:t>
-            </a:r>
-            <a:endParaRPr lang="en-US" sz="1200" b="1" dirty="0">
-              <a:latin typeface="Arial"/>
-              <a:cs typeface="Arial"/>
-            </a:endParaRPr>
-          </a:p>
-        </p:txBody>
-      </p:sp>
-      <p:sp>
-        <p:nvSpPr>
-          <p:cNvPr id="1095" name="TextBox 1094"/>
-          <p:cNvSpPr txBox="1"/>
-          <p:nvPr/>
-        </p:nvSpPr>
-        <p:spPr>
-          <a:xfrm>
-            <a:off x="114062" y="4599578"/>
-            <a:ext cx="846656" cy="461665"/>
-          </a:xfrm>
-          <a:prstGeom prst="rect">
-            <a:avLst/>
-          </a:prstGeom>
-          <a:noFill/>
-          <a:ln>
-            <a:noFill/>
-          </a:ln>
-        </p:spPr>
-        <p:txBody>
-          <a:bodyPr wrap="square" rtlCol="0" anchor="ctr">
-            <a:spAutoFit/>
-          </a:bodyPr>
-          <a:lstStyle/>
-          <a:p>
-            <a:pPr algn="ctr"/>
-            <a:r>
-              <a:rPr lang="en-US" sz="1200" b="1" dirty="0" smtClean="0">
-                <a:latin typeface="Arial"/>
-                <a:cs typeface="Arial"/>
-              </a:rPr>
-              <a:t>mutant plasmids</a:t>
-            </a:r>
-            <a:endParaRPr lang="en-US" sz="1200" b="1" dirty="0">
-              <a:latin typeface="Arial"/>
-              <a:cs typeface="Arial"/>
-            </a:endParaRPr>
-          </a:p>
-        </p:txBody>
-      </p:sp>
-      <p:sp>
-        <p:nvSpPr>
-          <p:cNvPr id="1096" name="TextBox 1095"/>
-          <p:cNvSpPr txBox="1"/>
-          <p:nvPr/>
-        </p:nvSpPr>
-        <p:spPr>
-          <a:xfrm>
-            <a:off x="1961860" y="4594798"/>
-            <a:ext cx="1048093" cy="461665"/>
-          </a:xfrm>
-          <a:prstGeom prst="rect">
-            <a:avLst/>
-          </a:prstGeom>
-          <a:noFill/>
-          <a:ln>
-            <a:noFill/>
-          </a:ln>
-        </p:spPr>
-        <p:txBody>
-          <a:bodyPr wrap="square" rtlCol="0" anchor="ctr">
-            <a:spAutoFit/>
-          </a:bodyPr>
-          <a:lstStyle/>
-          <a:p>
-            <a:pPr algn="ctr"/>
-            <a:r>
-              <a:rPr lang="en-US" sz="1200" b="1" dirty="0" smtClean="0">
-                <a:latin typeface="Arial"/>
-                <a:cs typeface="Arial"/>
-              </a:rPr>
-              <a:t>passaged virus</a:t>
-            </a:r>
-          </a:p>
-        </p:txBody>
-      </p:sp>
-      <p:sp>
-        <p:nvSpPr>
-          <p:cNvPr id="1097" name="TextBox 1096"/>
-          <p:cNvSpPr txBox="1"/>
-          <p:nvPr/>
-        </p:nvSpPr>
-        <p:spPr>
-          <a:xfrm>
-            <a:off x="2888757" y="4594798"/>
-            <a:ext cx="1048093" cy="461665"/>
-          </a:xfrm>
-          <a:prstGeom prst="rect">
-            <a:avLst/>
-          </a:prstGeom>
-          <a:noFill/>
-          <a:ln>
-            <a:noFill/>
-          </a:ln>
-        </p:spPr>
-        <p:txBody>
-          <a:bodyPr wrap="square" rtlCol="0" anchor="ctr">
-            <a:spAutoFit/>
-          </a:bodyPr>
-          <a:lstStyle/>
-          <a:p>
-            <a:pPr algn="ctr"/>
-            <a:r>
-              <a:rPr lang="en-US" sz="1200" b="1" dirty="0" smtClean="0">
-                <a:latin typeface="Arial"/>
-                <a:cs typeface="Arial"/>
-              </a:rPr>
-              <a:t>12-hour infection</a:t>
-            </a:r>
-            <a:endParaRPr lang="en-US" sz="1200" b="1" dirty="0" smtClean="0">
-              <a:latin typeface="Arial"/>
-              <a:cs typeface="Arial"/>
-            </a:endParaRPr>
-          </a:p>
-        </p:txBody>
-      </p:sp>
-      <p:sp>
-        <p:nvSpPr>
-          <p:cNvPr id="416" name="Rectangle 415"/>
+          <p:cNvPr id="2175" name="Rectangle 2174"/>
           <p:cNvSpPr/>
           <p:nvPr/>
         </p:nvSpPr>
         <p:spPr>
           <a:xfrm>
-            <a:off x="3051810" y="2545698"/>
+            <a:off x="3143934" y="2358938"/>
             <a:ext cx="115182" cy="118662"/>
           </a:xfrm>
           <a:prstGeom prst="rect">
@@ -22579,13 +21548,13 @@
       </p:sp>
       <p:sp>
         <p:nvSpPr>
-          <p:cNvPr id="1105" name="Down Arrow 1104"/>
+          <p:cNvPr id="2176" name="Down Arrow 2175"/>
           <p:cNvSpPr/>
           <p:nvPr/>
         </p:nvSpPr>
         <p:spPr>
           <a:xfrm rot="5400000">
-            <a:off x="2741663" y="2408655"/>
+            <a:off x="2833787" y="2221895"/>
             <a:ext cx="240179" cy="610478"/>
           </a:xfrm>
           <a:prstGeom prst="downArrow">
@@ -22626,13 +21595,13 @@
       </p:sp>
       <p:sp>
         <p:nvSpPr>
-          <p:cNvPr id="1106" name="Rectangle 1105"/>
+          <p:cNvPr id="2177" name="Rectangle 2176"/>
           <p:cNvSpPr/>
           <p:nvPr/>
         </p:nvSpPr>
         <p:spPr>
           <a:xfrm>
-            <a:off x="428116" y="2545698"/>
+            <a:off x="520240" y="2358938"/>
             <a:ext cx="115182" cy="118662"/>
           </a:xfrm>
           <a:prstGeom prst="rect">
@@ -22673,13 +21642,13 @@
       </p:sp>
       <p:sp>
         <p:nvSpPr>
-          <p:cNvPr id="1108" name="Down Arrow 1107"/>
+          <p:cNvPr id="2178" name="Down Arrow 2177"/>
           <p:cNvSpPr/>
           <p:nvPr/>
         </p:nvSpPr>
         <p:spPr>
           <a:xfrm rot="5400000" flipV="1">
-            <a:off x="634549" y="2387373"/>
+            <a:off x="726673" y="2200613"/>
             <a:ext cx="239996" cy="652861"/>
           </a:xfrm>
           <a:prstGeom prst="downArrow">
@@ -22720,13 +21689,13 @@
       </p:sp>
       <p:sp>
         <p:nvSpPr>
-          <p:cNvPr id="529" name="TextBox 528"/>
+          <p:cNvPr id="2179" name="TextBox 2178"/>
           <p:cNvSpPr txBox="1"/>
           <p:nvPr/>
         </p:nvSpPr>
         <p:spPr>
           <a:xfrm rot="16200000">
-            <a:off x="343067" y="3293112"/>
+            <a:off x="435191" y="3106352"/>
             <a:ext cx="1106392" cy="461665"/>
           </a:xfrm>
           <a:prstGeom prst="rect">
@@ -22754,13 +21723,13 @@
       </p:sp>
       <p:sp>
         <p:nvSpPr>
-          <p:cNvPr id="530" name="TextBox 529"/>
+          <p:cNvPr id="2180" name="TextBox 2179"/>
           <p:cNvSpPr txBox="1"/>
           <p:nvPr/>
         </p:nvSpPr>
         <p:spPr>
           <a:xfrm>
-            <a:off x="1132997" y="3961761"/>
+            <a:off x="1225121" y="3775001"/>
             <a:ext cx="1383059" cy="276999"/>
           </a:xfrm>
           <a:prstGeom prst="rect">
@@ -22788,14 +21757,14 @@
       </p:sp>
       <p:sp>
         <p:nvSpPr>
-          <p:cNvPr id="535" name="TextBox 534"/>
+          <p:cNvPr id="2054" name="TextBox 2053"/>
           <p:cNvSpPr txBox="1"/>
           <p:nvPr/>
         </p:nvSpPr>
         <p:spPr>
-          <a:xfrm rot="16200000">
-            <a:off x="-330270" y="5431011"/>
-            <a:ext cx="950842" cy="276999"/>
+          <a:xfrm>
+            <a:off x="2693327" y="2013094"/>
+            <a:ext cx="1241632" cy="276999"/>
           </a:xfrm>
           <a:prstGeom prst="rect">
             <a:avLst/>
@@ -22803,33 +21772,1128 @@
           <a:noFill/>
         </p:spPr>
         <p:txBody>
-          <a:bodyPr wrap="square" rtlCol="0" anchor="ctr">
+          <a:bodyPr wrap="square" rtlCol="0">
             <a:spAutoFit/>
           </a:bodyPr>
           <a:lstStyle/>
           <a:p>
             <a:pPr algn="ctr"/>
             <a:r>
-              <a:rPr lang="en-US" sz="1200" b="1" dirty="0">
+              <a:rPr lang="en-US" sz="1200" b="1" dirty="0" smtClean="0">
+                <a:solidFill>
+                  <a:schemeClr val="bg1">
+                    <a:lumMod val="50000"/>
+                  </a:schemeClr>
+                </a:solidFill>
                 <a:latin typeface="Arial"/>
                 <a:cs typeface="Arial"/>
               </a:rPr>
-              <a:t>r</a:t>
-            </a:r>
-            <a:r>
-              <a:rPr lang="en-US" sz="1200" b="1" dirty="0" smtClean="0">
-                <a:latin typeface="Arial"/>
-                <a:cs typeface="Arial"/>
-              </a:rPr>
-              <a:t>eplicates</a:t>
+              <a:t>SupT1 cells</a:t>
             </a:r>
             <a:endParaRPr lang="en-US" sz="1200" b="1" dirty="0">
+              <a:solidFill>
+                <a:schemeClr val="bg1">
+                  <a:lumMod val="50000"/>
+                </a:schemeClr>
+              </a:solidFill>
               <a:latin typeface="Arial"/>
               <a:cs typeface="Arial"/>
             </a:endParaRPr>
           </a:p>
         </p:txBody>
       </p:sp>
+      <p:sp>
+        <p:nvSpPr>
+          <p:cNvPr id="2055" name="TextBox 2054"/>
+          <p:cNvSpPr txBox="1"/>
+          <p:nvPr/>
+        </p:nvSpPr>
+        <p:spPr>
+          <a:xfrm>
+            <a:off x="-21442" y="-30006"/>
+            <a:ext cx="325730" cy="338554"/>
+          </a:xfrm>
+          <a:prstGeom prst="rect">
+            <a:avLst/>
+          </a:prstGeom>
+          <a:noFill/>
+        </p:spPr>
+        <p:txBody>
+          <a:bodyPr wrap="none" rtlCol="0">
+            <a:spAutoFit/>
+          </a:bodyPr>
+          <a:lstStyle/>
+          <a:p>
+            <a:r>
+              <a:rPr lang="en-US" sz="1600" b="1" dirty="0" smtClean="0">
+                <a:latin typeface="Arial"/>
+                <a:cs typeface="Arial"/>
+              </a:rPr>
+              <a:t>A</a:t>
+            </a:r>
+            <a:endParaRPr lang="en-US" sz="1600" b="1" dirty="0">
+              <a:latin typeface="Arial"/>
+              <a:cs typeface="Arial"/>
+            </a:endParaRPr>
+          </a:p>
+        </p:txBody>
+      </p:sp>
+      <p:grpSp>
+        <p:nvGrpSpPr>
+          <p:cNvPr id="2056" name="Group 2055"/>
+          <p:cNvGrpSpPr/>
+          <p:nvPr/>
+        </p:nvGrpSpPr>
+        <p:grpSpPr>
+          <a:xfrm>
+            <a:off x="3934959" y="-30006"/>
+            <a:ext cx="2480002" cy="3898083"/>
+            <a:chOff x="4274586" y="-53138"/>
+            <a:chExt cx="2480002" cy="3898083"/>
+          </a:xfrm>
+        </p:grpSpPr>
+        <p:grpSp>
+          <p:nvGrpSpPr>
+            <p:cNvPr id="2057" name="Group 2056"/>
+            <p:cNvGrpSpPr/>
+            <p:nvPr/>
+          </p:nvGrpSpPr>
+          <p:grpSpPr>
+            <a:xfrm rot="16200000">
+              <a:off x="3575783" y="1701738"/>
+              <a:ext cx="3028904" cy="976836"/>
+              <a:chOff x="464087" y="5082465"/>
+              <a:chExt cx="3028904" cy="976836"/>
+            </a:xfrm>
+          </p:grpSpPr>
+          <p:cxnSp>
+            <p:nvCxnSpPr>
+              <p:cNvPr id="2067" name="Straight Connector 2066"/>
+              <p:cNvCxnSpPr>
+                <a:stCxn id="2069" idx="2"/>
+                <a:endCxn id="2071" idx="6"/>
+              </p:cNvCxnSpPr>
+              <p:nvPr/>
+            </p:nvCxnSpPr>
+            <p:spPr>
+              <a:xfrm>
+                <a:off x="469345" y="5158173"/>
+                <a:ext cx="3023646" cy="0"/>
+              </a:xfrm>
+              <a:prstGeom prst="line">
+                <a:avLst/>
+              </a:prstGeom>
+              <a:ln w="57150" cmpd="sng">
+                <a:solidFill>
+                  <a:schemeClr val="accent1"/>
+                </a:solidFill>
+                <a:prstDash val="solid"/>
+              </a:ln>
+            </p:spPr>
+            <p:style>
+              <a:lnRef idx="1">
+                <a:schemeClr val="dk1"/>
+              </a:lnRef>
+              <a:fillRef idx="0">
+                <a:schemeClr val="dk1"/>
+              </a:fillRef>
+              <a:effectRef idx="0">
+                <a:schemeClr val="dk1"/>
+              </a:effectRef>
+              <a:fontRef idx="minor">
+                <a:schemeClr val="tx1"/>
+              </a:fontRef>
+            </p:style>
+          </p:cxnSp>
+          <p:sp>
+            <p:nvSpPr>
+              <p:cNvPr id="2068" name="Oval 2067"/>
+              <p:cNvSpPr>
+                <a:spLocks noChangeAspect="1"/>
+              </p:cNvSpPr>
+              <p:nvPr/>
+            </p:nvSpPr>
+            <p:spPr>
+              <a:xfrm>
+                <a:off x="1403347" y="5083687"/>
+                <a:ext cx="151415" cy="151415"/>
+              </a:xfrm>
+              <a:prstGeom prst="ellipse">
+                <a:avLst/>
+              </a:prstGeom>
+              <a:solidFill>
+                <a:schemeClr val="bg1"/>
+              </a:solidFill>
+            </p:spPr>
+            <p:style>
+              <a:lnRef idx="2">
+                <a:schemeClr val="dk1"/>
+              </a:lnRef>
+              <a:fillRef idx="1">
+                <a:schemeClr val="lt1"/>
+              </a:fillRef>
+              <a:effectRef idx="0">
+                <a:schemeClr val="dk1"/>
+              </a:effectRef>
+              <a:fontRef idx="minor">
+                <a:schemeClr val="dk1"/>
+              </a:fontRef>
+            </p:style>
+            <p:txBody>
+              <a:bodyPr rtlCol="0" anchor="ctr"/>
+              <a:lstStyle/>
+              <a:p>
+                <a:pPr algn="ctr"/>
+                <a:endParaRPr lang="en-US" sz="1200">
+                  <a:latin typeface="Arial"/>
+                  <a:cs typeface="Arial"/>
+                </a:endParaRPr>
+              </a:p>
+            </p:txBody>
+          </p:sp>
+          <p:sp>
+            <p:nvSpPr>
+              <p:cNvPr id="2069" name="Oval 2068"/>
+              <p:cNvSpPr>
+                <a:spLocks noChangeAspect="1"/>
+              </p:cNvSpPr>
+              <p:nvPr/>
+            </p:nvSpPr>
+            <p:spPr>
+              <a:xfrm>
+                <a:off x="469345" y="5082465"/>
+                <a:ext cx="151415" cy="151415"/>
+              </a:xfrm>
+              <a:prstGeom prst="ellipse">
+                <a:avLst/>
+              </a:prstGeom>
+              <a:solidFill>
+                <a:schemeClr val="bg1"/>
+              </a:solidFill>
+            </p:spPr>
+            <p:style>
+              <a:lnRef idx="2">
+                <a:schemeClr val="dk1"/>
+              </a:lnRef>
+              <a:fillRef idx="1">
+                <a:schemeClr val="lt1"/>
+              </a:fillRef>
+              <a:effectRef idx="0">
+                <a:schemeClr val="dk1"/>
+              </a:effectRef>
+              <a:fontRef idx="minor">
+                <a:schemeClr val="dk1"/>
+              </a:fontRef>
+            </p:style>
+            <p:txBody>
+              <a:bodyPr rtlCol="0" anchor="ctr"/>
+              <a:lstStyle/>
+              <a:p>
+                <a:pPr algn="ctr"/>
+                <a:endParaRPr lang="en-US" sz="1200">
+                  <a:latin typeface="Arial"/>
+                  <a:cs typeface="Arial"/>
+                </a:endParaRPr>
+              </a:p>
+            </p:txBody>
+          </p:sp>
+          <p:sp>
+            <p:nvSpPr>
+              <p:cNvPr id="2070" name="Oval 2069"/>
+              <p:cNvSpPr>
+                <a:spLocks noChangeAspect="1"/>
+              </p:cNvSpPr>
+              <p:nvPr/>
+            </p:nvSpPr>
+            <p:spPr>
+              <a:xfrm>
+                <a:off x="2397293" y="5087723"/>
+                <a:ext cx="151415" cy="151415"/>
+              </a:xfrm>
+              <a:prstGeom prst="ellipse">
+                <a:avLst/>
+              </a:prstGeom>
+              <a:solidFill>
+                <a:schemeClr val="bg1"/>
+              </a:solidFill>
+            </p:spPr>
+            <p:style>
+              <a:lnRef idx="2">
+                <a:schemeClr val="dk1"/>
+              </a:lnRef>
+              <a:fillRef idx="1">
+                <a:schemeClr val="lt1"/>
+              </a:fillRef>
+              <a:effectRef idx="0">
+                <a:schemeClr val="dk1"/>
+              </a:effectRef>
+              <a:fontRef idx="minor">
+                <a:schemeClr val="dk1"/>
+              </a:fontRef>
+            </p:style>
+            <p:txBody>
+              <a:bodyPr rtlCol="0" anchor="ctr"/>
+              <a:lstStyle/>
+              <a:p>
+                <a:pPr algn="ctr"/>
+                <a:endParaRPr lang="en-US" sz="1200">
+                  <a:latin typeface="Arial"/>
+                  <a:cs typeface="Arial"/>
+                </a:endParaRPr>
+              </a:p>
+            </p:txBody>
+          </p:sp>
+          <p:sp>
+            <p:nvSpPr>
+              <p:cNvPr id="2071" name="Oval 2070"/>
+              <p:cNvSpPr>
+                <a:spLocks noChangeAspect="1"/>
+              </p:cNvSpPr>
+              <p:nvPr/>
+            </p:nvSpPr>
+            <p:spPr>
+              <a:xfrm>
+                <a:off x="3341576" y="5082465"/>
+                <a:ext cx="151415" cy="151415"/>
+              </a:xfrm>
+              <a:prstGeom prst="ellipse">
+                <a:avLst/>
+              </a:prstGeom>
+              <a:solidFill>
+                <a:schemeClr val="bg1"/>
+              </a:solidFill>
+            </p:spPr>
+            <p:style>
+              <a:lnRef idx="2">
+                <a:schemeClr val="dk1"/>
+              </a:lnRef>
+              <a:fillRef idx="1">
+                <a:schemeClr val="lt1"/>
+              </a:fillRef>
+              <a:effectRef idx="0">
+                <a:schemeClr val="dk1"/>
+              </a:effectRef>
+              <a:fontRef idx="minor">
+                <a:schemeClr val="dk1"/>
+              </a:fontRef>
+            </p:style>
+            <p:txBody>
+              <a:bodyPr rtlCol="0" anchor="ctr"/>
+              <a:lstStyle/>
+              <a:p>
+                <a:pPr algn="ctr"/>
+                <a:endParaRPr lang="en-US" sz="1200">
+                  <a:latin typeface="Arial"/>
+                  <a:cs typeface="Arial"/>
+                </a:endParaRPr>
+              </a:p>
+            </p:txBody>
+          </p:sp>
+          <p:cxnSp>
+            <p:nvCxnSpPr>
+              <p:cNvPr id="2072" name="Straight Connector 2071"/>
+              <p:cNvCxnSpPr>
+                <a:stCxn id="2074" idx="2"/>
+                <a:endCxn id="2076" idx="6"/>
+              </p:cNvCxnSpPr>
+              <p:nvPr/>
+            </p:nvCxnSpPr>
+            <p:spPr>
+              <a:xfrm>
+                <a:off x="464087" y="5568255"/>
+                <a:ext cx="3023647" cy="0"/>
+              </a:xfrm>
+              <a:prstGeom prst="line">
+                <a:avLst/>
+              </a:prstGeom>
+              <a:ln w="57150" cmpd="sng">
+                <a:solidFill>
+                  <a:schemeClr val="accent2"/>
+                </a:solidFill>
+                <a:prstDash val="solid"/>
+              </a:ln>
+            </p:spPr>
+            <p:style>
+              <a:lnRef idx="1">
+                <a:schemeClr val="dk1"/>
+              </a:lnRef>
+              <a:fillRef idx="0">
+                <a:schemeClr val="dk1"/>
+              </a:fillRef>
+              <a:effectRef idx="0">
+                <a:schemeClr val="dk1"/>
+              </a:effectRef>
+              <a:fontRef idx="minor">
+                <a:schemeClr val="tx1"/>
+              </a:fontRef>
+            </p:style>
+          </p:cxnSp>
+          <p:sp>
+            <p:nvSpPr>
+              <p:cNvPr id="2073" name="Oval 2072"/>
+              <p:cNvSpPr>
+                <a:spLocks noChangeAspect="1"/>
+              </p:cNvSpPr>
+              <p:nvPr/>
+            </p:nvSpPr>
+            <p:spPr>
+              <a:xfrm>
+                <a:off x="1398089" y="5493767"/>
+                <a:ext cx="151415" cy="151415"/>
+              </a:xfrm>
+              <a:prstGeom prst="ellipse">
+                <a:avLst/>
+              </a:prstGeom>
+              <a:solidFill>
+                <a:schemeClr val="bg1"/>
+              </a:solidFill>
+            </p:spPr>
+            <p:style>
+              <a:lnRef idx="2">
+                <a:schemeClr val="dk1"/>
+              </a:lnRef>
+              <a:fillRef idx="1">
+                <a:schemeClr val="lt1"/>
+              </a:fillRef>
+              <a:effectRef idx="0">
+                <a:schemeClr val="dk1"/>
+              </a:effectRef>
+              <a:fontRef idx="minor">
+                <a:schemeClr val="dk1"/>
+              </a:fontRef>
+            </p:style>
+            <p:txBody>
+              <a:bodyPr rtlCol="0" anchor="ctr"/>
+              <a:lstStyle/>
+              <a:p>
+                <a:pPr algn="ctr"/>
+                <a:endParaRPr lang="en-US" sz="1200">
+                  <a:latin typeface="Arial"/>
+                  <a:cs typeface="Arial"/>
+                </a:endParaRPr>
+              </a:p>
+            </p:txBody>
+          </p:sp>
+          <p:sp>
+            <p:nvSpPr>
+              <p:cNvPr id="2074" name="Oval 2073"/>
+              <p:cNvSpPr>
+                <a:spLocks noChangeAspect="1"/>
+              </p:cNvSpPr>
+              <p:nvPr/>
+            </p:nvSpPr>
+            <p:spPr>
+              <a:xfrm>
+                <a:off x="464087" y="5492547"/>
+                <a:ext cx="151415" cy="151415"/>
+              </a:xfrm>
+              <a:prstGeom prst="ellipse">
+                <a:avLst/>
+              </a:prstGeom>
+              <a:solidFill>
+                <a:schemeClr val="bg1"/>
+              </a:solidFill>
+            </p:spPr>
+            <p:style>
+              <a:lnRef idx="2">
+                <a:schemeClr val="dk1"/>
+              </a:lnRef>
+              <a:fillRef idx="1">
+                <a:schemeClr val="lt1"/>
+              </a:fillRef>
+              <a:effectRef idx="0">
+                <a:schemeClr val="dk1"/>
+              </a:effectRef>
+              <a:fontRef idx="minor">
+                <a:schemeClr val="dk1"/>
+              </a:fontRef>
+            </p:style>
+            <p:txBody>
+              <a:bodyPr rtlCol="0" anchor="ctr"/>
+              <a:lstStyle/>
+              <a:p>
+                <a:pPr algn="ctr"/>
+                <a:endParaRPr lang="en-US" sz="1200">
+                  <a:latin typeface="Arial"/>
+                  <a:cs typeface="Arial"/>
+                </a:endParaRPr>
+              </a:p>
+            </p:txBody>
+          </p:sp>
+          <p:sp>
+            <p:nvSpPr>
+              <p:cNvPr id="2075" name="Oval 2074"/>
+              <p:cNvSpPr>
+                <a:spLocks noChangeAspect="1"/>
+              </p:cNvSpPr>
+              <p:nvPr/>
+            </p:nvSpPr>
+            <p:spPr>
+              <a:xfrm>
+                <a:off x="2392035" y="5497805"/>
+                <a:ext cx="151415" cy="151415"/>
+              </a:xfrm>
+              <a:prstGeom prst="ellipse">
+                <a:avLst/>
+              </a:prstGeom>
+              <a:solidFill>
+                <a:schemeClr val="bg1"/>
+              </a:solidFill>
+            </p:spPr>
+            <p:style>
+              <a:lnRef idx="2">
+                <a:schemeClr val="dk1"/>
+              </a:lnRef>
+              <a:fillRef idx="1">
+                <a:schemeClr val="lt1"/>
+              </a:fillRef>
+              <a:effectRef idx="0">
+                <a:schemeClr val="dk1"/>
+              </a:effectRef>
+              <a:fontRef idx="minor">
+                <a:schemeClr val="dk1"/>
+              </a:fontRef>
+            </p:style>
+            <p:txBody>
+              <a:bodyPr rtlCol="0" anchor="ctr"/>
+              <a:lstStyle/>
+              <a:p>
+                <a:pPr algn="ctr"/>
+                <a:endParaRPr lang="en-US" sz="1200">
+                  <a:latin typeface="Arial"/>
+                  <a:cs typeface="Arial"/>
+                </a:endParaRPr>
+              </a:p>
+            </p:txBody>
+          </p:sp>
+          <p:sp>
+            <p:nvSpPr>
+              <p:cNvPr id="2076" name="Oval 2075"/>
+              <p:cNvSpPr>
+                <a:spLocks noChangeAspect="1"/>
+              </p:cNvSpPr>
+              <p:nvPr/>
+            </p:nvSpPr>
+            <p:spPr>
+              <a:xfrm>
+                <a:off x="3336319" y="5492547"/>
+                <a:ext cx="151415" cy="151415"/>
+              </a:xfrm>
+              <a:prstGeom prst="ellipse">
+                <a:avLst/>
+              </a:prstGeom>
+              <a:solidFill>
+                <a:schemeClr val="bg1"/>
+              </a:solidFill>
+            </p:spPr>
+            <p:style>
+              <a:lnRef idx="2">
+                <a:schemeClr val="dk1"/>
+              </a:lnRef>
+              <a:fillRef idx="1">
+                <a:schemeClr val="lt1"/>
+              </a:fillRef>
+              <a:effectRef idx="0">
+                <a:schemeClr val="dk1"/>
+              </a:effectRef>
+              <a:fontRef idx="minor">
+                <a:schemeClr val="dk1"/>
+              </a:fontRef>
+            </p:style>
+            <p:txBody>
+              <a:bodyPr rtlCol="0" anchor="ctr"/>
+              <a:lstStyle/>
+              <a:p>
+                <a:pPr algn="ctr"/>
+                <a:endParaRPr lang="en-US" sz="1200">
+                  <a:latin typeface="Arial"/>
+                  <a:cs typeface="Arial"/>
+                </a:endParaRPr>
+              </a:p>
+            </p:txBody>
+          </p:sp>
+          <p:cxnSp>
+            <p:nvCxnSpPr>
+              <p:cNvPr id="2077" name="Straight Connector 2076"/>
+              <p:cNvCxnSpPr>
+                <a:stCxn id="2078" idx="2"/>
+                <a:endCxn id="2080" idx="6"/>
+              </p:cNvCxnSpPr>
+              <p:nvPr/>
+            </p:nvCxnSpPr>
+            <p:spPr>
+              <a:xfrm>
+                <a:off x="469281" y="5978337"/>
+                <a:ext cx="3023646" cy="0"/>
+              </a:xfrm>
+              <a:prstGeom prst="line">
+                <a:avLst/>
+              </a:prstGeom>
+              <a:ln w="57150" cmpd="sng">
+                <a:solidFill>
+                  <a:srgbClr val="660066"/>
+                </a:solidFill>
+                <a:prstDash val="solid"/>
+              </a:ln>
+            </p:spPr>
+            <p:style>
+              <a:lnRef idx="1">
+                <a:schemeClr val="dk1"/>
+              </a:lnRef>
+              <a:fillRef idx="0">
+                <a:schemeClr val="dk1"/>
+              </a:fillRef>
+              <a:effectRef idx="0">
+                <a:schemeClr val="dk1"/>
+              </a:effectRef>
+              <a:fontRef idx="minor">
+                <a:schemeClr val="tx1"/>
+              </a:fontRef>
+            </p:style>
+          </p:cxnSp>
+          <p:sp>
+            <p:nvSpPr>
+              <p:cNvPr id="2078" name="Oval 2077"/>
+              <p:cNvSpPr>
+                <a:spLocks noChangeAspect="1"/>
+              </p:cNvSpPr>
+              <p:nvPr/>
+            </p:nvSpPr>
+            <p:spPr>
+              <a:xfrm>
+                <a:off x="469281" y="5902629"/>
+                <a:ext cx="151415" cy="151415"/>
+              </a:xfrm>
+              <a:prstGeom prst="ellipse">
+                <a:avLst/>
+              </a:prstGeom>
+              <a:solidFill>
+                <a:schemeClr val="bg1"/>
+              </a:solidFill>
+            </p:spPr>
+            <p:style>
+              <a:lnRef idx="2">
+                <a:schemeClr val="dk1"/>
+              </a:lnRef>
+              <a:fillRef idx="1">
+                <a:schemeClr val="lt1"/>
+              </a:fillRef>
+              <a:effectRef idx="0">
+                <a:schemeClr val="dk1"/>
+              </a:effectRef>
+              <a:fontRef idx="minor">
+                <a:schemeClr val="dk1"/>
+              </a:fontRef>
+            </p:style>
+            <p:txBody>
+              <a:bodyPr rtlCol="0" anchor="ctr"/>
+              <a:lstStyle/>
+              <a:p>
+                <a:pPr algn="ctr"/>
+                <a:endParaRPr lang="en-US" sz="1200">
+                  <a:latin typeface="Arial"/>
+                  <a:cs typeface="Arial"/>
+                </a:endParaRPr>
+              </a:p>
+            </p:txBody>
+          </p:sp>
+          <p:sp>
+            <p:nvSpPr>
+              <p:cNvPr id="2079" name="Oval 2078"/>
+              <p:cNvSpPr>
+                <a:spLocks noChangeAspect="1"/>
+              </p:cNvSpPr>
+              <p:nvPr/>
+            </p:nvSpPr>
+            <p:spPr>
+              <a:xfrm>
+                <a:off x="2397229" y="5907886"/>
+                <a:ext cx="151415" cy="151415"/>
+              </a:xfrm>
+              <a:prstGeom prst="ellipse">
+                <a:avLst/>
+              </a:prstGeom>
+              <a:solidFill>
+                <a:schemeClr val="bg1"/>
+              </a:solidFill>
+            </p:spPr>
+            <p:style>
+              <a:lnRef idx="2">
+                <a:schemeClr val="dk1"/>
+              </a:lnRef>
+              <a:fillRef idx="1">
+                <a:schemeClr val="lt1"/>
+              </a:fillRef>
+              <a:effectRef idx="0">
+                <a:schemeClr val="dk1"/>
+              </a:effectRef>
+              <a:fontRef idx="minor">
+                <a:schemeClr val="dk1"/>
+              </a:fontRef>
+            </p:style>
+            <p:txBody>
+              <a:bodyPr rtlCol="0" anchor="ctr"/>
+              <a:lstStyle/>
+              <a:p>
+                <a:pPr algn="ctr"/>
+                <a:endParaRPr lang="en-US" sz="1200">
+                  <a:latin typeface="Arial"/>
+                  <a:cs typeface="Arial"/>
+                </a:endParaRPr>
+              </a:p>
+            </p:txBody>
+          </p:sp>
+          <p:sp>
+            <p:nvSpPr>
+              <p:cNvPr id="2080" name="Oval 2079"/>
+              <p:cNvSpPr>
+                <a:spLocks noChangeAspect="1"/>
+              </p:cNvSpPr>
+              <p:nvPr/>
+            </p:nvSpPr>
+            <p:spPr>
+              <a:xfrm>
+                <a:off x="3341512" y="5902629"/>
+                <a:ext cx="151415" cy="151415"/>
+              </a:xfrm>
+              <a:prstGeom prst="ellipse">
+                <a:avLst/>
+              </a:prstGeom>
+              <a:solidFill>
+                <a:schemeClr val="bg1"/>
+              </a:solidFill>
+            </p:spPr>
+            <p:style>
+              <a:lnRef idx="2">
+                <a:schemeClr val="dk1"/>
+              </a:lnRef>
+              <a:fillRef idx="1">
+                <a:schemeClr val="lt1"/>
+              </a:fillRef>
+              <a:effectRef idx="0">
+                <a:schemeClr val="dk1"/>
+              </a:effectRef>
+              <a:fontRef idx="minor">
+                <a:schemeClr val="dk1"/>
+              </a:fontRef>
+            </p:style>
+            <p:txBody>
+              <a:bodyPr rtlCol="0" anchor="ctr"/>
+              <a:lstStyle/>
+              <a:p>
+                <a:pPr algn="ctr"/>
+                <a:endParaRPr lang="en-US" sz="1200">
+                  <a:latin typeface="Arial"/>
+                  <a:cs typeface="Arial"/>
+                </a:endParaRPr>
+              </a:p>
+            </p:txBody>
+          </p:sp>
+          <p:sp>
+            <p:nvSpPr>
+              <p:cNvPr id="2081" name="Oval 2080"/>
+              <p:cNvSpPr>
+                <a:spLocks noChangeAspect="1"/>
+              </p:cNvSpPr>
+              <p:nvPr/>
+            </p:nvSpPr>
+            <p:spPr>
+              <a:xfrm>
+                <a:off x="1403283" y="5903850"/>
+                <a:ext cx="151415" cy="151415"/>
+              </a:xfrm>
+              <a:prstGeom prst="ellipse">
+                <a:avLst/>
+              </a:prstGeom>
+              <a:solidFill>
+                <a:schemeClr val="bg1"/>
+              </a:solidFill>
+            </p:spPr>
+            <p:style>
+              <a:lnRef idx="2">
+                <a:schemeClr val="dk1"/>
+              </a:lnRef>
+              <a:fillRef idx="1">
+                <a:schemeClr val="lt1"/>
+              </a:fillRef>
+              <a:effectRef idx="0">
+                <a:schemeClr val="dk1"/>
+              </a:effectRef>
+              <a:fontRef idx="minor">
+                <a:schemeClr val="dk1"/>
+              </a:fontRef>
+            </p:style>
+            <p:txBody>
+              <a:bodyPr rtlCol="0" anchor="ctr"/>
+              <a:lstStyle/>
+              <a:p>
+                <a:pPr algn="ctr"/>
+                <a:endParaRPr lang="en-US" sz="1200">
+                  <a:latin typeface="Arial"/>
+                  <a:cs typeface="Arial"/>
+                </a:endParaRPr>
+              </a:p>
+            </p:txBody>
+          </p:sp>
+        </p:grpSp>
+        <p:sp>
+          <p:nvSpPr>
+            <p:cNvPr id="2058" name="TextBox 2057"/>
+            <p:cNvSpPr txBox="1"/>
+            <p:nvPr/>
+          </p:nvSpPr>
+          <p:spPr>
+            <a:xfrm>
+              <a:off x="5093208" y="384048"/>
+              <a:ext cx="805877" cy="276999"/>
+            </a:xfrm>
+            <a:prstGeom prst="rect">
+              <a:avLst/>
+            </a:prstGeom>
+            <a:noFill/>
+          </p:spPr>
+          <p:txBody>
+            <a:bodyPr wrap="square" rtlCol="0" anchor="ctr">
+              <a:spAutoFit/>
+            </a:bodyPr>
+            <a:lstStyle/>
+            <a:p>
+              <a:pPr algn="ctr"/>
+              <a:r>
+                <a:rPr lang="en-US" sz="1200" b="1" dirty="0" smtClean="0">
+                  <a:solidFill>
+                    <a:srgbClr val="660066"/>
+                  </a:solidFill>
+                  <a:latin typeface="Arial"/>
+                  <a:cs typeface="Arial"/>
+                </a:rPr>
+                <a:t>3</a:t>
+              </a:r>
+              <a:endParaRPr lang="en-US" sz="1200" b="1" dirty="0">
+                <a:solidFill>
+                  <a:srgbClr val="660066"/>
+                </a:solidFill>
+                <a:latin typeface="Arial"/>
+                <a:cs typeface="Arial"/>
+              </a:endParaRPr>
+            </a:p>
+          </p:txBody>
+        </p:sp>
+        <p:sp>
+          <p:nvSpPr>
+            <p:cNvPr id="2059" name="TextBox 2058"/>
+            <p:cNvSpPr txBox="1"/>
+            <p:nvPr/>
+          </p:nvSpPr>
+          <p:spPr>
+            <a:xfrm>
+              <a:off x="4690872" y="381235"/>
+              <a:ext cx="805877" cy="276999"/>
+            </a:xfrm>
+            <a:prstGeom prst="rect">
+              <a:avLst/>
+            </a:prstGeom>
+            <a:noFill/>
+          </p:spPr>
+          <p:txBody>
+            <a:bodyPr wrap="square" rtlCol="0" anchor="ctr">
+              <a:spAutoFit/>
+            </a:bodyPr>
+            <a:lstStyle/>
+            <a:p>
+              <a:pPr algn="ctr"/>
+              <a:r>
+                <a:rPr lang="en-US" sz="1200" b="1" dirty="0" smtClean="0">
+                  <a:solidFill>
+                    <a:schemeClr val="accent2"/>
+                  </a:solidFill>
+                  <a:latin typeface="Arial"/>
+                  <a:cs typeface="Arial"/>
+                </a:rPr>
+                <a:t>2</a:t>
+              </a:r>
+              <a:endParaRPr lang="en-US" sz="1200" b="1" dirty="0">
+                <a:solidFill>
+                  <a:schemeClr val="accent2"/>
+                </a:solidFill>
+                <a:latin typeface="Arial"/>
+                <a:cs typeface="Arial"/>
+              </a:endParaRPr>
+            </a:p>
+          </p:txBody>
+        </p:sp>
+        <p:sp>
+          <p:nvSpPr>
+            <p:cNvPr id="2060" name="TextBox 2059"/>
+            <p:cNvSpPr txBox="1"/>
+            <p:nvPr/>
+          </p:nvSpPr>
+          <p:spPr>
+            <a:xfrm>
+              <a:off x="4274586" y="384048"/>
+              <a:ext cx="805877" cy="276999"/>
+            </a:xfrm>
+            <a:prstGeom prst="rect">
+              <a:avLst/>
+            </a:prstGeom>
+            <a:noFill/>
+          </p:spPr>
+          <p:txBody>
+            <a:bodyPr wrap="square" rtlCol="0" anchor="ctr">
+              <a:spAutoFit/>
+            </a:bodyPr>
+            <a:lstStyle/>
+            <a:p>
+              <a:pPr algn="ctr"/>
+              <a:r>
+                <a:rPr lang="en-US" sz="1200" b="1" dirty="0" smtClean="0">
+                  <a:solidFill>
+                    <a:schemeClr val="accent1"/>
+                  </a:solidFill>
+                  <a:latin typeface="Arial"/>
+                  <a:cs typeface="Arial"/>
+                </a:rPr>
+                <a:t>1</a:t>
+              </a:r>
+              <a:endParaRPr lang="en-US" sz="1200" b="1" dirty="0">
+                <a:solidFill>
+                  <a:schemeClr val="accent1"/>
+                </a:solidFill>
+                <a:latin typeface="Arial"/>
+                <a:cs typeface="Arial"/>
+              </a:endParaRPr>
+            </a:p>
+          </p:txBody>
+        </p:sp>
+        <p:sp>
+          <p:nvSpPr>
+            <p:cNvPr id="2061" name="TextBox 2060"/>
+            <p:cNvSpPr txBox="1"/>
+            <p:nvPr/>
+          </p:nvSpPr>
+          <p:spPr>
+            <a:xfrm>
+              <a:off x="4276445" y="-53138"/>
+              <a:ext cx="332844" cy="338554"/>
+            </a:xfrm>
+            <a:prstGeom prst="rect">
+              <a:avLst/>
+            </a:prstGeom>
+            <a:noFill/>
+          </p:spPr>
+          <p:txBody>
+            <a:bodyPr wrap="none" rtlCol="0">
+              <a:spAutoFit/>
+            </a:bodyPr>
+            <a:lstStyle/>
+            <a:p>
+              <a:r>
+                <a:rPr lang="en-US" sz="1600" b="1" dirty="0" smtClean="0">
+                  <a:latin typeface="Arial"/>
+                  <a:cs typeface="Arial"/>
+                </a:rPr>
+                <a:t>B</a:t>
+              </a:r>
+              <a:endParaRPr lang="en-US" sz="1600" b="1" dirty="0">
+                <a:latin typeface="Arial"/>
+                <a:cs typeface="Arial"/>
+              </a:endParaRPr>
+            </a:p>
+          </p:txBody>
+        </p:sp>
+        <p:sp>
+          <p:nvSpPr>
+            <p:cNvPr id="2062" name="TextBox 2061"/>
+            <p:cNvSpPr txBox="1"/>
+            <p:nvPr/>
+          </p:nvSpPr>
+          <p:spPr>
+            <a:xfrm>
+              <a:off x="5573396" y="1479788"/>
+              <a:ext cx="1181192" cy="461665"/>
+            </a:xfrm>
+            <a:prstGeom prst="rect">
+              <a:avLst/>
+            </a:prstGeom>
+            <a:noFill/>
+            <a:ln>
+              <a:noFill/>
+            </a:ln>
+          </p:spPr>
+          <p:txBody>
+            <a:bodyPr wrap="square" rtlCol="0" anchor="ctr">
+              <a:spAutoFit/>
+            </a:bodyPr>
+            <a:lstStyle/>
+            <a:p>
+              <a:r>
+                <a:rPr lang="en-US" sz="1200" b="1" dirty="0" smtClean="0">
+                  <a:latin typeface="Arial"/>
+                  <a:cs typeface="Arial"/>
+                </a:rPr>
+                <a:t>transfection supernatant</a:t>
+              </a:r>
+              <a:endParaRPr lang="en-US" sz="1200" b="1" dirty="0">
+                <a:latin typeface="Arial"/>
+                <a:cs typeface="Arial"/>
+              </a:endParaRPr>
+            </a:p>
+          </p:txBody>
+        </p:sp>
+        <p:sp>
+          <p:nvSpPr>
+            <p:cNvPr id="2063" name="TextBox 2062"/>
+            <p:cNvSpPr txBox="1"/>
+            <p:nvPr/>
+          </p:nvSpPr>
+          <p:spPr>
+            <a:xfrm>
+              <a:off x="5578653" y="524901"/>
+              <a:ext cx="846656" cy="461665"/>
+            </a:xfrm>
+            <a:prstGeom prst="rect">
+              <a:avLst/>
+            </a:prstGeom>
+            <a:noFill/>
+            <a:ln>
+              <a:noFill/>
+            </a:ln>
+          </p:spPr>
+          <p:txBody>
+            <a:bodyPr wrap="square" rtlCol="0" anchor="ctr">
+              <a:spAutoFit/>
+            </a:bodyPr>
+            <a:lstStyle/>
+            <a:p>
+              <a:r>
+                <a:rPr lang="en-US" sz="1200" b="1" dirty="0" smtClean="0">
+                  <a:latin typeface="Arial"/>
+                  <a:cs typeface="Arial"/>
+                </a:rPr>
+                <a:t>mutant plasmids</a:t>
+              </a:r>
+              <a:endParaRPr lang="en-US" sz="1200" b="1" dirty="0">
+                <a:latin typeface="Arial"/>
+                <a:cs typeface="Arial"/>
+              </a:endParaRPr>
+            </a:p>
+          </p:txBody>
+        </p:sp>
+        <p:sp>
+          <p:nvSpPr>
+            <p:cNvPr id="2064" name="TextBox 2063"/>
+            <p:cNvSpPr txBox="1"/>
+            <p:nvPr/>
+          </p:nvSpPr>
+          <p:spPr>
+            <a:xfrm>
+              <a:off x="5573396" y="2433527"/>
+              <a:ext cx="1048093" cy="461665"/>
+            </a:xfrm>
+            <a:prstGeom prst="rect">
+              <a:avLst/>
+            </a:prstGeom>
+            <a:noFill/>
+            <a:ln>
+              <a:noFill/>
+            </a:ln>
+          </p:spPr>
+          <p:txBody>
+            <a:bodyPr wrap="square" rtlCol="0" anchor="ctr">
+              <a:spAutoFit/>
+            </a:bodyPr>
+            <a:lstStyle/>
+            <a:p>
+              <a:r>
+                <a:rPr lang="en-US" sz="1200" b="1" dirty="0" smtClean="0">
+                  <a:latin typeface="Arial"/>
+                  <a:cs typeface="Arial"/>
+                </a:rPr>
+                <a:t>passaged virus</a:t>
+              </a:r>
+            </a:p>
+          </p:txBody>
+        </p:sp>
+        <p:sp>
+          <p:nvSpPr>
+            <p:cNvPr id="2065" name="TextBox 2064"/>
+            <p:cNvSpPr txBox="1"/>
+            <p:nvPr/>
+          </p:nvSpPr>
+          <p:spPr>
+            <a:xfrm>
+              <a:off x="5578653" y="3383280"/>
+              <a:ext cx="1048093" cy="461665"/>
+            </a:xfrm>
+            <a:prstGeom prst="rect">
+              <a:avLst/>
+            </a:prstGeom>
+            <a:noFill/>
+            <a:ln>
+              <a:noFill/>
+            </a:ln>
+          </p:spPr>
+          <p:txBody>
+            <a:bodyPr wrap="square" rtlCol="0" anchor="ctr">
+              <a:spAutoFit/>
+            </a:bodyPr>
+            <a:lstStyle/>
+            <a:p>
+              <a:r>
+                <a:rPr lang="en-US" sz="1200" b="1" dirty="0" smtClean="0">
+                  <a:latin typeface="Arial"/>
+                  <a:cs typeface="Arial"/>
+                </a:rPr>
+                <a:t>12-hour infection</a:t>
+              </a:r>
+            </a:p>
+          </p:txBody>
+        </p:sp>
+        <p:sp>
+          <p:nvSpPr>
+            <p:cNvPr id="2066" name="TextBox 2065"/>
+            <p:cNvSpPr txBox="1"/>
+            <p:nvPr/>
+          </p:nvSpPr>
+          <p:spPr>
+            <a:xfrm>
+              <a:off x="4627811" y="131528"/>
+              <a:ext cx="950842" cy="276999"/>
+            </a:xfrm>
+            <a:prstGeom prst="rect">
+              <a:avLst/>
+            </a:prstGeom>
+            <a:noFill/>
+          </p:spPr>
+          <p:txBody>
+            <a:bodyPr wrap="square" rtlCol="0" anchor="ctr">
+              <a:spAutoFit/>
+            </a:bodyPr>
+            <a:lstStyle/>
+            <a:p>
+              <a:pPr algn="ctr"/>
+              <a:r>
+                <a:rPr lang="en-US" sz="1200" b="1" dirty="0">
+                  <a:latin typeface="Arial"/>
+                  <a:cs typeface="Arial"/>
+                </a:rPr>
+                <a:t>r</a:t>
+              </a:r>
+              <a:r>
+                <a:rPr lang="en-US" sz="1200" b="1" dirty="0" smtClean="0">
+                  <a:latin typeface="Arial"/>
+                  <a:cs typeface="Arial"/>
+                </a:rPr>
+                <a:t>eplicates</a:t>
+              </a:r>
+              <a:endParaRPr lang="en-US" sz="1200" b="1" dirty="0">
+                <a:latin typeface="Arial"/>
+                <a:cs typeface="Arial"/>
+              </a:endParaRPr>
+            </a:p>
+          </p:txBody>
+        </p:sp>
+      </p:grpSp>
     </p:spTree>
     <p:extLst>
       <p:ext uri="{BB962C8B-B14F-4D97-AF65-F5344CB8AC3E}">

--- a/paper/figures/dms_schematic/dms_schematic.pptx
+++ b/paper/figures/dms_schematic/dms_schematic.pptx
@@ -288,7 +288,7 @@
           <a:p>
             <a:fld id="{B1E60CEC-8CC6-8B48-9CD4-E19D93CC4CEE}" type="datetimeFigureOut">
               <a:rPr lang="en-US" smtClean="0"/>
-              <a:t>10/30/17</a:t>
+              <a:t>11/4/17</a:t>
             </a:fld>
             <a:endParaRPr lang="en-US"/>
           </a:p>
@@ -458,7 +458,7 @@
           <a:p>
             <a:fld id="{B1E60CEC-8CC6-8B48-9CD4-E19D93CC4CEE}" type="datetimeFigureOut">
               <a:rPr lang="en-US" smtClean="0"/>
-              <a:t>10/30/17</a:t>
+              <a:t>11/4/17</a:t>
             </a:fld>
             <a:endParaRPr lang="en-US"/>
           </a:p>
@@ -638,7 +638,7 @@
           <a:p>
             <a:fld id="{B1E60CEC-8CC6-8B48-9CD4-E19D93CC4CEE}" type="datetimeFigureOut">
               <a:rPr lang="en-US" smtClean="0"/>
-              <a:t>10/30/17</a:t>
+              <a:t>11/4/17</a:t>
             </a:fld>
             <a:endParaRPr lang="en-US"/>
           </a:p>
@@ -808,7 +808,7 @@
           <a:p>
             <a:fld id="{B1E60CEC-8CC6-8B48-9CD4-E19D93CC4CEE}" type="datetimeFigureOut">
               <a:rPr lang="en-US" smtClean="0"/>
-              <a:t>10/30/17</a:t>
+              <a:t>11/4/17</a:t>
             </a:fld>
             <a:endParaRPr lang="en-US"/>
           </a:p>
@@ -1054,7 +1054,7 @@
           <a:p>
             <a:fld id="{B1E60CEC-8CC6-8B48-9CD4-E19D93CC4CEE}" type="datetimeFigureOut">
               <a:rPr lang="en-US" smtClean="0"/>
-              <a:t>10/30/17</a:t>
+              <a:t>11/4/17</a:t>
             </a:fld>
             <a:endParaRPr lang="en-US"/>
           </a:p>
@@ -1342,7 +1342,7 @@
           <a:p>
             <a:fld id="{B1E60CEC-8CC6-8B48-9CD4-E19D93CC4CEE}" type="datetimeFigureOut">
               <a:rPr lang="en-US" smtClean="0"/>
-              <a:t>10/30/17</a:t>
+              <a:t>11/4/17</a:t>
             </a:fld>
             <a:endParaRPr lang="en-US"/>
           </a:p>
@@ -1769,7 +1769,7 @@
           <a:p>
             <a:fld id="{B1E60CEC-8CC6-8B48-9CD4-E19D93CC4CEE}" type="datetimeFigureOut">
               <a:rPr lang="en-US" smtClean="0"/>
-              <a:t>10/30/17</a:t>
+              <a:t>11/4/17</a:t>
             </a:fld>
             <a:endParaRPr lang="en-US"/>
           </a:p>
@@ -1887,7 +1887,7 @@
           <a:p>
             <a:fld id="{B1E60CEC-8CC6-8B48-9CD4-E19D93CC4CEE}" type="datetimeFigureOut">
               <a:rPr lang="en-US" smtClean="0"/>
-              <a:t>10/30/17</a:t>
+              <a:t>11/4/17</a:t>
             </a:fld>
             <a:endParaRPr lang="en-US"/>
           </a:p>
@@ -1982,7 +1982,7 @@
           <a:p>
             <a:fld id="{B1E60CEC-8CC6-8B48-9CD4-E19D93CC4CEE}" type="datetimeFigureOut">
               <a:rPr lang="en-US" smtClean="0"/>
-              <a:t>10/30/17</a:t>
+              <a:t>11/4/17</a:t>
             </a:fld>
             <a:endParaRPr lang="en-US"/>
           </a:p>
@@ -2259,7 +2259,7 @@
           <a:p>
             <a:fld id="{B1E60CEC-8CC6-8B48-9CD4-E19D93CC4CEE}" type="datetimeFigureOut">
               <a:rPr lang="en-US" smtClean="0"/>
-              <a:t>10/30/17</a:t>
+              <a:t>11/4/17</a:t>
             </a:fld>
             <a:endParaRPr lang="en-US"/>
           </a:p>
@@ -2512,7 +2512,7 @@
           <a:p>
             <a:fld id="{B1E60CEC-8CC6-8B48-9CD4-E19D93CC4CEE}" type="datetimeFigureOut">
               <a:rPr lang="en-US" smtClean="0"/>
-              <a:t>10/30/17</a:t>
+              <a:t>11/4/17</a:t>
             </a:fld>
             <a:endParaRPr lang="en-US"/>
           </a:p>
@@ -2725,7 +2725,7 @@
           <a:p>
             <a:fld id="{B1E60CEC-8CC6-8B48-9CD4-E19D93CC4CEE}" type="datetimeFigureOut">
               <a:rPr lang="en-US" smtClean="0"/>
-              <a:t>10/30/17</a:t>
+              <a:t>11/4/17</a:t>
             </a:fld>
             <a:endParaRPr lang="en-US"/>
           </a:p>
@@ -3230,8 +3230,8 @@
         </p:nvSpPr>
         <p:spPr>
           <a:xfrm>
-            <a:off x="3053748" y="1293028"/>
-            <a:ext cx="1057523" cy="461665"/>
+            <a:off x="3172429" y="1293028"/>
+            <a:ext cx="817651" cy="461665"/>
           </a:xfrm>
           <a:prstGeom prst="rect">
             <a:avLst/>
@@ -3249,14 +3249,17 @@
           </a:bodyPr>
           <a:lstStyle/>
           <a:p>
-            <a:pPr algn="ctr"/>
             <a:r>
               <a:rPr lang="en-US" sz="1200" b="1" dirty="0" smtClean="0">
                 <a:latin typeface="Arial"/>
                 <a:cs typeface="Arial"/>
               </a:rPr>
-              <a:t>12-hour infection</a:t>
+              <a:t>short infection</a:t>
             </a:r>
+            <a:endParaRPr lang="en-US" sz="1200" b="1" dirty="0" smtClean="0">
+              <a:latin typeface="Arial"/>
+              <a:cs typeface="Arial"/>
+            </a:endParaRPr>
           </a:p>
         </p:txBody>
       </p:sp>

--- a/paper/figures/dms_schematic/dms_schematic.pptx
+++ b/paper/figures/dms_schematic/dms_schematic.pptx
@@ -106,7 +106,7 @@
   </p:defaultTextStyle>
   <p:extLst>
     <p:ext uri="{EFAFB233-063F-42B5-8137-9DF3F51BA10A}">
-      <p15:sldGuideLst xmlns:p15="http://schemas.microsoft.com/office/powerpoint/2012/main">
+      <p15:sldGuideLst xmlns:p15="http://schemas.microsoft.com/office/powerpoint/2012/main" xmlns="">
         <p15:guide id="1" orient="horz" pos="1239" userDrawn="1">
           <p15:clr>
             <a:srgbClr val="A4A3A4"/>
@@ -304,7 +304,7 @@
           <a:p>
             <a:fld id="{B1E60CEC-8CC6-8B48-9CD4-E19D93CC4CEE}" type="datetimeFigureOut">
               <a:rPr lang="en-US" smtClean="0"/>
-              <a:t>12/1/17</a:t>
+              <a:t>12/12/17</a:t>
             </a:fld>
             <a:endParaRPr lang="en-US"/>
           </a:p>
@@ -474,7 +474,7 @@
           <a:p>
             <a:fld id="{B1E60CEC-8CC6-8B48-9CD4-E19D93CC4CEE}" type="datetimeFigureOut">
               <a:rPr lang="en-US" smtClean="0"/>
-              <a:t>12/1/17</a:t>
+              <a:t>12/12/17</a:t>
             </a:fld>
             <a:endParaRPr lang="en-US"/>
           </a:p>
@@ -654,7 +654,7 @@
           <a:p>
             <a:fld id="{B1E60CEC-8CC6-8B48-9CD4-E19D93CC4CEE}" type="datetimeFigureOut">
               <a:rPr lang="en-US" smtClean="0"/>
-              <a:t>12/1/17</a:t>
+              <a:t>12/12/17</a:t>
             </a:fld>
             <a:endParaRPr lang="en-US"/>
           </a:p>
@@ -824,7 +824,7 @@
           <a:p>
             <a:fld id="{B1E60CEC-8CC6-8B48-9CD4-E19D93CC4CEE}" type="datetimeFigureOut">
               <a:rPr lang="en-US" smtClean="0"/>
-              <a:t>12/1/17</a:t>
+              <a:t>12/12/17</a:t>
             </a:fld>
             <a:endParaRPr lang="en-US"/>
           </a:p>
@@ -1070,7 +1070,7 @@
           <a:p>
             <a:fld id="{B1E60CEC-8CC6-8B48-9CD4-E19D93CC4CEE}" type="datetimeFigureOut">
               <a:rPr lang="en-US" smtClean="0"/>
-              <a:t>12/1/17</a:t>
+              <a:t>12/12/17</a:t>
             </a:fld>
             <a:endParaRPr lang="en-US"/>
           </a:p>
@@ -1358,7 +1358,7 @@
           <a:p>
             <a:fld id="{B1E60CEC-8CC6-8B48-9CD4-E19D93CC4CEE}" type="datetimeFigureOut">
               <a:rPr lang="en-US" smtClean="0"/>
-              <a:t>12/1/17</a:t>
+              <a:t>12/12/17</a:t>
             </a:fld>
             <a:endParaRPr lang="en-US"/>
           </a:p>
@@ -1785,7 +1785,7 @@
           <a:p>
             <a:fld id="{B1E60CEC-8CC6-8B48-9CD4-E19D93CC4CEE}" type="datetimeFigureOut">
               <a:rPr lang="en-US" smtClean="0"/>
-              <a:t>12/1/17</a:t>
+              <a:t>12/12/17</a:t>
             </a:fld>
             <a:endParaRPr lang="en-US"/>
           </a:p>
@@ -1903,7 +1903,7 @@
           <a:p>
             <a:fld id="{B1E60CEC-8CC6-8B48-9CD4-E19D93CC4CEE}" type="datetimeFigureOut">
               <a:rPr lang="en-US" smtClean="0"/>
-              <a:t>12/1/17</a:t>
+              <a:t>12/12/17</a:t>
             </a:fld>
             <a:endParaRPr lang="en-US"/>
           </a:p>
@@ -1998,7 +1998,7 @@
           <a:p>
             <a:fld id="{B1E60CEC-8CC6-8B48-9CD4-E19D93CC4CEE}" type="datetimeFigureOut">
               <a:rPr lang="en-US" smtClean="0"/>
-              <a:t>12/1/17</a:t>
+              <a:t>12/12/17</a:t>
             </a:fld>
             <a:endParaRPr lang="en-US"/>
           </a:p>
@@ -2275,7 +2275,7 @@
           <a:p>
             <a:fld id="{B1E60CEC-8CC6-8B48-9CD4-E19D93CC4CEE}" type="datetimeFigureOut">
               <a:rPr lang="en-US" smtClean="0"/>
-              <a:t>12/1/17</a:t>
+              <a:t>12/12/17</a:t>
             </a:fld>
             <a:endParaRPr lang="en-US"/>
           </a:p>
@@ -2528,7 +2528,7 @@
           <a:p>
             <a:fld id="{B1E60CEC-8CC6-8B48-9CD4-E19D93CC4CEE}" type="datetimeFigureOut">
               <a:rPr lang="en-US" smtClean="0"/>
-              <a:t>12/1/17</a:t>
+              <a:t>12/12/17</a:t>
             </a:fld>
             <a:endParaRPr lang="en-US"/>
           </a:p>
@@ -2741,7 +2741,7 @@
           <a:p>
             <a:fld id="{B1E60CEC-8CC6-8B48-9CD4-E19D93CC4CEE}" type="datetimeFigureOut">
               <a:rPr lang="en-US" smtClean="0"/>
-              <a:t>12/1/17</a:t>
+              <a:t>12/12/17</a:t>
             </a:fld>
             <a:endParaRPr lang="en-US"/>
           </a:p>
@@ -3210,10 +3210,12 @@
               <a:prstGeom prst="ellipse">
                 <a:avLst/>
               </a:prstGeom>
-              <a:grpFill/>
+              <a:solidFill>
+                <a:srgbClr val="008000"/>
+              </a:solidFill>
               <a:ln w="3175" cmpd="sng">
                 <a:solidFill>
-                  <a:schemeClr val="accent2"/>
+                  <a:srgbClr val="008000"/>
                 </a:solidFill>
               </a:ln>
             </p:spPr>
@@ -3259,10 +3261,12 @@
               <a:prstGeom prst="ellipse">
                 <a:avLst/>
               </a:prstGeom>
-              <a:grpFill/>
+              <a:solidFill>
+                <a:srgbClr val="008000"/>
+              </a:solidFill>
               <a:ln w="3175" cmpd="sng">
                 <a:solidFill>
-                  <a:schemeClr val="accent2"/>
+                  <a:srgbClr val="008000"/>
                 </a:solidFill>
               </a:ln>
             </p:spPr>
@@ -3308,10 +3312,12 @@
               <a:prstGeom prst="ellipse">
                 <a:avLst/>
               </a:prstGeom>
-              <a:grpFill/>
+              <a:solidFill>
+                <a:srgbClr val="008000"/>
+              </a:solidFill>
               <a:ln w="3175" cmpd="sng">
                 <a:solidFill>
-                  <a:schemeClr val="accent2"/>
+                  <a:srgbClr val="008000"/>
                 </a:solidFill>
               </a:ln>
             </p:spPr>
@@ -4085,7 +4091,7 @@
               </a:custGeom>
               <a:ln w="38100" cmpd="sng">
                 <a:solidFill>
-                  <a:schemeClr val="accent2"/>
+                  <a:srgbClr val="008000"/>
                 </a:solidFill>
               </a:ln>
             </p:spPr>
@@ -4147,11 +4153,11 @@
                   <a:avLst/>
                 </a:prstGeom>
                 <a:solidFill>
-                  <a:srgbClr val="C0504D"/>
+                  <a:srgbClr val="008000"/>
                 </a:solidFill>
                 <a:ln w="3175" cmpd="sng">
                   <a:solidFill>
-                    <a:schemeClr val="accent2"/>
+                    <a:srgbClr val="008000"/>
                   </a:solidFill>
                 </a:ln>
               </p:spPr>
@@ -4198,11 +4204,11 @@
                   <a:avLst/>
                 </a:prstGeom>
                 <a:solidFill>
-                  <a:srgbClr val="C0504D"/>
+                  <a:srgbClr val="008000"/>
                 </a:solidFill>
                 <a:ln w="3175" cmpd="sng">
                   <a:solidFill>
-                    <a:schemeClr val="accent2"/>
+                    <a:srgbClr val="008000"/>
                   </a:solidFill>
                 </a:ln>
               </p:spPr>
@@ -4249,11 +4255,11 @@
                   <a:avLst/>
                 </a:prstGeom>
                 <a:solidFill>
-                  <a:srgbClr val="C0504D"/>
+                  <a:srgbClr val="008000"/>
                 </a:solidFill>
                 <a:ln w="3175" cmpd="sng">
                   <a:solidFill>
-                    <a:schemeClr val="accent2"/>
+                    <a:srgbClr val="008000"/>
                   </a:solidFill>
                 </a:ln>
               </p:spPr>
@@ -4300,11 +4306,11 @@
                   <a:avLst/>
                 </a:prstGeom>
                 <a:solidFill>
-                  <a:srgbClr val="C0504D"/>
+                  <a:srgbClr val="008000"/>
                 </a:solidFill>
                 <a:ln w="3175" cmpd="sng">
                   <a:solidFill>
-                    <a:schemeClr val="accent2"/>
+                    <a:srgbClr val="008000"/>
                   </a:solidFill>
                 </a:ln>
               </p:spPr>
@@ -6649,10 +6655,12 @@
                 <a:prstGeom prst="rect">
                   <a:avLst/>
                 </a:prstGeom>
-                <a:grpFill/>
+                <a:solidFill>
+                  <a:srgbClr val="008000"/>
+                </a:solidFill>
                 <a:ln w="3175" cmpd="sng">
                   <a:solidFill>
-                    <a:srgbClr val="C0504D"/>
+                    <a:srgbClr val="008000"/>
                   </a:solidFill>
                 </a:ln>
               </p:spPr>
@@ -6698,10 +6706,12 @@
                 <a:prstGeom prst="ellipse">
                   <a:avLst/>
                 </a:prstGeom>
-                <a:grpFill/>
+                <a:solidFill>
+                  <a:srgbClr val="008000"/>
+                </a:solidFill>
                 <a:ln w="3175" cmpd="sng">
                   <a:solidFill>
-                    <a:srgbClr val="C0504D"/>
+                    <a:srgbClr val="008000"/>
                   </a:solidFill>
                 </a:ln>
               </p:spPr>
@@ -6747,10 +6757,12 @@
                 <a:prstGeom prst="ellipse">
                   <a:avLst/>
                 </a:prstGeom>
-                <a:grpFill/>
+                <a:solidFill>
+                  <a:srgbClr val="008000"/>
+                </a:solidFill>
                 <a:ln w="3175" cmpd="sng">
                   <a:solidFill>
-                    <a:srgbClr val="C0504D"/>
+                    <a:srgbClr val="008000"/>
                   </a:solidFill>
                 </a:ln>
               </p:spPr>
@@ -6796,10 +6808,12 @@
                 <a:prstGeom prst="ellipse">
                   <a:avLst/>
                 </a:prstGeom>
-                <a:grpFill/>
+                <a:solidFill>
+                  <a:srgbClr val="008000"/>
+                </a:solidFill>
                 <a:ln w="3175" cmpd="sng">
                   <a:solidFill>
-                    <a:srgbClr val="C0504D"/>
+                    <a:srgbClr val="008000"/>
                   </a:solidFill>
                 </a:ln>
               </p:spPr>
@@ -7087,10 +7101,12 @@
                 <a:prstGeom prst="rect">
                   <a:avLst/>
                 </a:prstGeom>
-                <a:grpFill/>
+                <a:solidFill>
+                  <a:srgbClr val="008000"/>
+                </a:solidFill>
                 <a:ln w="3175" cmpd="sng">
                   <a:solidFill>
-                    <a:srgbClr val="C0504D"/>
+                    <a:srgbClr val="008000"/>
                   </a:solidFill>
                 </a:ln>
               </p:spPr>
@@ -7136,10 +7152,12 @@
                 <a:prstGeom prst="ellipse">
                   <a:avLst/>
                 </a:prstGeom>
-                <a:grpFill/>
+                <a:solidFill>
+                  <a:srgbClr val="008000"/>
+                </a:solidFill>
                 <a:ln w="3175" cmpd="sng">
                   <a:solidFill>
-                    <a:srgbClr val="C0504D"/>
+                    <a:srgbClr val="008000"/>
                   </a:solidFill>
                 </a:ln>
               </p:spPr>
@@ -7185,10 +7203,12 @@
                 <a:prstGeom prst="ellipse">
                   <a:avLst/>
                 </a:prstGeom>
-                <a:grpFill/>
+                <a:solidFill>
+                  <a:srgbClr val="008000"/>
+                </a:solidFill>
                 <a:ln w="3175" cmpd="sng">
                   <a:solidFill>
-                    <a:srgbClr val="C0504D"/>
+                    <a:srgbClr val="008000"/>
                   </a:solidFill>
                 </a:ln>
               </p:spPr>
@@ -7234,10 +7254,12 @@
                 <a:prstGeom prst="ellipse">
                   <a:avLst/>
                 </a:prstGeom>
-                <a:grpFill/>
+                <a:solidFill>
+                  <a:srgbClr val="008000"/>
+                </a:solidFill>
                 <a:ln w="3175" cmpd="sng">
                   <a:solidFill>
-                    <a:srgbClr val="C0504D"/>
+                    <a:srgbClr val="008000"/>
                   </a:solidFill>
                 </a:ln>
               </p:spPr>
@@ -7533,7 +7555,7 @@
               </a:custGeom>
               <a:ln w="38100" cmpd="sng">
                 <a:solidFill>
-                  <a:schemeClr val="accent2"/>
+                  <a:srgbClr val="008000"/>
                 </a:solidFill>
               </a:ln>
             </p:spPr>
@@ -7839,11 +7861,11 @@
                   <a:avLst/>
                 </a:prstGeom>
                 <a:solidFill>
-                  <a:srgbClr val="C0504D"/>
+                  <a:srgbClr val="008000"/>
                 </a:solidFill>
                 <a:ln w="3175" cmpd="sng">
                   <a:solidFill>
-                    <a:schemeClr val="accent2"/>
+                    <a:srgbClr val="008000"/>
                   </a:solidFill>
                 </a:ln>
               </p:spPr>
@@ -7890,11 +7912,11 @@
                   <a:avLst/>
                 </a:prstGeom>
                 <a:solidFill>
-                  <a:srgbClr val="C0504D"/>
+                  <a:srgbClr val="008000"/>
                 </a:solidFill>
                 <a:ln w="3175" cmpd="sng">
                   <a:solidFill>
-                    <a:schemeClr val="accent2"/>
+                    <a:srgbClr val="008000"/>
                   </a:solidFill>
                 </a:ln>
               </p:spPr>
@@ -7941,11 +7963,11 @@
                   <a:avLst/>
                 </a:prstGeom>
                 <a:solidFill>
-                  <a:srgbClr val="C0504D"/>
+                  <a:srgbClr val="008000"/>
                 </a:solidFill>
                 <a:ln w="3175" cmpd="sng">
                   <a:solidFill>
-                    <a:schemeClr val="accent2"/>
+                    <a:srgbClr val="008000"/>
                   </a:solidFill>
                 </a:ln>
               </p:spPr>
@@ -7992,11 +8014,11 @@
                   <a:avLst/>
                 </a:prstGeom>
                 <a:solidFill>
-                  <a:srgbClr val="C0504D"/>
+                  <a:srgbClr val="008000"/>
                 </a:solidFill>
                 <a:ln w="3175" cmpd="sng">
                   <a:solidFill>
-                    <a:schemeClr val="accent2"/>
+                    <a:srgbClr val="008000"/>
                   </a:solidFill>
                 </a:ln>
               </p:spPr>
@@ -8274,10 +8296,12 @@
                 <a:prstGeom prst="rect">
                   <a:avLst/>
                 </a:prstGeom>
-                <a:grpFill/>
+                <a:solidFill>
+                  <a:srgbClr val="008000"/>
+                </a:solidFill>
                 <a:ln w="3175" cmpd="sng">
                   <a:solidFill>
-                    <a:schemeClr val="accent2"/>
+                    <a:srgbClr val="008000"/>
                   </a:solidFill>
                 </a:ln>
               </p:spPr>
@@ -8323,10 +8347,12 @@
                 <a:prstGeom prst="ellipse">
                   <a:avLst/>
                 </a:prstGeom>
-                <a:grpFill/>
+                <a:solidFill>
+                  <a:srgbClr val="008000"/>
+                </a:solidFill>
                 <a:ln w="3175" cmpd="sng">
                   <a:solidFill>
-                    <a:schemeClr val="accent2"/>
+                    <a:srgbClr val="008000"/>
                   </a:solidFill>
                 </a:ln>
               </p:spPr>
@@ -8372,10 +8398,12 @@
                 <a:prstGeom prst="ellipse">
                   <a:avLst/>
                 </a:prstGeom>
-                <a:grpFill/>
+                <a:solidFill>
+                  <a:srgbClr val="008000"/>
+                </a:solidFill>
                 <a:ln w="3175" cmpd="sng">
                   <a:solidFill>
-                    <a:schemeClr val="accent2"/>
+                    <a:srgbClr val="008000"/>
                   </a:solidFill>
                 </a:ln>
               </p:spPr>
@@ -8421,10 +8449,12 @@
                 <a:prstGeom prst="ellipse">
                   <a:avLst/>
                 </a:prstGeom>
-                <a:grpFill/>
+                <a:solidFill>
+                  <a:srgbClr val="008000"/>
+                </a:solidFill>
                 <a:ln w="3175" cmpd="sng">
                   <a:solidFill>
-                    <a:schemeClr val="accent2"/>
+                    <a:srgbClr val="008000"/>
                   </a:solidFill>
                 </a:ln>
               </p:spPr>
@@ -11073,15 +11103,11 @@
                   </a:avLst>
                 </a:prstGeom>
                 <a:solidFill>
-                  <a:schemeClr val="bg1">
-                    <a:lumMod val="65000"/>
-                  </a:schemeClr>
+                  <a:srgbClr val="FF6600"/>
                 </a:solidFill>
                 <a:ln>
                   <a:solidFill>
-                    <a:schemeClr val="bg1">
-                      <a:lumMod val="65000"/>
-                    </a:schemeClr>
+                    <a:srgbClr val="FF6600"/>
                   </a:solidFill>
                 </a:ln>
               </p:spPr>
@@ -11187,11 +11213,11 @@
                   </a:avLst>
                 </a:prstGeom>
                 <a:solidFill>
-                  <a:schemeClr val="accent2"/>
+                  <a:srgbClr val="008000"/>
                 </a:solidFill>
                 <a:ln>
                   <a:solidFill>
-                    <a:schemeClr val="accent2"/>
+                    <a:srgbClr val="008000"/>
                   </a:solidFill>
                 </a:ln>
               </p:spPr>
@@ -22875,10 +22901,6 @@
                     </a:rPr>
                     <a:t>hort infection, sequencing</a:t>
                   </a:r>
-                  <a:endParaRPr lang="en-US" sz="1200" b="1" dirty="0" smtClean="0">
-                    <a:latin typeface="Arial"/>
-                    <a:cs typeface="Arial"/>
-                  </a:endParaRPr>
                 </a:p>
               </p:txBody>
             </p:sp>
